--- a/doc/Hit_Data_Analysis.pptx
+++ b/doc/Hit_Data_Analysis.pptx
@@ -125,6 +125,7 @@
   <p1510:revLst>
     <p1510:client id="{6EC16597-8CA5-9184-8C24-DCFAAD3655E4}" v="3" dt="2021-11-19T06:09:15.101"/>
     <p1510:client id="{8A9752C7-0F59-49C6-856E-E57927241906}" v="2017" dt="2021-11-19T05:09:35.781"/>
+    <p1510:client id="{D2722442-3B1C-0850-A2F5-BB60D72EB3FF}" v="7" dt="2021-11-19T21:06:48.851"/>
     <p1510:client id="{FD972AA4-CFED-ECA8-8F5E-B7385354E89C}" v="85" dt="2021-11-19T05:52:02.421"/>
   </p1510:revLst>
 </p1510:revInfo>
@@ -3220,8 +3221,15 @@
           </a:pPr>
           <a:r>
             <a:rPr lang="en-US"/>
-            <a:t>Output file as per client requirments</a:t>
+            <a:t>Output file as per client </a:t>
           </a:r>
+          <a:r>
+            <a:rPr lang="en-US">
+              <a:latin typeface="Calibri Light" panose="020F0302020204030204"/>
+            </a:rPr>
+            <a:t>requirements</a:t>
+          </a:r>
+          <a:endParaRPr lang="en-US"/>
         </a:p>
       </dgm:t>
     </dgm:pt>
@@ -3264,12 +3272,12 @@
             <a:t>e.g. </a:t>
           </a:r>
           <a:r>
-            <a:rPr lang="en-US" b="1">
+            <a:rPr lang="en-US" b="1" dirty="0">
               <a:hlinkClick xmlns:r="http://schemas.openxmlformats.org/officeDocument/2006/relationships" r:id="rId1"/>
             </a:rPr>
             <a:t>2021-11-17_SearchKeywordPerformance.tab</a:t>
           </a:r>
-          <a:endParaRPr lang="en-US"/>
+          <a:endParaRPr lang="en-US" dirty="0"/>
         </a:p>
       </dgm:t>
     </dgm:pt>
@@ -5604,8 +5612,15 @@
           </a:pPr>
           <a:r>
             <a:rPr lang="en-US" sz="1900" kern="1200"/>
-            <a:t>Output file as per client requirments</a:t>
+            <a:t>Output file as per client </a:t>
           </a:r>
+          <a:r>
+            <a:rPr lang="en-US" sz="1900" kern="1200">
+              <a:latin typeface="Calibri Light" panose="020F0302020204030204"/>
+            </a:rPr>
+            <a:t>requirements</a:t>
+          </a:r>
+          <a:endParaRPr lang="en-US" sz="1900" kern="1200"/>
         </a:p>
       </dsp:txBody>
       <dsp:txXfrm>
@@ -5667,12 +5682,12 @@
             <a:t>e.g. </a:t>
           </a:r>
           <a:r>
-            <a:rPr lang="en-US" sz="1100" b="1" kern="1200">
+            <a:rPr lang="en-US" sz="1100" b="1" kern="1200" dirty="0">
               <a:hlinkClick xmlns:r="http://schemas.openxmlformats.org/officeDocument/2006/relationships" r:id="rId9"/>
             </a:rPr>
             <a:t>2021-11-17_SearchKeywordPerformance.tab</a:t>
           </a:r>
-          <a:endParaRPr lang="en-US" sz="1100" kern="1200"/>
+          <a:endParaRPr lang="en-US" sz="1100" kern="1200" dirty="0"/>
         </a:p>
       </dsp:txBody>
       <dsp:txXfrm>
@@ -10466,7 +10481,7 @@
           <a:p>
             <a:fld id="{846CE7D5-CF57-46EF-B807-FDD0502418D4}" type="datetimeFigureOut">
               <a:rPr lang="en-US" smtClean="0"/>
-              <a:t>11/18/2021</a:t>
+              <a:t>11/19/2021</a:t>
             </a:fld>
             <a:endParaRPr lang="en-US"/>
           </a:p>
@@ -10636,7 +10651,7 @@
           <a:p>
             <a:fld id="{846CE7D5-CF57-46EF-B807-FDD0502418D4}" type="datetimeFigureOut">
               <a:rPr lang="en-US" smtClean="0"/>
-              <a:t>11/18/2021</a:t>
+              <a:t>11/19/2021</a:t>
             </a:fld>
             <a:endParaRPr lang="en-US"/>
           </a:p>
@@ -10816,7 +10831,7 @@
           <a:p>
             <a:fld id="{846CE7D5-CF57-46EF-B807-FDD0502418D4}" type="datetimeFigureOut">
               <a:rPr lang="en-US" smtClean="0"/>
-              <a:t>11/18/2021</a:t>
+              <a:t>11/19/2021</a:t>
             </a:fld>
             <a:endParaRPr lang="en-US"/>
           </a:p>
@@ -10986,7 +11001,7 @@
           <a:p>
             <a:fld id="{846CE7D5-CF57-46EF-B807-FDD0502418D4}" type="datetimeFigureOut">
               <a:rPr lang="en-US" smtClean="0"/>
-              <a:t>11/18/2021</a:t>
+              <a:t>11/19/2021</a:t>
             </a:fld>
             <a:endParaRPr lang="en-US"/>
           </a:p>
@@ -11232,7 +11247,7 @@
           <a:p>
             <a:fld id="{846CE7D5-CF57-46EF-B807-FDD0502418D4}" type="datetimeFigureOut">
               <a:rPr lang="en-US" smtClean="0"/>
-              <a:t>11/18/2021</a:t>
+              <a:t>11/19/2021</a:t>
             </a:fld>
             <a:endParaRPr lang="en-US"/>
           </a:p>
@@ -11464,7 +11479,7 @@
           <a:p>
             <a:fld id="{846CE7D5-CF57-46EF-B807-FDD0502418D4}" type="datetimeFigureOut">
               <a:rPr lang="en-US" smtClean="0"/>
-              <a:t>11/18/2021</a:t>
+              <a:t>11/19/2021</a:t>
             </a:fld>
             <a:endParaRPr lang="en-US"/>
           </a:p>
@@ -11831,7 +11846,7 @@
           <a:p>
             <a:fld id="{846CE7D5-CF57-46EF-B807-FDD0502418D4}" type="datetimeFigureOut">
               <a:rPr lang="en-US" smtClean="0"/>
-              <a:t>11/18/2021</a:t>
+              <a:t>11/19/2021</a:t>
             </a:fld>
             <a:endParaRPr lang="en-US"/>
           </a:p>
@@ -11949,7 +11964,7 @@
           <a:p>
             <a:fld id="{846CE7D5-CF57-46EF-B807-FDD0502418D4}" type="datetimeFigureOut">
               <a:rPr lang="en-US" smtClean="0"/>
-              <a:t>11/18/2021</a:t>
+              <a:t>11/19/2021</a:t>
             </a:fld>
             <a:endParaRPr lang="en-US"/>
           </a:p>
@@ -12044,7 +12059,7 @@
           <a:p>
             <a:fld id="{846CE7D5-CF57-46EF-B807-FDD0502418D4}" type="datetimeFigureOut">
               <a:rPr lang="en-US" smtClean="0"/>
-              <a:t>11/18/2021</a:t>
+              <a:t>11/19/2021</a:t>
             </a:fld>
             <a:endParaRPr lang="en-US"/>
           </a:p>
@@ -12321,7 +12336,7 @@
           <a:p>
             <a:fld id="{846CE7D5-CF57-46EF-B807-FDD0502418D4}" type="datetimeFigureOut">
               <a:rPr lang="en-US" smtClean="0"/>
-              <a:t>11/18/2021</a:t>
+              <a:t>11/19/2021</a:t>
             </a:fld>
             <a:endParaRPr lang="en-US"/>
           </a:p>
@@ -12578,7 +12593,7 @@
           <a:p>
             <a:fld id="{846CE7D5-CF57-46EF-B807-FDD0502418D4}" type="datetimeFigureOut">
               <a:rPr lang="en-US" smtClean="0"/>
-              <a:t>11/18/2021</a:t>
+              <a:t>11/19/2021</a:t>
             </a:fld>
             <a:endParaRPr lang="en-US"/>
           </a:p>
@@ -12791,7 +12806,7 @@
           <a:p>
             <a:fld id="{846CE7D5-CF57-46EF-B807-FDD0502418D4}" type="datetimeFigureOut">
               <a:rPr lang="en-US" smtClean="0"/>
-              <a:t>11/18/2021</a:t>
+              <a:t>11/19/2021</a:t>
             </a:fld>
             <a:endParaRPr lang="en-US"/>
           </a:p>
@@ -15127,7 +15142,7 @@
                 <a:ea typeface="+mj-lt"/>
                 <a:cs typeface="+mj-lt"/>
               </a:rPr>
-              <a:t>Ip's who viwed products or added products into cart but no purchased yet </a:t>
+              <a:t>Ip's which viewed products or added products into cart but no purchased yet </a:t>
             </a:r>
           </a:p>
           <a:p>
@@ -15146,7 +15161,7 @@
                 <a:ea typeface="+mj-lt"/>
                 <a:cs typeface="+mj-lt"/>
               </a:rPr>
-              <a:t>Can help identify potentila buyers</a:t>
+              <a:t>Can help identify potential buyers</a:t>
             </a:r>
             <a:endParaRPr lang="en-US" sz="2800" dirty="0">
               <a:ea typeface="+mj-lt"/>

--- a/doc/Hit_Data_Analysis.pptx
+++ b/doc/Hit_Data_Analysis.pptx
@@ -12,8 +12,10 @@
     <p:sldId id="269" r:id="rId6"/>
     <p:sldId id="270" r:id="rId7"/>
     <p:sldId id="271" r:id="rId8"/>
-    <p:sldId id="274" r:id="rId9"/>
-    <p:sldId id="259" r:id="rId10"/>
+    <p:sldId id="280" r:id="rId9"/>
+    <p:sldId id="274" r:id="rId10"/>
+    <p:sldId id="279" r:id="rId11"/>
+    <p:sldId id="259" r:id="rId12"/>
   </p:sldIdLst>
   <p:sldSz cx="12192000" cy="6858000"/>
   <p:notesSz cx="6858000" cy="9144000"/>
@@ -123,6 +125,7 @@
 <file path=ppt/revisionInfo.xml><?xml version="1.0" encoding="utf-8"?>
 <p1510:revInfo xmlns:a="http://schemas.openxmlformats.org/drawingml/2006/main" xmlns:r="http://schemas.openxmlformats.org/officeDocument/2006/relationships" xmlns:p1510="http://schemas.microsoft.com/office/powerpoint/2015/10/main">
   <p1510:revLst>
+    <p1510:client id="{3E340C0F-32BA-2AB0-978A-EFFEB2647570}" v="69" dt="2021-11-22T17:02:27.031"/>
     <p1510:client id="{6EC16597-8CA5-9184-8C24-DCFAAD3655E4}" v="3" dt="2021-11-19T06:09:15.101"/>
     <p1510:client id="{8A9752C7-0F59-49C6-856E-E57927241906}" v="2017" dt="2021-11-19T05:09:35.781"/>
     <p1510:client id="{D2722442-3B1C-0850-A2F5-BB60D72EB3FF}" v="7" dt="2021-11-19T21:06:48.851"/>
@@ -1630,6 +1633,755 @@
 </file>
 
 <file path=ppt/diagrams/colors3.xml><?xml version="1.0" encoding="utf-8"?>
+<dgm:colorsDef xmlns:dgm="http://schemas.openxmlformats.org/drawingml/2006/diagram" xmlns:a="http://schemas.openxmlformats.org/drawingml/2006/main" uniqueId="urn:microsoft.com/office/officeart/2018/5/colors/Iconchunking_neutralbg_accent6_2">
+  <dgm:title val=""/>
+  <dgm:desc val=""/>
+  <dgm:catLst>
+    <dgm:cat type="accent6" pri="16200"/>
+  </dgm:catLst>
+  <dgm:styleLbl name="node0">
+    <dgm:fillClrLst meth="repeat">
+      <a:schemeClr val="accent6"/>
+    </dgm:fillClrLst>
+    <dgm:linClrLst meth="repeat">
+      <a:schemeClr val="lt1"/>
+    </dgm:linClrLst>
+    <dgm:effectClrLst/>
+    <dgm:txLinClrLst/>
+    <dgm:txFillClrLst/>
+    <dgm:txEffectClrLst/>
+  </dgm:styleLbl>
+  <dgm:styleLbl name="node1">
+    <dgm:fillClrLst meth="repeat">
+      <a:schemeClr val="accent6"/>
+    </dgm:fillClrLst>
+    <dgm:linClrLst meth="repeat">
+      <a:schemeClr val="lt1">
+        <a:alpha val="0"/>
+      </a:schemeClr>
+    </dgm:linClrLst>
+    <dgm:effectClrLst/>
+    <dgm:txLinClrLst/>
+    <dgm:txFillClrLst/>
+    <dgm:txEffectClrLst/>
+  </dgm:styleLbl>
+  <dgm:styleLbl name="alignNode1">
+    <dgm:fillClrLst meth="repeat">
+      <a:schemeClr val="accent6"/>
+    </dgm:fillClrLst>
+    <dgm:linClrLst meth="repeat">
+      <a:schemeClr val="accent6"/>
+    </dgm:linClrLst>
+    <dgm:effectClrLst/>
+    <dgm:txLinClrLst/>
+    <dgm:txFillClrLst/>
+    <dgm:txEffectClrLst/>
+  </dgm:styleLbl>
+  <dgm:styleLbl name="lnNode1">
+    <dgm:fillClrLst meth="repeat">
+      <a:schemeClr val="accent6"/>
+    </dgm:fillClrLst>
+    <dgm:linClrLst meth="repeat">
+      <a:schemeClr val="lt1"/>
+    </dgm:linClrLst>
+    <dgm:effectClrLst/>
+    <dgm:txLinClrLst/>
+    <dgm:txFillClrLst/>
+    <dgm:txEffectClrLst/>
+  </dgm:styleLbl>
+  <dgm:styleLbl name="vennNode1">
+    <dgm:fillClrLst meth="repeat">
+      <a:schemeClr val="accent6">
+        <a:alpha val="50000"/>
+      </a:schemeClr>
+    </dgm:fillClrLst>
+    <dgm:linClrLst meth="repeat">
+      <a:schemeClr val="lt1"/>
+    </dgm:linClrLst>
+    <dgm:effectClrLst/>
+    <dgm:txLinClrLst/>
+    <dgm:txFillClrLst/>
+    <dgm:txEffectClrLst/>
+  </dgm:styleLbl>
+  <dgm:styleLbl name="node2">
+    <dgm:fillClrLst meth="repeat">
+      <a:schemeClr val="accent6"/>
+    </dgm:fillClrLst>
+    <dgm:linClrLst meth="repeat">
+      <a:schemeClr val="lt1"/>
+    </dgm:linClrLst>
+    <dgm:effectClrLst/>
+    <dgm:txLinClrLst/>
+    <dgm:txFillClrLst/>
+    <dgm:txEffectClrLst/>
+  </dgm:styleLbl>
+  <dgm:styleLbl name="node3">
+    <dgm:fillClrLst meth="repeat">
+      <a:schemeClr val="accent6"/>
+    </dgm:fillClrLst>
+    <dgm:linClrLst meth="repeat">
+      <a:schemeClr val="lt1"/>
+    </dgm:linClrLst>
+    <dgm:effectClrLst/>
+    <dgm:txLinClrLst/>
+    <dgm:txFillClrLst/>
+    <dgm:txEffectClrLst/>
+  </dgm:styleLbl>
+  <dgm:styleLbl name="node4">
+    <dgm:fillClrLst meth="repeat">
+      <a:schemeClr val="accent6"/>
+    </dgm:fillClrLst>
+    <dgm:linClrLst meth="repeat">
+      <a:schemeClr val="lt1"/>
+    </dgm:linClrLst>
+    <dgm:effectClrLst/>
+    <dgm:txLinClrLst/>
+    <dgm:txFillClrLst/>
+    <dgm:txEffectClrLst/>
+  </dgm:styleLbl>
+  <dgm:styleLbl name="fgImgPlace1">
+    <dgm:fillClrLst meth="repeat">
+      <a:schemeClr val="accent6">
+        <a:tint val="50000"/>
+      </a:schemeClr>
+    </dgm:fillClrLst>
+    <dgm:linClrLst meth="repeat">
+      <a:schemeClr val="lt1"/>
+    </dgm:linClrLst>
+    <dgm:effectClrLst/>
+    <dgm:txLinClrLst/>
+    <dgm:txFillClrLst meth="repeat">
+      <a:schemeClr val="lt1"/>
+    </dgm:txFillClrLst>
+    <dgm:txEffectClrLst/>
+  </dgm:styleLbl>
+  <dgm:styleLbl name="alignImgPlace1">
+    <dgm:fillClrLst meth="repeat">
+      <a:schemeClr val="accent6">
+        <a:tint val="50000"/>
+      </a:schemeClr>
+    </dgm:fillClrLst>
+    <dgm:linClrLst meth="repeat">
+      <a:schemeClr val="lt1"/>
+    </dgm:linClrLst>
+    <dgm:effectClrLst/>
+    <dgm:txLinClrLst/>
+    <dgm:txFillClrLst meth="repeat">
+      <a:schemeClr val="lt1"/>
+    </dgm:txFillClrLst>
+    <dgm:txEffectClrLst/>
+  </dgm:styleLbl>
+  <dgm:styleLbl name="bgImgPlace1">
+    <dgm:fillClrLst meth="repeat">
+      <a:schemeClr val="accent6">
+        <a:tint val="50000"/>
+      </a:schemeClr>
+    </dgm:fillClrLst>
+    <dgm:linClrLst meth="repeat">
+      <a:schemeClr val="lt1"/>
+    </dgm:linClrLst>
+    <dgm:effectClrLst/>
+    <dgm:txLinClrLst/>
+    <dgm:txFillClrLst meth="repeat">
+      <a:schemeClr val="lt1"/>
+    </dgm:txFillClrLst>
+    <dgm:txEffectClrLst/>
+  </dgm:styleLbl>
+  <dgm:styleLbl name="sibTrans2D1">
+    <dgm:fillClrLst meth="repeat">
+      <a:schemeClr val="accent6">
+        <a:tint val="60000"/>
+      </a:schemeClr>
+    </dgm:fillClrLst>
+    <dgm:linClrLst meth="repeat">
+      <a:schemeClr val="accent6">
+        <a:tint val="60000"/>
+      </a:schemeClr>
+    </dgm:linClrLst>
+    <dgm:effectClrLst/>
+    <dgm:txLinClrLst/>
+    <dgm:txFillClrLst/>
+    <dgm:txEffectClrLst/>
+  </dgm:styleLbl>
+  <dgm:styleLbl name="fgSibTrans2D1">
+    <dgm:fillClrLst meth="repeat">
+      <a:schemeClr val="accent6">
+        <a:tint val="60000"/>
+      </a:schemeClr>
+    </dgm:fillClrLst>
+    <dgm:linClrLst meth="repeat">
+      <a:schemeClr val="accent6">
+        <a:tint val="60000"/>
+      </a:schemeClr>
+    </dgm:linClrLst>
+    <dgm:effectClrLst/>
+    <dgm:txLinClrLst/>
+    <dgm:txFillClrLst/>
+    <dgm:txEffectClrLst/>
+  </dgm:styleLbl>
+  <dgm:styleLbl name="bgSibTrans2D1">
+    <dgm:fillClrLst meth="repeat">
+      <a:schemeClr val="accent6">
+        <a:tint val="60000"/>
+      </a:schemeClr>
+    </dgm:fillClrLst>
+    <dgm:linClrLst meth="repeat">
+      <a:schemeClr val="accent6">
+        <a:tint val="60000"/>
+      </a:schemeClr>
+    </dgm:linClrLst>
+    <dgm:effectClrLst/>
+    <dgm:txLinClrLst/>
+    <dgm:txFillClrLst/>
+    <dgm:txEffectClrLst/>
+  </dgm:styleLbl>
+  <dgm:styleLbl name="sibTrans1D1">
+    <dgm:fillClrLst meth="repeat">
+      <a:schemeClr val="accent6"/>
+    </dgm:fillClrLst>
+    <dgm:linClrLst meth="repeat">
+      <a:schemeClr val="accent6"/>
+    </dgm:linClrLst>
+    <dgm:effectClrLst/>
+    <dgm:txLinClrLst/>
+    <dgm:txFillClrLst meth="repeat">
+      <a:schemeClr val="tx1"/>
+    </dgm:txFillClrLst>
+    <dgm:txEffectClrLst/>
+  </dgm:styleLbl>
+  <dgm:styleLbl name="callout">
+    <dgm:fillClrLst meth="repeat">
+      <a:schemeClr val="accent6"/>
+    </dgm:fillClrLst>
+    <dgm:linClrLst meth="repeat">
+      <a:schemeClr val="accent6">
+        <a:tint val="50000"/>
+      </a:schemeClr>
+    </dgm:linClrLst>
+    <dgm:effectClrLst/>
+    <dgm:txLinClrLst/>
+    <dgm:txFillClrLst meth="repeat">
+      <a:schemeClr val="tx1"/>
+    </dgm:txFillClrLst>
+    <dgm:txEffectClrLst/>
+  </dgm:styleLbl>
+  <dgm:styleLbl name="asst0">
+    <dgm:fillClrLst meth="repeat">
+      <a:schemeClr val="accent6"/>
+    </dgm:fillClrLst>
+    <dgm:linClrLst meth="repeat">
+      <a:schemeClr val="lt1"/>
+    </dgm:linClrLst>
+    <dgm:effectClrLst/>
+    <dgm:txLinClrLst/>
+    <dgm:txFillClrLst/>
+    <dgm:txEffectClrLst/>
+  </dgm:styleLbl>
+  <dgm:styleLbl name="asst1">
+    <dgm:fillClrLst meth="repeat">
+      <a:schemeClr val="accent6"/>
+    </dgm:fillClrLst>
+    <dgm:linClrLst meth="repeat">
+      <a:schemeClr val="lt1"/>
+    </dgm:linClrLst>
+    <dgm:effectClrLst/>
+    <dgm:txLinClrLst/>
+    <dgm:txFillClrLst/>
+    <dgm:txEffectClrLst/>
+  </dgm:styleLbl>
+  <dgm:styleLbl name="asst2">
+    <dgm:fillClrLst meth="repeat">
+      <a:schemeClr val="accent6"/>
+    </dgm:fillClrLst>
+    <dgm:linClrLst meth="repeat">
+      <a:schemeClr val="lt1"/>
+    </dgm:linClrLst>
+    <dgm:effectClrLst/>
+    <dgm:txLinClrLst/>
+    <dgm:txFillClrLst/>
+    <dgm:txEffectClrLst/>
+  </dgm:styleLbl>
+  <dgm:styleLbl name="asst3">
+    <dgm:fillClrLst meth="repeat">
+      <a:schemeClr val="accent6"/>
+    </dgm:fillClrLst>
+    <dgm:linClrLst meth="repeat">
+      <a:schemeClr val="lt1"/>
+    </dgm:linClrLst>
+    <dgm:effectClrLst/>
+    <dgm:txLinClrLst/>
+    <dgm:txFillClrLst/>
+    <dgm:txEffectClrLst/>
+  </dgm:styleLbl>
+  <dgm:styleLbl name="asst4">
+    <dgm:fillClrLst meth="repeat">
+      <a:schemeClr val="accent6"/>
+    </dgm:fillClrLst>
+    <dgm:linClrLst meth="repeat">
+      <a:schemeClr val="lt1"/>
+    </dgm:linClrLst>
+    <dgm:effectClrLst/>
+    <dgm:txLinClrLst/>
+    <dgm:txFillClrLst/>
+    <dgm:txEffectClrLst/>
+  </dgm:styleLbl>
+  <dgm:styleLbl name="parChTrans2D1">
+    <dgm:fillClrLst meth="repeat">
+      <a:schemeClr val="accent6">
+        <a:tint val="60000"/>
+      </a:schemeClr>
+    </dgm:fillClrLst>
+    <dgm:linClrLst meth="repeat">
+      <a:schemeClr val="accent6">
+        <a:tint val="60000"/>
+      </a:schemeClr>
+    </dgm:linClrLst>
+    <dgm:effectClrLst/>
+    <dgm:txLinClrLst/>
+    <dgm:txFillClrLst meth="repeat">
+      <a:schemeClr val="lt1"/>
+    </dgm:txFillClrLst>
+    <dgm:txEffectClrLst/>
+  </dgm:styleLbl>
+  <dgm:styleLbl name="parChTrans2D2">
+    <dgm:fillClrLst meth="repeat">
+      <a:schemeClr val="accent6"/>
+    </dgm:fillClrLst>
+    <dgm:linClrLst meth="repeat">
+      <a:schemeClr val="accent6"/>
+    </dgm:linClrLst>
+    <dgm:effectClrLst/>
+    <dgm:txLinClrLst/>
+    <dgm:txFillClrLst meth="repeat">
+      <a:schemeClr val="lt1"/>
+    </dgm:txFillClrLst>
+    <dgm:txEffectClrLst/>
+  </dgm:styleLbl>
+  <dgm:styleLbl name="parChTrans2D3">
+    <dgm:fillClrLst meth="repeat">
+      <a:schemeClr val="accent6"/>
+    </dgm:fillClrLst>
+    <dgm:linClrLst meth="repeat">
+      <a:schemeClr val="accent6"/>
+    </dgm:linClrLst>
+    <dgm:effectClrLst/>
+    <dgm:txLinClrLst/>
+    <dgm:txFillClrLst meth="repeat">
+      <a:schemeClr val="lt1"/>
+    </dgm:txFillClrLst>
+    <dgm:txEffectClrLst/>
+  </dgm:styleLbl>
+  <dgm:styleLbl name="parChTrans2D4">
+    <dgm:fillClrLst meth="repeat">
+      <a:schemeClr val="accent6"/>
+    </dgm:fillClrLst>
+    <dgm:linClrLst meth="repeat">
+      <a:schemeClr val="accent6"/>
+    </dgm:linClrLst>
+    <dgm:effectClrLst/>
+    <dgm:txLinClrLst/>
+    <dgm:txFillClrLst meth="repeat">
+      <a:schemeClr val="lt1"/>
+    </dgm:txFillClrLst>
+    <dgm:txEffectClrLst/>
+  </dgm:styleLbl>
+  <dgm:styleLbl name="parChTrans1D1">
+    <dgm:fillClrLst meth="repeat">
+      <a:schemeClr val="accent6"/>
+    </dgm:fillClrLst>
+    <dgm:linClrLst meth="repeat">
+      <a:schemeClr val="accent6">
+        <a:shade val="60000"/>
+      </a:schemeClr>
+    </dgm:linClrLst>
+    <dgm:effectClrLst/>
+    <dgm:txLinClrLst/>
+    <dgm:txFillClrLst meth="repeat">
+      <a:schemeClr val="tx1"/>
+    </dgm:txFillClrLst>
+    <dgm:txEffectClrLst/>
+  </dgm:styleLbl>
+  <dgm:styleLbl name="parChTrans1D2">
+    <dgm:fillClrLst meth="repeat">
+      <a:schemeClr val="accent6"/>
+    </dgm:fillClrLst>
+    <dgm:linClrLst meth="repeat">
+      <a:schemeClr val="accent6">
+        <a:shade val="60000"/>
+      </a:schemeClr>
+    </dgm:linClrLst>
+    <dgm:effectClrLst/>
+    <dgm:txLinClrLst/>
+    <dgm:txFillClrLst meth="repeat">
+      <a:schemeClr val="tx1"/>
+    </dgm:txFillClrLst>
+    <dgm:txEffectClrLst/>
+  </dgm:styleLbl>
+  <dgm:styleLbl name="parChTrans1D3">
+    <dgm:fillClrLst meth="repeat">
+      <a:schemeClr val="accent6"/>
+    </dgm:fillClrLst>
+    <dgm:linClrLst meth="repeat">
+      <a:schemeClr val="accent6">
+        <a:shade val="80000"/>
+      </a:schemeClr>
+    </dgm:linClrLst>
+    <dgm:effectClrLst/>
+    <dgm:txLinClrLst/>
+    <dgm:txFillClrLst meth="repeat">
+      <a:schemeClr val="tx1"/>
+    </dgm:txFillClrLst>
+    <dgm:txEffectClrLst/>
+  </dgm:styleLbl>
+  <dgm:styleLbl name="parChTrans1D4">
+    <dgm:fillClrLst meth="repeat">
+      <a:schemeClr val="accent6"/>
+    </dgm:fillClrLst>
+    <dgm:linClrLst meth="repeat">
+      <a:schemeClr val="accent6">
+        <a:shade val="80000"/>
+      </a:schemeClr>
+    </dgm:linClrLst>
+    <dgm:effectClrLst/>
+    <dgm:txLinClrLst/>
+    <dgm:txFillClrLst meth="repeat">
+      <a:schemeClr val="tx1"/>
+    </dgm:txFillClrLst>
+    <dgm:txEffectClrLst/>
+  </dgm:styleLbl>
+  <dgm:styleLbl name="fgAcc1">
+    <dgm:fillClrLst meth="repeat">
+      <a:schemeClr val="lt1">
+        <a:alpha val="90000"/>
+      </a:schemeClr>
+    </dgm:fillClrLst>
+    <dgm:linClrLst meth="repeat">
+      <a:schemeClr val="accent6"/>
+    </dgm:linClrLst>
+    <dgm:effectClrLst/>
+    <dgm:txLinClrLst/>
+    <dgm:txFillClrLst meth="repeat">
+      <a:schemeClr val="dk1"/>
+    </dgm:txFillClrLst>
+    <dgm:txEffectClrLst/>
+  </dgm:styleLbl>
+  <dgm:styleLbl name="conFgAcc1">
+    <dgm:fillClrLst meth="repeat">
+      <a:schemeClr val="lt1">
+        <a:alpha val="90000"/>
+      </a:schemeClr>
+    </dgm:fillClrLst>
+    <dgm:linClrLst meth="repeat">
+      <a:schemeClr val="accent6"/>
+    </dgm:linClrLst>
+    <dgm:effectClrLst/>
+    <dgm:txLinClrLst/>
+    <dgm:txFillClrLst meth="repeat">
+      <a:schemeClr val="dk1"/>
+    </dgm:txFillClrLst>
+    <dgm:txEffectClrLst/>
+  </dgm:styleLbl>
+  <dgm:styleLbl name="alignAcc1">
+    <dgm:fillClrLst meth="repeat">
+      <a:schemeClr val="lt1">
+        <a:alpha val="90000"/>
+      </a:schemeClr>
+    </dgm:fillClrLst>
+    <dgm:linClrLst meth="repeat">
+      <a:schemeClr val="accent6"/>
+    </dgm:linClrLst>
+    <dgm:effectClrLst/>
+    <dgm:txLinClrLst/>
+    <dgm:txFillClrLst meth="repeat">
+      <a:schemeClr val="dk1"/>
+    </dgm:txFillClrLst>
+    <dgm:txEffectClrLst/>
+  </dgm:styleLbl>
+  <dgm:styleLbl name="trAlignAcc1">
+    <dgm:fillClrLst meth="repeat">
+      <a:schemeClr val="lt1">
+        <a:alpha val="40000"/>
+      </a:schemeClr>
+    </dgm:fillClrLst>
+    <dgm:linClrLst meth="repeat">
+      <a:schemeClr val="accent6"/>
+    </dgm:linClrLst>
+    <dgm:effectClrLst/>
+    <dgm:txLinClrLst/>
+    <dgm:txFillClrLst meth="repeat">
+      <a:schemeClr val="dk1"/>
+    </dgm:txFillClrLst>
+    <dgm:txEffectClrLst/>
+  </dgm:styleLbl>
+  <dgm:styleLbl name="bgAcc1">
+    <dgm:fillClrLst meth="repeat">
+      <a:schemeClr val="lt1">
+        <a:alpha val="90000"/>
+      </a:schemeClr>
+    </dgm:fillClrLst>
+    <dgm:linClrLst meth="repeat">
+      <a:schemeClr val="accent6"/>
+    </dgm:linClrLst>
+    <dgm:effectClrLst/>
+    <dgm:txLinClrLst/>
+    <dgm:txFillClrLst meth="repeat">
+      <a:schemeClr val="dk1"/>
+    </dgm:txFillClrLst>
+    <dgm:txEffectClrLst/>
+  </dgm:styleLbl>
+  <dgm:styleLbl name="solidFgAcc1">
+    <dgm:fillClrLst meth="repeat">
+      <a:schemeClr val="lt1"/>
+    </dgm:fillClrLst>
+    <dgm:linClrLst meth="repeat">
+      <a:schemeClr val="accent6"/>
+    </dgm:linClrLst>
+    <dgm:effectClrLst/>
+    <dgm:txLinClrLst/>
+    <dgm:txFillClrLst meth="repeat">
+      <a:schemeClr val="dk1"/>
+    </dgm:txFillClrLst>
+    <dgm:txEffectClrLst/>
+  </dgm:styleLbl>
+  <dgm:styleLbl name="solidAlignAcc1">
+    <dgm:fillClrLst meth="repeat">
+      <a:schemeClr val="lt1"/>
+    </dgm:fillClrLst>
+    <dgm:linClrLst meth="repeat">
+      <a:schemeClr val="accent6"/>
+    </dgm:linClrLst>
+    <dgm:effectClrLst/>
+    <dgm:txLinClrLst/>
+    <dgm:txFillClrLst meth="repeat">
+      <a:schemeClr val="dk1"/>
+    </dgm:txFillClrLst>
+    <dgm:txEffectClrLst/>
+  </dgm:styleLbl>
+  <dgm:styleLbl name="solidBgAcc1">
+    <dgm:fillClrLst meth="repeat">
+      <a:schemeClr val="lt1"/>
+    </dgm:fillClrLst>
+    <dgm:linClrLst meth="repeat">
+      <a:schemeClr val="accent6"/>
+    </dgm:linClrLst>
+    <dgm:effectClrLst/>
+    <dgm:txLinClrLst/>
+    <dgm:txFillClrLst meth="repeat">
+      <a:schemeClr val="dk1"/>
+    </dgm:txFillClrLst>
+    <dgm:txEffectClrLst/>
+  </dgm:styleLbl>
+  <dgm:styleLbl name="fgAccFollowNode1">
+    <dgm:fillClrLst meth="repeat">
+      <a:schemeClr val="accent6">
+        <a:alpha val="90000"/>
+        <a:tint val="40000"/>
+      </a:schemeClr>
+    </dgm:fillClrLst>
+    <dgm:linClrLst meth="repeat">
+      <a:schemeClr val="accent6">
+        <a:alpha val="90000"/>
+        <a:tint val="40000"/>
+      </a:schemeClr>
+    </dgm:linClrLst>
+    <dgm:effectClrLst/>
+    <dgm:txLinClrLst/>
+    <dgm:txFillClrLst meth="repeat">
+      <a:schemeClr val="dk1"/>
+    </dgm:txFillClrLst>
+    <dgm:txEffectClrLst/>
+  </dgm:styleLbl>
+  <dgm:styleLbl name="alignAccFollowNode1">
+    <dgm:fillClrLst meth="repeat">
+      <a:schemeClr val="accent6">
+        <a:alpha val="90000"/>
+        <a:tint val="40000"/>
+      </a:schemeClr>
+    </dgm:fillClrLst>
+    <dgm:linClrLst meth="repeat">
+      <a:schemeClr val="accent6">
+        <a:alpha val="90000"/>
+        <a:tint val="40000"/>
+      </a:schemeClr>
+    </dgm:linClrLst>
+    <dgm:effectClrLst/>
+    <dgm:txLinClrLst/>
+    <dgm:txFillClrLst meth="repeat">
+      <a:schemeClr val="dk1"/>
+    </dgm:txFillClrLst>
+    <dgm:txEffectClrLst/>
+  </dgm:styleLbl>
+  <dgm:styleLbl name="bgAccFollowNode1">
+    <dgm:fillClrLst meth="repeat">
+      <a:schemeClr val="accent6">
+        <a:alpha val="90000"/>
+        <a:tint val="40000"/>
+      </a:schemeClr>
+    </dgm:fillClrLst>
+    <dgm:linClrLst meth="repeat">
+      <a:schemeClr val="accent6">
+        <a:alpha val="90000"/>
+        <a:tint val="40000"/>
+      </a:schemeClr>
+    </dgm:linClrLst>
+    <dgm:effectClrLst/>
+    <dgm:txLinClrLst/>
+    <dgm:txFillClrLst meth="repeat">
+      <a:schemeClr val="dk1"/>
+    </dgm:txFillClrLst>
+    <dgm:txEffectClrLst/>
+  </dgm:styleLbl>
+  <dgm:styleLbl name="fgAcc0">
+    <dgm:fillClrLst meth="repeat">
+      <a:schemeClr val="lt1">
+        <a:alpha val="90000"/>
+      </a:schemeClr>
+    </dgm:fillClrLst>
+    <dgm:linClrLst meth="repeat">
+      <a:schemeClr val="accent6"/>
+    </dgm:linClrLst>
+    <dgm:effectClrLst/>
+    <dgm:txLinClrLst/>
+    <dgm:txFillClrLst meth="repeat">
+      <a:schemeClr val="dk1"/>
+    </dgm:txFillClrLst>
+    <dgm:txEffectClrLst/>
+  </dgm:styleLbl>
+  <dgm:styleLbl name="fgAcc2">
+    <dgm:fillClrLst meth="repeat">
+      <a:schemeClr val="lt1">
+        <a:alpha val="90000"/>
+      </a:schemeClr>
+    </dgm:fillClrLst>
+    <dgm:linClrLst meth="repeat">
+      <a:schemeClr val="accent6"/>
+    </dgm:linClrLst>
+    <dgm:effectClrLst/>
+    <dgm:txLinClrLst/>
+    <dgm:txFillClrLst meth="repeat">
+      <a:schemeClr val="dk1"/>
+    </dgm:txFillClrLst>
+    <dgm:txEffectClrLst/>
+  </dgm:styleLbl>
+  <dgm:styleLbl name="fgAcc3">
+    <dgm:fillClrLst meth="repeat">
+      <a:schemeClr val="lt1">
+        <a:alpha val="90000"/>
+      </a:schemeClr>
+    </dgm:fillClrLst>
+    <dgm:linClrLst meth="repeat">
+      <a:schemeClr val="accent6"/>
+    </dgm:linClrLst>
+    <dgm:effectClrLst/>
+    <dgm:txLinClrLst/>
+    <dgm:txFillClrLst meth="repeat">
+      <a:schemeClr val="dk1"/>
+    </dgm:txFillClrLst>
+    <dgm:txEffectClrLst/>
+  </dgm:styleLbl>
+  <dgm:styleLbl name="fgAcc4">
+    <dgm:fillClrLst meth="repeat">
+      <a:schemeClr val="lt1">
+        <a:alpha val="90000"/>
+      </a:schemeClr>
+    </dgm:fillClrLst>
+    <dgm:linClrLst meth="repeat">
+      <a:schemeClr val="accent6"/>
+    </dgm:linClrLst>
+    <dgm:effectClrLst/>
+    <dgm:txLinClrLst/>
+    <dgm:txFillClrLst meth="repeat">
+      <a:schemeClr val="dk1"/>
+    </dgm:txFillClrLst>
+    <dgm:txEffectClrLst/>
+  </dgm:styleLbl>
+  <dgm:styleLbl name="bgShp">
+    <dgm:fillClrLst meth="repeat">
+      <a:schemeClr val="bg1">
+        <a:lumMod val="95000"/>
+      </a:schemeClr>
+    </dgm:fillClrLst>
+    <dgm:linClrLst meth="repeat">
+      <a:schemeClr val="accent6"/>
+    </dgm:linClrLst>
+    <dgm:effectClrLst/>
+    <dgm:txLinClrLst/>
+    <dgm:txFillClrLst meth="repeat">
+      <a:schemeClr val="dk1"/>
+    </dgm:txFillClrLst>
+    <dgm:txEffectClrLst/>
+  </dgm:styleLbl>
+  <dgm:styleLbl name="dkBgShp">
+    <dgm:fillClrLst meth="repeat">
+      <a:schemeClr val="accent6">
+        <a:shade val="80000"/>
+      </a:schemeClr>
+    </dgm:fillClrLst>
+    <dgm:linClrLst meth="repeat">
+      <a:schemeClr val="accent6"/>
+    </dgm:linClrLst>
+    <dgm:effectClrLst/>
+    <dgm:txLinClrLst/>
+    <dgm:txFillClrLst meth="repeat">
+      <a:schemeClr val="lt1"/>
+    </dgm:txFillClrLst>
+    <dgm:txEffectClrLst/>
+  </dgm:styleLbl>
+  <dgm:styleLbl name="trBgShp">
+    <dgm:fillClrLst meth="repeat">
+      <a:schemeClr val="accent6">
+        <a:tint val="50000"/>
+        <a:alpha val="40000"/>
+      </a:schemeClr>
+    </dgm:fillClrLst>
+    <dgm:linClrLst meth="repeat">
+      <a:schemeClr val="accent6"/>
+    </dgm:linClrLst>
+    <dgm:effectClrLst/>
+    <dgm:txLinClrLst/>
+    <dgm:txFillClrLst meth="repeat">
+      <a:schemeClr val="lt1"/>
+    </dgm:txFillClrLst>
+    <dgm:txEffectClrLst/>
+  </dgm:styleLbl>
+  <dgm:styleLbl name="fgShp">
+    <dgm:fillClrLst meth="repeat">
+      <a:schemeClr val="accent6">
+        <a:tint val="60000"/>
+      </a:schemeClr>
+    </dgm:fillClrLst>
+    <dgm:linClrLst meth="repeat">
+      <a:schemeClr val="lt1"/>
+    </dgm:linClrLst>
+    <dgm:effectClrLst/>
+    <dgm:txLinClrLst/>
+    <dgm:txFillClrLst meth="repeat">
+      <a:schemeClr val="dk1"/>
+    </dgm:txFillClrLst>
+    <dgm:txEffectClrLst/>
+  </dgm:styleLbl>
+  <dgm:styleLbl name="revTx">
+    <dgm:fillClrLst meth="repeat">
+      <a:schemeClr val="lt1">
+        <a:alpha val="0"/>
+      </a:schemeClr>
+    </dgm:fillClrLst>
+    <dgm:linClrLst meth="repeat">
+      <a:schemeClr val="dk1">
+        <a:alpha val="0"/>
+      </a:schemeClr>
+    </dgm:linClrLst>
+    <dgm:effectClrLst/>
+    <dgm:txLinClrLst/>
+    <dgm:txFillClrLst meth="repeat">
+      <a:schemeClr val="tx1"/>
+    </dgm:txFillClrLst>
+    <dgm:txEffectClrLst/>
+  </dgm:styleLbl>
+</dgm:colorsDef>
+</file>
+
+<file path=ppt/diagrams/colors4.xml><?xml version="1.0" encoding="utf-8"?>
 <dgm:colorsDef xmlns:dgm="http://schemas.openxmlformats.org/drawingml/2006/diagram" xmlns:a="http://schemas.openxmlformats.org/drawingml/2006/main" uniqueId="urn:microsoft.com/office/officeart/2018/5/colors/Iconchunking_neutralbg_accent6_2">
   <dgm:title val=""/>
   <dgm:desc val=""/>
@@ -3795,13 +4547,7 @@
             <a:rPr lang="en-US" b="0" dirty="0">
               <a:latin typeface="Calibri Light" panose="020F0302020204030204"/>
             </a:rPr>
-            <a:t>Python - </a:t>
-          </a:r>
-          <a:r>
-            <a:rPr lang="en-US" b="0" dirty="0" err="1">
-              <a:latin typeface="Calibri Light" panose="020F0302020204030204"/>
-            </a:rPr>
-            <a:t>PySpark</a:t>
+            <a:t>Python – PySpark</a:t>
           </a:r>
           <a:endParaRPr lang="en-US" dirty="0">
             <a:latin typeface="Calibri Light" panose="020F0302020204030204"/>
@@ -3969,35 +4715,6 @@
       <dgm:prSet/>
       <dgm:spPr/>
     </dgm:pt>
-    <dgm:pt modelId="{E30543C4-5847-4104-977D-627F80FF53B3}">
-      <dgm:prSet phldr="0"/>
-      <dgm:spPr/>
-      <dgm:t>
-        <a:bodyPr/>
-        <a:lstStyle/>
-        <a:p>
-          <a:pPr>
-            <a:lnSpc>
-              <a:spcPct val="100000"/>
-            </a:lnSpc>
-          </a:pPr>
-          <a:r>
-            <a:rPr lang="en-US" dirty="0">
-              <a:latin typeface="Calibri Light" panose="020F0302020204030204"/>
-            </a:rPr>
-            <a:t>Auth0</a:t>
-          </a:r>
-        </a:p>
-      </dgm:t>
-    </dgm:pt>
-    <dgm:pt modelId="{7E3117C5-3CB8-4AC4-866C-9C11F80C3647}" type="parTrans" cxnId="{44463B7F-C3E3-4AE6-A8B6-12D7305EB681}">
-      <dgm:prSet/>
-      <dgm:spPr/>
-    </dgm:pt>
-    <dgm:pt modelId="{6664BA54-66D2-40E0-9131-7BF7A1AFAE77}" type="sibTrans" cxnId="{44463B7F-C3E3-4AE6-A8B6-12D7305EB681}">
-      <dgm:prSet/>
-      <dgm:spPr/>
-    </dgm:pt>
     <dgm:pt modelId="{CDD74E18-1006-4C43-962A-8169237B641F}">
       <dgm:prSet phldr="0"/>
       <dgm:spPr/>
@@ -4024,6 +4741,65 @@
       <dgm:spPr/>
     </dgm:pt>
     <dgm:pt modelId="{BB13BC4F-B61D-49E0-8719-22C7BFC82A60}" type="sibTrans" cxnId="{0BBFD03E-931A-491B-9412-4A3B14D956F6}">
+      <dgm:prSet/>
+      <dgm:spPr/>
+    </dgm:pt>
+    <dgm:pt modelId="{BD992724-1F34-468D-A2B5-2436C96F3136}">
+      <dgm:prSet phldr="0"/>
+      <dgm:spPr/>
+      <dgm:t>
+        <a:bodyPr/>
+        <a:lstStyle/>
+        <a:p>
+          <a:pPr>
+            <a:lnSpc>
+              <a:spcPct val="100000"/>
+            </a:lnSpc>
+          </a:pPr>
+          <a:r>
+            <a:rPr lang="en-US" dirty="0">
+              <a:latin typeface="Calibri Light" panose="020F0302020204030204"/>
+            </a:rPr>
+            <a:t>Pycharm</a:t>
+          </a:r>
+          <a:endParaRPr lang="en-US" dirty="0"/>
+        </a:p>
+      </dgm:t>
+    </dgm:pt>
+    <dgm:pt modelId="{02747990-EEBF-4874-9965-20980539751C}" type="parTrans" cxnId="{11903E36-0907-477C-A389-CD6B2E0A14DB}">
+      <dgm:prSet/>
+      <dgm:spPr/>
+    </dgm:pt>
+    <dgm:pt modelId="{D778D170-9F92-4FEC-894A-54C11C319600}" type="sibTrans" cxnId="{11903E36-0907-477C-A389-CD6B2E0A14DB}">
+      <dgm:prSet/>
+      <dgm:spPr/>
+    </dgm:pt>
+    <dgm:pt modelId="{877A882A-724E-411E-9061-6446F0EFA817}">
+      <dgm:prSet phldr="0"/>
+      <dgm:spPr/>
+      <dgm:t>
+        <a:bodyPr/>
+        <a:lstStyle/>
+        <a:p>
+          <a:pPr>
+            <a:lnSpc>
+              <a:spcPct val="100000"/>
+            </a:lnSpc>
+          </a:pPr>
+          <a:r>
+            <a:rPr lang="en-US" dirty="0">
+              <a:latin typeface="Calibri Light" panose="020F0302020204030204"/>
+            </a:rPr>
+            <a:t>Auth0</a:t>
+          </a:r>
+        </a:p>
+      </dgm:t>
+    </dgm:pt>
+    <dgm:pt modelId="{D6BCBB7A-77F4-4DC3-93A7-C31540F74735}" type="parTrans" cxnId="{7F022898-8441-4F94-A568-90E067E80471}">
+      <dgm:prSet/>
+      <dgm:spPr/>
+    </dgm:pt>
+    <dgm:pt modelId="{5027A699-F78A-4442-A758-1984A2FBEC53}" type="sibTrans" cxnId="{7F022898-8441-4F94-A568-90E067E80471}">
       <dgm:prSet/>
       <dgm:spPr/>
     </dgm:pt>
@@ -4146,37 +4922,397 @@
     </dgm:pt>
   </dgm:ptLst>
   <dgm:cxnLst>
-    <dgm:cxn modelId="{2CBB1501-9590-4EC5-8EC5-D726B1889594}" type="presOf" srcId="{A24A1B3E-A040-468D-B7DF-5A1CA42CA512}" destId="{127CF257-3091-4FA7-A19E-85EF634193CA}" srcOrd="0" destOrd="3" presId="urn:microsoft.com/office/officeart/2018/2/layout/IconVerticalSolidList"/>
-    <dgm:cxn modelId="{8EE3FD0E-0303-4A52-A362-1D52C6908C09}" type="presOf" srcId="{E30543C4-5847-4104-977D-627F80FF53B3}" destId="{127CF257-3091-4FA7-A19E-85EF634193CA}" srcOrd="0" destOrd="5" presId="urn:microsoft.com/office/officeart/2018/2/layout/IconVerticalSolidList"/>
-    <dgm:cxn modelId="{0B99EF12-AE24-4552-82E4-C4DED1751572}" type="presOf" srcId="{A53D6C86-C5FA-4CD1-B890-D301F13C8BE2}" destId="{127CF257-3091-4FA7-A19E-85EF634193CA}" srcOrd="0" destOrd="1" presId="urn:microsoft.com/office/officeart/2018/2/layout/IconVerticalSolidList"/>
+    <dgm:cxn modelId="{2CC4EA0F-53FD-4CC4-A3AB-84B3F162E8F4}" type="presOf" srcId="{BB935F7D-91CF-4BFA-BF59-8DDCD56896BF}" destId="{127CF257-3091-4FA7-A19E-85EF634193CA}" srcOrd="0" destOrd="0" presId="urn:microsoft.com/office/officeart/2018/2/layout/IconVerticalSolidList"/>
+    <dgm:cxn modelId="{E5334814-573B-4BBA-9B51-3687F9ADE9E3}" type="presOf" srcId="{212881AE-EBDF-445C-B4E0-394D46A085CE}" destId="{127CF257-3091-4FA7-A19E-85EF634193CA}" srcOrd="0" destOrd="4" presId="urn:microsoft.com/office/officeart/2018/2/layout/IconVerticalSolidList"/>
+    <dgm:cxn modelId="{1997F117-7555-46C7-B525-79DC3603638E}" type="presOf" srcId="{550C9428-185D-4FA2-8A6D-326A2C77642F}" destId="{8D1E6FCD-897F-4DCB-9934-2F1A63B7BF7A}" srcOrd="0" destOrd="0" presId="urn:microsoft.com/office/officeart/2018/2/layout/IconVerticalSolidList"/>
+    <dgm:cxn modelId="{25236824-96EF-439E-A2B3-DC803AFECC3E}" type="presOf" srcId="{A53D6C86-C5FA-4CD1-B890-D301F13C8BE2}" destId="{127CF257-3091-4FA7-A19E-85EF634193CA}" srcOrd="0" destOrd="3" presId="urn:microsoft.com/office/officeart/2018/2/layout/IconVerticalSolidList"/>
     <dgm:cxn modelId="{0A077725-019F-491C-95FE-A614546968B1}" srcId="{550C9428-185D-4FA2-8A6D-326A2C77642F}" destId="{BB935F7D-91CF-4BFA-BF59-8DDCD56896BF}" srcOrd="0" destOrd="0" parTransId="{E99D9713-0FBA-479B-9A61-F148185D068C}" sibTransId="{39FD93E3-7961-453B-83CD-1CE9BFC9A605}"/>
-    <dgm:cxn modelId="{FE6F912A-0180-4862-AF5A-32E699A0520F}" srcId="{550C9428-185D-4FA2-8A6D-326A2C77642F}" destId="{A24A1B3E-A040-468D-B7DF-5A1CA42CA512}" srcOrd="3" destOrd="0" parTransId="{718F6DCB-2188-47DF-BDE4-B0F4CC4B9E0B}" sibTransId="{0A298D95-8648-4CC9-B849-F15ACC783E8F}"/>
-    <dgm:cxn modelId="{0BBFD03E-931A-491B-9412-4A3B14D956F6}" srcId="{550C9428-185D-4FA2-8A6D-326A2C77642F}" destId="{CDD74E18-1006-4C43-962A-8169237B641F}" srcOrd="6" destOrd="0" parTransId="{8AF911CA-2CF8-4E33-A259-CD099E0CBC02}" sibTransId="{BB13BC4F-B61D-49E0-8719-22C7BFC82A60}"/>
-    <dgm:cxn modelId="{FEE92B66-E8CE-46E3-975C-36086A8E2963}" srcId="{550C9428-185D-4FA2-8A6D-326A2C77642F}" destId="{A53D6C86-C5FA-4CD1-B890-D301F13C8BE2}" srcOrd="1" destOrd="0" parTransId="{6D6A2DE6-9F63-4A1F-A6DB-82907744AF29}" sibTransId="{24861F5F-460B-495C-88AF-1326511C72C4}"/>
-    <dgm:cxn modelId="{705DBB70-B8AC-4095-A26E-C2EF43C4C853}" type="presOf" srcId="{212881AE-EBDF-445C-B4E0-394D46A085CE}" destId="{127CF257-3091-4FA7-A19E-85EF634193CA}" srcOrd="0" destOrd="2" presId="urn:microsoft.com/office/officeart/2018/2/layout/IconVerticalSolidList"/>
-    <dgm:cxn modelId="{44463B7F-C3E3-4AE6-A8B6-12D7305EB681}" srcId="{550C9428-185D-4FA2-8A6D-326A2C77642F}" destId="{E30543C4-5847-4104-977D-627F80FF53B3}" srcOrd="5" destOrd="0" parTransId="{7E3117C5-3CB8-4AC4-866C-9C11F80C3647}" sibTransId="{6664BA54-66D2-40E0-9131-7BF7A1AFAE77}"/>
-    <dgm:cxn modelId="{E5DC7B95-31AE-4BEF-AF5D-06059A8E3021}" type="presOf" srcId="{CDD74E18-1006-4C43-962A-8169237B641F}" destId="{127CF257-3091-4FA7-A19E-85EF634193CA}" srcOrd="0" destOrd="6" presId="urn:microsoft.com/office/officeart/2018/2/layout/IconVerticalSolidList"/>
-    <dgm:cxn modelId="{CA4CA79B-AB55-4F57-9E31-E2431E7430C9}" type="presOf" srcId="{AF418BF5-97F5-4FC6-ADFF-AC2B8EF9D960}" destId="{3B694C6C-DF10-44FA-B99D-78FB2F21CB7E}" srcOrd="0" destOrd="0" presId="urn:microsoft.com/office/officeart/2018/2/layout/IconVerticalSolidList"/>
-    <dgm:cxn modelId="{E931209C-B9F3-4BC6-B609-275F3461110D}" srcId="{550C9428-185D-4FA2-8A6D-326A2C77642F}" destId="{77755DCE-051D-4EDB-80C5-FAC9EE99C3D5}" srcOrd="4" destOrd="0" parTransId="{627C1892-0CB4-4BC8-BA5C-8D16082A6CAC}" sibTransId="{AE21E0AF-853C-43D4-AE1A-C3E84C3B690C}"/>
-    <dgm:cxn modelId="{2D7F72AE-1B60-4E90-AE27-84DBC47C6B3F}" type="presOf" srcId="{BB935F7D-91CF-4BFA-BF59-8DDCD56896BF}" destId="{127CF257-3091-4FA7-A19E-85EF634193CA}" srcOrd="0" destOrd="0" presId="urn:microsoft.com/office/officeart/2018/2/layout/IconVerticalSolidList"/>
+    <dgm:cxn modelId="{FE6F912A-0180-4862-AF5A-32E699A0520F}" srcId="{550C9428-185D-4FA2-8A6D-326A2C77642F}" destId="{A24A1B3E-A040-468D-B7DF-5A1CA42CA512}" srcOrd="5" destOrd="0" parTransId="{718F6DCB-2188-47DF-BDE4-B0F4CC4B9E0B}" sibTransId="{0A298D95-8648-4CC9-B849-F15ACC783E8F}"/>
+    <dgm:cxn modelId="{0CBE3233-7217-4B8D-AE86-9FE3701109DE}" type="presOf" srcId="{BD992724-1F34-468D-A2B5-2436C96F3136}" destId="{127CF257-3091-4FA7-A19E-85EF634193CA}" srcOrd="0" destOrd="1" presId="urn:microsoft.com/office/officeart/2018/2/layout/IconVerticalSolidList"/>
+    <dgm:cxn modelId="{11903E36-0907-477C-A389-CD6B2E0A14DB}" srcId="{550C9428-185D-4FA2-8A6D-326A2C77642F}" destId="{BD992724-1F34-468D-A2B5-2436C96F3136}" srcOrd="1" destOrd="0" parTransId="{02747990-EEBF-4874-9965-20980539751C}" sibTransId="{D778D170-9F92-4FEC-894A-54C11C319600}"/>
+    <dgm:cxn modelId="{0034413B-45CD-4A7E-8B83-3C7274BD45BA}" type="presOf" srcId="{CDD74E18-1006-4C43-962A-8169237B641F}" destId="{127CF257-3091-4FA7-A19E-85EF634193CA}" srcOrd="0" destOrd="7" presId="urn:microsoft.com/office/officeart/2018/2/layout/IconVerticalSolidList"/>
+    <dgm:cxn modelId="{0BBFD03E-931A-491B-9412-4A3B14D956F6}" srcId="{550C9428-185D-4FA2-8A6D-326A2C77642F}" destId="{CDD74E18-1006-4C43-962A-8169237B641F}" srcOrd="7" destOrd="0" parTransId="{8AF911CA-2CF8-4E33-A259-CD099E0CBC02}" sibTransId="{BB13BC4F-B61D-49E0-8719-22C7BFC82A60}"/>
+    <dgm:cxn modelId="{FEE92B66-E8CE-46E3-975C-36086A8E2963}" srcId="{550C9428-185D-4FA2-8A6D-326A2C77642F}" destId="{A53D6C86-C5FA-4CD1-B890-D301F13C8BE2}" srcOrd="3" destOrd="0" parTransId="{6D6A2DE6-9F63-4A1F-A6DB-82907744AF29}" sibTransId="{24861F5F-460B-495C-88AF-1326511C72C4}"/>
+    <dgm:cxn modelId="{D34D5659-B472-412E-B727-137D2A18568B}" type="presOf" srcId="{77755DCE-051D-4EDB-80C5-FAC9EE99C3D5}" destId="{127CF257-3091-4FA7-A19E-85EF634193CA}" srcOrd="0" destOrd="6" presId="urn:microsoft.com/office/officeart/2018/2/layout/IconVerticalSolidList"/>
+    <dgm:cxn modelId="{7F022898-8441-4F94-A568-90E067E80471}" srcId="{550C9428-185D-4FA2-8A6D-326A2C77642F}" destId="{877A882A-724E-411E-9061-6446F0EFA817}" srcOrd="2" destOrd="0" parTransId="{D6BCBB7A-77F4-4DC3-93A7-C31540F74735}" sibTransId="{5027A699-F78A-4442-A758-1984A2FBEC53}"/>
+    <dgm:cxn modelId="{C18EAC99-3755-4532-9098-BC5D3E963B8D}" type="presOf" srcId="{AF418BF5-97F5-4FC6-ADFF-AC2B8EF9D960}" destId="{3B694C6C-DF10-44FA-B99D-78FB2F21CB7E}" srcOrd="0" destOrd="0" presId="urn:microsoft.com/office/officeart/2018/2/layout/IconVerticalSolidList"/>
+    <dgm:cxn modelId="{E931209C-B9F3-4BC6-B609-275F3461110D}" srcId="{550C9428-185D-4FA2-8A6D-326A2C77642F}" destId="{77755DCE-051D-4EDB-80C5-FAC9EE99C3D5}" srcOrd="6" destOrd="0" parTransId="{627C1892-0CB4-4BC8-BA5C-8D16082A6CAC}" sibTransId="{AE21E0AF-853C-43D4-AE1A-C3E84C3B690C}"/>
+    <dgm:cxn modelId="{FAE3C8BE-BE94-48EA-8A34-858C6C4458F4}" type="presOf" srcId="{877A882A-724E-411E-9061-6446F0EFA817}" destId="{127CF257-3091-4FA7-A19E-85EF634193CA}" srcOrd="0" destOrd="2" presId="urn:microsoft.com/office/officeart/2018/2/layout/IconVerticalSolidList"/>
     <dgm:cxn modelId="{8CB2DBC5-05A9-4F1E-AB5B-89B19643FD8A}" srcId="{56738644-06D9-47C7-B90A-9A867EC0ABEC}" destId="{AF418BF5-97F5-4FC6-ADFF-AC2B8EF9D960}" srcOrd="0" destOrd="0" parTransId="{7BE5A92E-A377-44F3-8C75-F839FB256D40}" sibTransId="{25F34441-5EE0-414F-9675-D78913D6F06F}"/>
+    <dgm:cxn modelId="{BCA31CEE-140D-47CD-9ECB-742B69A4610A}" type="presOf" srcId="{A24A1B3E-A040-468D-B7DF-5A1CA42CA512}" destId="{127CF257-3091-4FA7-A19E-85EF634193CA}" srcOrd="0" destOrd="5" presId="urn:microsoft.com/office/officeart/2018/2/layout/IconVerticalSolidList"/>
     <dgm:cxn modelId="{9A296FEF-A648-4923-B23D-CEB79334BB54}" type="presOf" srcId="{56738644-06D9-47C7-B90A-9A867EC0ABEC}" destId="{EFB736B4-C3CD-4180-8471-8B9D01B8CC07}" srcOrd="0" destOrd="0" presId="urn:microsoft.com/office/officeart/2018/2/layout/IconVerticalSolidList"/>
-    <dgm:cxn modelId="{D3ED8AEF-ED0E-4376-B403-FE40672C0710}" type="presOf" srcId="{77755DCE-051D-4EDB-80C5-FAC9EE99C3D5}" destId="{127CF257-3091-4FA7-A19E-85EF634193CA}" srcOrd="0" destOrd="4" presId="urn:microsoft.com/office/officeart/2018/2/layout/IconVerticalSolidList"/>
-    <dgm:cxn modelId="{03E56EF3-FB00-456D-BBB5-5670509033BB}" type="presOf" srcId="{550C9428-185D-4FA2-8A6D-326A2C77642F}" destId="{8D1E6FCD-897F-4DCB-9934-2F1A63B7BF7A}" srcOrd="0" destOrd="0" presId="urn:microsoft.com/office/officeart/2018/2/layout/IconVerticalSolidList"/>
     <dgm:cxn modelId="{8CDE9DF7-9655-473C-B1CB-B31A6F43E559}" srcId="{56738644-06D9-47C7-B90A-9A867EC0ABEC}" destId="{550C9428-185D-4FA2-8A6D-326A2C77642F}" srcOrd="1" destOrd="0" parTransId="{FD07C3E4-C72F-4EDF-A671-B020267C98CE}" sibTransId="{F12C1B8C-F59F-48A5-88E9-2E4CF605EC7F}"/>
-    <dgm:cxn modelId="{8ECFA7F8-2849-4A74-896B-7CA2A1FE6D93}" srcId="{550C9428-185D-4FA2-8A6D-326A2C77642F}" destId="{212881AE-EBDF-445C-B4E0-394D46A085CE}" srcOrd="2" destOrd="0" parTransId="{825F20BA-15A0-42D4-B266-9D7D987E2716}" sibTransId="{5F226964-562E-4468-9BB1-B77B29F9A106}"/>
-    <dgm:cxn modelId="{03D8D7D0-2C1F-4A52-B92D-F74D023B1C03}" type="presParOf" srcId="{EFB736B4-C3CD-4180-8471-8B9D01B8CC07}" destId="{65FB4D9C-E08E-4CFC-8610-C3C1D1F844B7}" srcOrd="0" destOrd="0" presId="urn:microsoft.com/office/officeart/2018/2/layout/IconVerticalSolidList"/>
-    <dgm:cxn modelId="{5B58F335-FC38-4DF3-B82A-18D90623F8A1}" type="presParOf" srcId="{65FB4D9C-E08E-4CFC-8610-C3C1D1F844B7}" destId="{4E0C9714-47B8-4483-BFC1-6ED67883C7C6}" srcOrd="0" destOrd="0" presId="urn:microsoft.com/office/officeart/2018/2/layout/IconVerticalSolidList"/>
-    <dgm:cxn modelId="{F71F5ADB-BABC-4C9D-8711-F99FF9D57E1D}" type="presParOf" srcId="{65FB4D9C-E08E-4CFC-8610-C3C1D1F844B7}" destId="{3C08C68C-1F80-4D50-99C6-4E4E0B57D512}" srcOrd="1" destOrd="0" presId="urn:microsoft.com/office/officeart/2018/2/layout/IconVerticalSolidList"/>
-    <dgm:cxn modelId="{41394F71-04D2-4D4D-8A5E-B1DDE1C31449}" type="presParOf" srcId="{65FB4D9C-E08E-4CFC-8610-C3C1D1F844B7}" destId="{4E424004-4D0A-4534-8848-DB883A49D70C}" srcOrd="2" destOrd="0" presId="urn:microsoft.com/office/officeart/2018/2/layout/IconVerticalSolidList"/>
-    <dgm:cxn modelId="{BE06696E-3521-4E3A-911D-C32226F093AB}" type="presParOf" srcId="{65FB4D9C-E08E-4CFC-8610-C3C1D1F844B7}" destId="{3B694C6C-DF10-44FA-B99D-78FB2F21CB7E}" srcOrd="3" destOrd="0" presId="urn:microsoft.com/office/officeart/2018/2/layout/IconVerticalSolidList"/>
-    <dgm:cxn modelId="{A05D1AD8-FEF7-4F01-8079-DC49A5FCF58C}" type="presParOf" srcId="{EFB736B4-C3CD-4180-8471-8B9D01B8CC07}" destId="{8638FC48-1D86-49EB-AB0A-270588AC45CF}" srcOrd="1" destOrd="0" presId="urn:microsoft.com/office/officeart/2018/2/layout/IconVerticalSolidList"/>
-    <dgm:cxn modelId="{19618700-99D8-4996-8D8D-5A0042547AE0}" type="presParOf" srcId="{EFB736B4-C3CD-4180-8471-8B9D01B8CC07}" destId="{FD66DC37-F33E-4DDF-9162-5C7BA1ADD108}" srcOrd="2" destOrd="0" presId="urn:microsoft.com/office/officeart/2018/2/layout/IconVerticalSolidList"/>
-    <dgm:cxn modelId="{509D2F2E-6F95-48A9-B86C-B160AFFD9D02}" type="presParOf" srcId="{FD66DC37-F33E-4DDF-9162-5C7BA1ADD108}" destId="{74039B2C-B4D2-4415-931E-258A31C3A9DA}" srcOrd="0" destOrd="0" presId="urn:microsoft.com/office/officeart/2018/2/layout/IconVerticalSolidList"/>
-    <dgm:cxn modelId="{F9FA0B78-B552-41AE-B2B2-DC7CC3E36396}" type="presParOf" srcId="{FD66DC37-F33E-4DDF-9162-5C7BA1ADD108}" destId="{9CE79102-744F-4695-A164-8B7FDB4165F2}" srcOrd="1" destOrd="0" presId="urn:microsoft.com/office/officeart/2018/2/layout/IconVerticalSolidList"/>
-    <dgm:cxn modelId="{7E4CAAE8-311F-459C-9E22-B3337F834E86}" type="presParOf" srcId="{FD66DC37-F33E-4DDF-9162-5C7BA1ADD108}" destId="{679AE5EF-2318-4D38-8DF8-B0313DB9287E}" srcOrd="2" destOrd="0" presId="urn:microsoft.com/office/officeart/2018/2/layout/IconVerticalSolidList"/>
-    <dgm:cxn modelId="{FD96E176-9394-404E-86DD-BD8A99123C72}" type="presParOf" srcId="{FD66DC37-F33E-4DDF-9162-5C7BA1ADD108}" destId="{8D1E6FCD-897F-4DCB-9934-2F1A63B7BF7A}" srcOrd="3" destOrd="0" presId="urn:microsoft.com/office/officeart/2018/2/layout/IconVerticalSolidList"/>
-    <dgm:cxn modelId="{DEA5C4C8-B1B0-47FE-BD0D-81E8B6CFAB2E}" type="presParOf" srcId="{FD66DC37-F33E-4DDF-9162-5C7BA1ADD108}" destId="{127CF257-3091-4FA7-A19E-85EF634193CA}" srcOrd="4" destOrd="0" presId="urn:microsoft.com/office/officeart/2018/2/layout/IconVerticalSolidList"/>
+    <dgm:cxn modelId="{8ECFA7F8-2849-4A74-896B-7CA2A1FE6D93}" srcId="{550C9428-185D-4FA2-8A6D-326A2C77642F}" destId="{212881AE-EBDF-445C-B4E0-394D46A085CE}" srcOrd="4" destOrd="0" parTransId="{825F20BA-15A0-42D4-B266-9D7D987E2716}" sibTransId="{5F226964-562E-4468-9BB1-B77B29F9A106}"/>
+    <dgm:cxn modelId="{5D6CDE60-EA33-4C10-978B-D8FC0D146C7C}" type="presParOf" srcId="{EFB736B4-C3CD-4180-8471-8B9D01B8CC07}" destId="{65FB4D9C-E08E-4CFC-8610-C3C1D1F844B7}" srcOrd="0" destOrd="0" presId="urn:microsoft.com/office/officeart/2018/2/layout/IconVerticalSolidList"/>
+    <dgm:cxn modelId="{C5D50B14-F7CE-4249-960F-1B0E9C41EBA4}" type="presParOf" srcId="{65FB4D9C-E08E-4CFC-8610-C3C1D1F844B7}" destId="{4E0C9714-47B8-4483-BFC1-6ED67883C7C6}" srcOrd="0" destOrd="0" presId="urn:microsoft.com/office/officeart/2018/2/layout/IconVerticalSolidList"/>
+    <dgm:cxn modelId="{0FE847A1-EA43-41D1-8EDB-9E271FB2D4F5}" type="presParOf" srcId="{65FB4D9C-E08E-4CFC-8610-C3C1D1F844B7}" destId="{3C08C68C-1F80-4D50-99C6-4E4E0B57D512}" srcOrd="1" destOrd="0" presId="urn:microsoft.com/office/officeart/2018/2/layout/IconVerticalSolidList"/>
+    <dgm:cxn modelId="{7B694A2E-9E7F-4E45-B8DD-073B7112650D}" type="presParOf" srcId="{65FB4D9C-E08E-4CFC-8610-C3C1D1F844B7}" destId="{4E424004-4D0A-4534-8848-DB883A49D70C}" srcOrd="2" destOrd="0" presId="urn:microsoft.com/office/officeart/2018/2/layout/IconVerticalSolidList"/>
+    <dgm:cxn modelId="{FA4E35EB-3F8A-4924-94B7-1A8631F4400E}" type="presParOf" srcId="{65FB4D9C-E08E-4CFC-8610-C3C1D1F844B7}" destId="{3B694C6C-DF10-44FA-B99D-78FB2F21CB7E}" srcOrd="3" destOrd="0" presId="urn:microsoft.com/office/officeart/2018/2/layout/IconVerticalSolidList"/>
+    <dgm:cxn modelId="{2B761106-CDAF-4F26-B49B-DB56BBEA596F}" type="presParOf" srcId="{EFB736B4-C3CD-4180-8471-8B9D01B8CC07}" destId="{8638FC48-1D86-49EB-AB0A-270588AC45CF}" srcOrd="1" destOrd="0" presId="urn:microsoft.com/office/officeart/2018/2/layout/IconVerticalSolidList"/>
+    <dgm:cxn modelId="{CD334716-5EF0-4E3A-9155-A6DCCD97A17D}" type="presParOf" srcId="{EFB736B4-C3CD-4180-8471-8B9D01B8CC07}" destId="{FD66DC37-F33E-4DDF-9162-5C7BA1ADD108}" srcOrd="2" destOrd="0" presId="urn:microsoft.com/office/officeart/2018/2/layout/IconVerticalSolidList"/>
+    <dgm:cxn modelId="{74EEE323-8018-439B-B04B-75F860F2BA91}" type="presParOf" srcId="{FD66DC37-F33E-4DDF-9162-5C7BA1ADD108}" destId="{74039B2C-B4D2-4415-931E-258A31C3A9DA}" srcOrd="0" destOrd="0" presId="urn:microsoft.com/office/officeart/2018/2/layout/IconVerticalSolidList"/>
+    <dgm:cxn modelId="{43BC158E-7DEA-4454-8419-20E625116DAE}" type="presParOf" srcId="{FD66DC37-F33E-4DDF-9162-5C7BA1ADD108}" destId="{9CE79102-744F-4695-A164-8B7FDB4165F2}" srcOrd="1" destOrd="0" presId="urn:microsoft.com/office/officeart/2018/2/layout/IconVerticalSolidList"/>
+    <dgm:cxn modelId="{398A427A-83A0-403A-896C-D8ABA2322D01}" type="presParOf" srcId="{FD66DC37-F33E-4DDF-9162-5C7BA1ADD108}" destId="{679AE5EF-2318-4D38-8DF8-B0313DB9287E}" srcOrd="2" destOrd="0" presId="urn:microsoft.com/office/officeart/2018/2/layout/IconVerticalSolidList"/>
+    <dgm:cxn modelId="{2CFB1492-900B-44B2-9AA0-E6600CF2B1EF}" type="presParOf" srcId="{FD66DC37-F33E-4DDF-9162-5C7BA1ADD108}" destId="{8D1E6FCD-897F-4DCB-9934-2F1A63B7BF7A}" srcOrd="3" destOrd="0" presId="urn:microsoft.com/office/officeart/2018/2/layout/IconVerticalSolidList"/>
+    <dgm:cxn modelId="{8095DC8C-635F-47FF-9748-E6C08B0748D8}" type="presParOf" srcId="{FD66DC37-F33E-4DDF-9162-5C7BA1ADD108}" destId="{127CF257-3091-4FA7-A19E-85EF634193CA}" srcOrd="4" destOrd="0" presId="urn:microsoft.com/office/officeart/2018/2/layout/IconVerticalSolidList"/>
+  </dgm:cxnLst>
+  <dgm:bg/>
+  <dgm:whole/>
+  <dgm:extLst>
+    <a:ext uri="http://schemas.microsoft.com/office/drawing/2008/diagram">
+      <dsp:dataModelExt xmlns:dsp="http://schemas.microsoft.com/office/drawing/2008/diagram" relId="rId6" minVer="http://schemas.openxmlformats.org/drawingml/2006/diagram"/>
+    </a:ext>
+  </dgm:extLst>
+</dgm:dataModel>
+</file>
+
+<file path=ppt/diagrams/data4.xml><?xml version="1.0" encoding="utf-8"?>
+<dgm:dataModel xmlns:dgm="http://schemas.openxmlformats.org/drawingml/2006/diagram" xmlns:a="http://schemas.openxmlformats.org/drawingml/2006/main">
+  <dgm:ptLst>
+    <dgm:pt modelId="{56738644-06D9-47C7-B90A-9A867EC0ABEC}" type="doc">
+      <dgm:prSet loTypeId="urn:microsoft.com/office/officeart/2018/2/layout/IconVerticalSolidList" loCatId="icon" qsTypeId="urn:microsoft.com/office/officeart/2005/8/quickstyle/simple1" qsCatId="simple" csTypeId="urn:microsoft.com/office/officeart/2018/5/colors/Iconchunking_neutralbg_accent6_2" csCatId="accent6" phldr="1"/>
+      <dgm:spPr/>
+      <dgm:t>
+        <a:bodyPr/>
+        <a:lstStyle/>
+        <a:p>
+          <a:endParaRPr lang="en-US"/>
+        </a:p>
+      </dgm:t>
+    </dgm:pt>
+    <dgm:pt modelId="{C205B87E-43DD-4CCA-B27A-E9C7881AB699}">
+      <dgm:prSet phldr="0"/>
+      <dgm:spPr/>
+      <dgm:t>
+        <a:bodyPr/>
+        <a:lstStyle/>
+        <a:p>
+          <a:pPr>
+            <a:lnSpc>
+              <a:spcPct val="100000"/>
+            </a:lnSpc>
+          </a:pPr>
+          <a:r>
+            <a:rPr lang="en-US" b="0" dirty="0"/>
+            <a:t>More code coverage</a:t>
+          </a:r>
+        </a:p>
+      </dgm:t>
+    </dgm:pt>
+    <dgm:pt modelId="{5FBE3B1F-7783-4EB1-8D14-4A1F8AE306C4}" type="parTrans" cxnId="{7C60D241-8A70-4C20-8D66-BB93684DC2EB}">
+      <dgm:prSet/>
+      <dgm:spPr/>
+    </dgm:pt>
+    <dgm:pt modelId="{D7D0B594-1D31-4806-A3EB-BBD05450593B}" type="sibTrans" cxnId="{7C60D241-8A70-4C20-8D66-BB93684DC2EB}">
+      <dgm:prSet/>
+      <dgm:spPr/>
+    </dgm:pt>
+    <dgm:pt modelId="{504F400E-E65C-496D-A6FD-D725EAF6FBFF}">
+      <dgm:prSet phldr="0"/>
+      <dgm:spPr/>
+      <dgm:t>
+        <a:bodyPr/>
+        <a:lstStyle/>
+        <a:p>
+          <a:pPr>
+            <a:lnSpc>
+              <a:spcPct val="100000"/>
+            </a:lnSpc>
+          </a:pPr>
+          <a:r>
+            <a:rPr lang="en-US" b="0" dirty="0"/>
+            <a:t>Build Unit test suite &amp; reports</a:t>
+          </a:r>
+        </a:p>
+      </dgm:t>
+    </dgm:pt>
+    <dgm:pt modelId="{69AFEEB6-7213-40D2-9BFA-DBEB6E19A231}" type="parTrans" cxnId="{EB48AC05-FA96-4951-A499-DE015EEE345A}">
+      <dgm:prSet/>
+      <dgm:spPr/>
+    </dgm:pt>
+    <dgm:pt modelId="{9A0535BC-52A9-4AEB-BF1B-591B146F4DEF}" type="sibTrans" cxnId="{EB48AC05-FA96-4951-A499-DE015EEE345A}">
+      <dgm:prSet/>
+      <dgm:spPr/>
+    </dgm:pt>
+    <dgm:pt modelId="{0C539F44-B136-4D8A-B3F2-9B3D9EE9E6F8}">
+      <dgm:prSet phldr="0"/>
+      <dgm:spPr/>
+      <dgm:t>
+        <a:bodyPr/>
+        <a:lstStyle/>
+        <a:p>
+          <a:pPr>
+            <a:lnSpc>
+              <a:spcPct val="100000"/>
+            </a:lnSpc>
+          </a:pPr>
+          <a:r>
+            <a:rPr lang="en-US" b="0" dirty="0"/>
+            <a:t>Understand client's other challenges</a:t>
+          </a:r>
+        </a:p>
+      </dgm:t>
+    </dgm:pt>
+    <dgm:pt modelId="{40B14BC6-5471-45AE-BF7A-AAFD625B8771}" type="parTrans" cxnId="{272957BC-14E3-4A15-A2D5-36929D3DB80D}">
+      <dgm:prSet/>
+      <dgm:spPr/>
+    </dgm:pt>
+    <dgm:pt modelId="{27C3AF89-3A49-4CE0-B06E-1682082C08CF}" type="sibTrans" cxnId="{272957BC-14E3-4A15-A2D5-36929D3DB80D}">
+      <dgm:prSet/>
+      <dgm:spPr/>
+    </dgm:pt>
+    <dgm:pt modelId="{0C70056C-1A65-4C1F-82D2-455FA19800E2}">
+      <dgm:prSet phldr="0"/>
+      <dgm:spPr/>
+      <dgm:t>
+        <a:bodyPr/>
+        <a:lstStyle/>
+        <a:p>
+          <a:pPr>
+            <a:lnSpc>
+              <a:spcPct val="100000"/>
+            </a:lnSpc>
+          </a:pPr>
+          <a:r>
+            <a:rPr lang="en-US" b="0" dirty="0"/>
+            <a:t>Develop capabilty for resusable purpose</a:t>
+          </a:r>
+        </a:p>
+      </dgm:t>
+    </dgm:pt>
+    <dgm:pt modelId="{0B288750-A3D9-4A9E-89E5-5DCF3E580ABB}" type="parTrans" cxnId="{8021D003-4C2E-4597-B6A9-C0BF604D8E6E}">
+      <dgm:prSet/>
+      <dgm:spPr/>
+    </dgm:pt>
+    <dgm:pt modelId="{EB341680-B39C-45B1-A159-BFACC5D2FE84}" type="sibTrans" cxnId="{8021D003-4C2E-4597-B6A9-C0BF604D8E6E}">
+      <dgm:prSet/>
+      <dgm:spPr/>
+    </dgm:pt>
+    <dgm:pt modelId="{C7F7ABE0-BFD8-4570-B5D0-8D4299F1A95A}">
+      <dgm:prSet phldr="0"/>
+      <dgm:spPr/>
+      <dgm:t>
+        <a:bodyPr/>
+        <a:lstStyle/>
+        <a:p>
+          <a:pPr>
+            <a:lnSpc>
+              <a:spcPct val="100000"/>
+            </a:lnSpc>
+          </a:pPr>
+          <a:r>
+            <a:rPr lang="en-US" b="0" dirty="0"/>
+            <a:t>Provide more insights with countineous </a:t>
+          </a:r>
+          <a:r>
+            <a:rPr lang="en-US" b="0" dirty="0">
+              <a:latin typeface="Calibri Light" panose="020F0302020204030204"/>
+            </a:rPr>
+            <a:t>discussion</a:t>
+          </a:r>
+        </a:p>
+      </dgm:t>
+    </dgm:pt>
+    <dgm:pt modelId="{78F4FE2C-031B-42A7-A34C-F1D55FAB16BE}" type="parTrans" cxnId="{3064C452-AC26-4040-BDFE-B964F2301EFF}">
+      <dgm:prSet/>
+      <dgm:spPr/>
+    </dgm:pt>
+    <dgm:pt modelId="{9BC65E7C-C1EA-4613-9F27-EB74C771930A}" type="sibTrans" cxnId="{3064C452-AC26-4040-BDFE-B964F2301EFF}">
+      <dgm:prSet/>
+      <dgm:spPr/>
+    </dgm:pt>
+    <dgm:pt modelId="{EFB736B4-C3CD-4180-8471-8B9D01B8CC07}" type="pres">
+      <dgm:prSet presAssocID="{56738644-06D9-47C7-B90A-9A867EC0ABEC}" presName="root" presStyleCnt="0">
+        <dgm:presLayoutVars>
+          <dgm:dir/>
+          <dgm:resizeHandles val="exact"/>
+        </dgm:presLayoutVars>
+      </dgm:prSet>
+      <dgm:spPr/>
+    </dgm:pt>
+    <dgm:pt modelId="{1818E7AF-8C4B-4BB9-834A-6AC337ADDDBC}" type="pres">
+      <dgm:prSet presAssocID="{C7F7ABE0-BFD8-4570-B5D0-8D4299F1A95A}" presName="compNode" presStyleCnt="0"/>
+      <dgm:spPr/>
+    </dgm:pt>
+    <dgm:pt modelId="{1E82D751-ABFD-4BD0-AAF4-3D2938462DC5}" type="pres">
+      <dgm:prSet presAssocID="{C7F7ABE0-BFD8-4570-B5D0-8D4299F1A95A}" presName="bgRect" presStyleLbl="bgShp" presStyleIdx="0" presStyleCnt="5"/>
+      <dgm:spPr/>
+    </dgm:pt>
+    <dgm:pt modelId="{8CDD0D41-F040-430A-8049-BDC24EB5E4E6}" type="pres">
+      <dgm:prSet presAssocID="{C7F7ABE0-BFD8-4570-B5D0-8D4299F1A95A}" presName="iconRect" presStyleLbl="node1" presStyleIdx="0" presStyleCnt="5"/>
+      <dgm:spPr/>
+    </dgm:pt>
+    <dgm:pt modelId="{CA6EDECF-1169-41FD-B0B4-5878987395D3}" type="pres">
+      <dgm:prSet presAssocID="{C7F7ABE0-BFD8-4570-B5D0-8D4299F1A95A}" presName="spaceRect" presStyleCnt="0"/>
+      <dgm:spPr/>
+    </dgm:pt>
+    <dgm:pt modelId="{97FBA9E3-6AF1-4BEF-9E33-3D7B21D98493}" type="pres">
+      <dgm:prSet presAssocID="{C7F7ABE0-BFD8-4570-B5D0-8D4299F1A95A}" presName="parTx" presStyleLbl="revTx" presStyleIdx="0" presStyleCnt="5">
+        <dgm:presLayoutVars>
+          <dgm:chMax val="0"/>
+          <dgm:chPref val="0"/>
+        </dgm:presLayoutVars>
+      </dgm:prSet>
+      <dgm:spPr/>
+    </dgm:pt>
+    <dgm:pt modelId="{2870D5E9-99C5-4887-878F-7064812DDC85}" type="pres">
+      <dgm:prSet presAssocID="{9BC65E7C-C1EA-4613-9F27-EB74C771930A}" presName="sibTrans" presStyleCnt="0"/>
+      <dgm:spPr/>
+    </dgm:pt>
+    <dgm:pt modelId="{8DDC6C9E-9303-43DD-82EC-B76AF7ED7D60}" type="pres">
+      <dgm:prSet presAssocID="{C205B87E-43DD-4CCA-B27A-E9C7881AB699}" presName="compNode" presStyleCnt="0"/>
+      <dgm:spPr/>
+    </dgm:pt>
+    <dgm:pt modelId="{937863ED-7403-4788-9365-F864D61AA8DF}" type="pres">
+      <dgm:prSet presAssocID="{C205B87E-43DD-4CCA-B27A-E9C7881AB699}" presName="bgRect" presStyleLbl="bgShp" presStyleIdx="1" presStyleCnt="5"/>
+      <dgm:spPr/>
+    </dgm:pt>
+    <dgm:pt modelId="{64BC3CF2-83DA-4926-A0B8-D7AB12704C42}" type="pres">
+      <dgm:prSet presAssocID="{C205B87E-43DD-4CCA-B27A-E9C7881AB699}" presName="iconRect" presStyleLbl="node1" presStyleIdx="1" presStyleCnt="5"/>
+      <dgm:spPr/>
+    </dgm:pt>
+    <dgm:pt modelId="{41DCF20E-4F53-4BB2-81A5-0417EB51E7B1}" type="pres">
+      <dgm:prSet presAssocID="{C205B87E-43DD-4CCA-B27A-E9C7881AB699}" presName="spaceRect" presStyleCnt="0"/>
+      <dgm:spPr/>
+    </dgm:pt>
+    <dgm:pt modelId="{22BCBE16-D9CB-401B-B695-CA254A70046F}" type="pres">
+      <dgm:prSet presAssocID="{C205B87E-43DD-4CCA-B27A-E9C7881AB699}" presName="parTx" presStyleLbl="revTx" presStyleIdx="1" presStyleCnt="5">
+        <dgm:presLayoutVars>
+          <dgm:chMax val="0"/>
+          <dgm:chPref val="0"/>
+        </dgm:presLayoutVars>
+      </dgm:prSet>
+      <dgm:spPr/>
+    </dgm:pt>
+    <dgm:pt modelId="{D300BA7F-D9F2-4CFB-8E23-C556D01698ED}" type="pres">
+      <dgm:prSet presAssocID="{D7D0B594-1D31-4806-A3EB-BBD05450593B}" presName="sibTrans" presStyleCnt="0"/>
+      <dgm:spPr/>
+    </dgm:pt>
+    <dgm:pt modelId="{627D98CE-C186-4174-AEA2-FBC982E19866}" type="pres">
+      <dgm:prSet presAssocID="{504F400E-E65C-496D-A6FD-D725EAF6FBFF}" presName="compNode" presStyleCnt="0"/>
+      <dgm:spPr/>
+    </dgm:pt>
+    <dgm:pt modelId="{51EF85AE-7055-47EE-9493-58E7AA46129F}" type="pres">
+      <dgm:prSet presAssocID="{504F400E-E65C-496D-A6FD-D725EAF6FBFF}" presName="bgRect" presStyleLbl="bgShp" presStyleIdx="2" presStyleCnt="5"/>
+      <dgm:spPr/>
+    </dgm:pt>
+    <dgm:pt modelId="{365CEEDD-A38A-476F-B16C-C05613C4055D}" type="pres">
+      <dgm:prSet presAssocID="{504F400E-E65C-496D-A6FD-D725EAF6FBFF}" presName="iconRect" presStyleLbl="node1" presStyleIdx="2" presStyleCnt="5"/>
+      <dgm:spPr/>
+    </dgm:pt>
+    <dgm:pt modelId="{10AF911F-E431-4CA7-B8DC-D705D6885220}" type="pres">
+      <dgm:prSet presAssocID="{504F400E-E65C-496D-A6FD-D725EAF6FBFF}" presName="spaceRect" presStyleCnt="0"/>
+      <dgm:spPr/>
+    </dgm:pt>
+    <dgm:pt modelId="{CC5D990C-6428-4F89-8BE4-74DE6C148E15}" type="pres">
+      <dgm:prSet presAssocID="{504F400E-E65C-496D-A6FD-D725EAF6FBFF}" presName="parTx" presStyleLbl="revTx" presStyleIdx="2" presStyleCnt="5">
+        <dgm:presLayoutVars>
+          <dgm:chMax val="0"/>
+          <dgm:chPref val="0"/>
+        </dgm:presLayoutVars>
+      </dgm:prSet>
+      <dgm:spPr/>
+    </dgm:pt>
+    <dgm:pt modelId="{0BA8D8C9-2767-442D-A832-A0F379CA80AB}" type="pres">
+      <dgm:prSet presAssocID="{9A0535BC-52A9-4AEB-BF1B-591B146F4DEF}" presName="sibTrans" presStyleCnt="0"/>
+      <dgm:spPr/>
+    </dgm:pt>
+    <dgm:pt modelId="{21D369C1-08FB-4624-B536-2CA7D4642830}" type="pres">
+      <dgm:prSet presAssocID="{0C539F44-B136-4D8A-B3F2-9B3D9EE9E6F8}" presName="compNode" presStyleCnt="0"/>
+      <dgm:spPr/>
+    </dgm:pt>
+    <dgm:pt modelId="{1F515ACE-FB79-4F22-933A-02AF4FFFC59D}" type="pres">
+      <dgm:prSet presAssocID="{0C539F44-B136-4D8A-B3F2-9B3D9EE9E6F8}" presName="bgRect" presStyleLbl="bgShp" presStyleIdx="3" presStyleCnt="5"/>
+      <dgm:spPr/>
+    </dgm:pt>
+    <dgm:pt modelId="{D0C13DCA-AE1A-43E3-8A9B-EEE02320788E}" type="pres">
+      <dgm:prSet presAssocID="{0C539F44-B136-4D8A-B3F2-9B3D9EE9E6F8}" presName="iconRect" presStyleLbl="node1" presStyleIdx="3" presStyleCnt="5"/>
+      <dgm:spPr/>
+    </dgm:pt>
+    <dgm:pt modelId="{034C0ED7-8252-46C9-AE83-DEB8246132E0}" type="pres">
+      <dgm:prSet presAssocID="{0C539F44-B136-4D8A-B3F2-9B3D9EE9E6F8}" presName="spaceRect" presStyleCnt="0"/>
+      <dgm:spPr/>
+    </dgm:pt>
+    <dgm:pt modelId="{486E68AF-0CAD-4524-B49F-D31FC8048EC7}" type="pres">
+      <dgm:prSet presAssocID="{0C539F44-B136-4D8A-B3F2-9B3D9EE9E6F8}" presName="parTx" presStyleLbl="revTx" presStyleIdx="3" presStyleCnt="5">
+        <dgm:presLayoutVars>
+          <dgm:chMax val="0"/>
+          <dgm:chPref val="0"/>
+        </dgm:presLayoutVars>
+      </dgm:prSet>
+      <dgm:spPr/>
+    </dgm:pt>
+    <dgm:pt modelId="{2D844B53-F2C2-4431-A266-586A1BFEFA15}" type="pres">
+      <dgm:prSet presAssocID="{27C3AF89-3A49-4CE0-B06E-1682082C08CF}" presName="sibTrans" presStyleCnt="0"/>
+      <dgm:spPr/>
+    </dgm:pt>
+    <dgm:pt modelId="{FB603E42-EF66-4B3E-91E5-3B26AF1C8903}" type="pres">
+      <dgm:prSet presAssocID="{0C70056C-1A65-4C1F-82D2-455FA19800E2}" presName="compNode" presStyleCnt="0"/>
+      <dgm:spPr/>
+    </dgm:pt>
+    <dgm:pt modelId="{7EE0A09A-39C0-41C2-8307-254765291B1B}" type="pres">
+      <dgm:prSet presAssocID="{0C70056C-1A65-4C1F-82D2-455FA19800E2}" presName="bgRect" presStyleLbl="bgShp" presStyleIdx="4" presStyleCnt="5"/>
+      <dgm:spPr/>
+    </dgm:pt>
+    <dgm:pt modelId="{8E15A819-5D28-4217-B533-04A89A807743}" type="pres">
+      <dgm:prSet presAssocID="{0C70056C-1A65-4C1F-82D2-455FA19800E2}" presName="iconRect" presStyleLbl="node1" presStyleIdx="4" presStyleCnt="5"/>
+      <dgm:spPr/>
+    </dgm:pt>
+    <dgm:pt modelId="{D6E3299D-BD49-4CC5-9CAE-7AE6DD29D9DA}" type="pres">
+      <dgm:prSet presAssocID="{0C70056C-1A65-4C1F-82D2-455FA19800E2}" presName="spaceRect" presStyleCnt="0"/>
+      <dgm:spPr/>
+    </dgm:pt>
+    <dgm:pt modelId="{50414A5A-F371-4FF0-BDC4-5C1A43D14A2B}" type="pres">
+      <dgm:prSet presAssocID="{0C70056C-1A65-4C1F-82D2-455FA19800E2}" presName="parTx" presStyleLbl="revTx" presStyleIdx="4" presStyleCnt="5">
+        <dgm:presLayoutVars>
+          <dgm:chMax val="0"/>
+          <dgm:chPref val="0"/>
+        </dgm:presLayoutVars>
+      </dgm:prSet>
+      <dgm:spPr/>
+    </dgm:pt>
+  </dgm:ptLst>
+  <dgm:cxnLst>
+    <dgm:cxn modelId="{8021D003-4C2E-4597-B6A9-C0BF604D8E6E}" srcId="{56738644-06D9-47C7-B90A-9A867EC0ABEC}" destId="{0C70056C-1A65-4C1F-82D2-455FA19800E2}" srcOrd="4" destOrd="0" parTransId="{0B288750-A3D9-4A9E-89E5-5DCF3E580ABB}" sibTransId="{EB341680-B39C-45B1-A159-BFACC5D2FE84}"/>
+    <dgm:cxn modelId="{EB48AC05-FA96-4951-A499-DE015EEE345A}" srcId="{56738644-06D9-47C7-B90A-9A867EC0ABEC}" destId="{504F400E-E65C-496D-A6FD-D725EAF6FBFF}" srcOrd="2" destOrd="0" parTransId="{69AFEEB6-7213-40D2-9BFA-DBEB6E19A231}" sibTransId="{9A0535BC-52A9-4AEB-BF1B-591B146F4DEF}"/>
+    <dgm:cxn modelId="{7C60D241-8A70-4C20-8D66-BB93684DC2EB}" srcId="{56738644-06D9-47C7-B90A-9A867EC0ABEC}" destId="{C205B87E-43DD-4CCA-B27A-E9C7881AB699}" srcOrd="1" destOrd="0" parTransId="{5FBE3B1F-7783-4EB1-8D14-4A1F8AE306C4}" sibTransId="{D7D0B594-1D31-4806-A3EB-BBD05450593B}"/>
+    <dgm:cxn modelId="{C566AA6F-5493-42E0-83B1-BA2061C1634B}" type="presOf" srcId="{0C539F44-B136-4D8A-B3F2-9B3D9EE9E6F8}" destId="{486E68AF-0CAD-4524-B49F-D31FC8048EC7}" srcOrd="0" destOrd="0" presId="urn:microsoft.com/office/officeart/2018/2/layout/IconVerticalSolidList"/>
+    <dgm:cxn modelId="{3064C452-AC26-4040-BDFE-B964F2301EFF}" srcId="{56738644-06D9-47C7-B90A-9A867EC0ABEC}" destId="{C7F7ABE0-BFD8-4570-B5D0-8D4299F1A95A}" srcOrd="0" destOrd="0" parTransId="{78F4FE2C-031B-42A7-A34C-F1D55FAB16BE}" sibTransId="{9BC65E7C-C1EA-4613-9F27-EB74C771930A}"/>
+    <dgm:cxn modelId="{2E2DC4A3-280F-4BB8-B7AE-33DFD2C6C932}" type="presOf" srcId="{C7F7ABE0-BFD8-4570-B5D0-8D4299F1A95A}" destId="{97FBA9E3-6AF1-4BEF-9E33-3D7B21D98493}" srcOrd="0" destOrd="0" presId="urn:microsoft.com/office/officeart/2018/2/layout/IconVerticalSolidList"/>
+    <dgm:cxn modelId="{59D61CBC-DA49-4DCD-850D-854C4399E619}" type="presOf" srcId="{C205B87E-43DD-4CCA-B27A-E9C7881AB699}" destId="{22BCBE16-D9CB-401B-B695-CA254A70046F}" srcOrd="0" destOrd="0" presId="urn:microsoft.com/office/officeart/2018/2/layout/IconVerticalSolidList"/>
+    <dgm:cxn modelId="{272957BC-14E3-4A15-A2D5-36929D3DB80D}" srcId="{56738644-06D9-47C7-B90A-9A867EC0ABEC}" destId="{0C539F44-B136-4D8A-B3F2-9B3D9EE9E6F8}" srcOrd="3" destOrd="0" parTransId="{40B14BC6-5471-45AE-BF7A-AAFD625B8771}" sibTransId="{27C3AF89-3A49-4CE0-B06E-1682082C08CF}"/>
+    <dgm:cxn modelId="{04E9EAC9-4310-496A-B5DF-57FD670B2493}" type="presOf" srcId="{0C70056C-1A65-4C1F-82D2-455FA19800E2}" destId="{50414A5A-F371-4FF0-BDC4-5C1A43D14A2B}" srcOrd="0" destOrd="0" presId="urn:microsoft.com/office/officeart/2018/2/layout/IconVerticalSolidList"/>
+    <dgm:cxn modelId="{D07D7FE6-D07B-4596-83A4-DF808472F240}" type="presOf" srcId="{504F400E-E65C-496D-A6FD-D725EAF6FBFF}" destId="{CC5D990C-6428-4F89-8BE4-74DE6C148E15}" srcOrd="0" destOrd="0" presId="urn:microsoft.com/office/officeart/2018/2/layout/IconVerticalSolidList"/>
+    <dgm:cxn modelId="{9A296FEF-A648-4923-B23D-CEB79334BB54}" type="presOf" srcId="{56738644-06D9-47C7-B90A-9A867EC0ABEC}" destId="{EFB736B4-C3CD-4180-8471-8B9D01B8CC07}" srcOrd="0" destOrd="0" presId="urn:microsoft.com/office/officeart/2018/2/layout/IconVerticalSolidList"/>
+    <dgm:cxn modelId="{D490A2A3-25AE-49BD-833D-F380B3E4A8DB}" type="presParOf" srcId="{EFB736B4-C3CD-4180-8471-8B9D01B8CC07}" destId="{1818E7AF-8C4B-4BB9-834A-6AC337ADDDBC}" srcOrd="0" destOrd="0" presId="urn:microsoft.com/office/officeart/2018/2/layout/IconVerticalSolidList"/>
+    <dgm:cxn modelId="{E9B34E1A-D3CA-4F14-870F-A798D0BCE008}" type="presParOf" srcId="{1818E7AF-8C4B-4BB9-834A-6AC337ADDDBC}" destId="{1E82D751-ABFD-4BD0-AAF4-3D2938462DC5}" srcOrd="0" destOrd="0" presId="urn:microsoft.com/office/officeart/2018/2/layout/IconVerticalSolidList"/>
+    <dgm:cxn modelId="{44764C24-C186-4A8A-81BC-88C32B349BE3}" type="presParOf" srcId="{1818E7AF-8C4B-4BB9-834A-6AC337ADDDBC}" destId="{8CDD0D41-F040-430A-8049-BDC24EB5E4E6}" srcOrd="1" destOrd="0" presId="urn:microsoft.com/office/officeart/2018/2/layout/IconVerticalSolidList"/>
+    <dgm:cxn modelId="{73576B41-B6B4-4863-A235-D382803AE212}" type="presParOf" srcId="{1818E7AF-8C4B-4BB9-834A-6AC337ADDDBC}" destId="{CA6EDECF-1169-41FD-B0B4-5878987395D3}" srcOrd="2" destOrd="0" presId="urn:microsoft.com/office/officeart/2018/2/layout/IconVerticalSolidList"/>
+    <dgm:cxn modelId="{EB8D091C-6930-428F-98B2-DB1A4099081F}" type="presParOf" srcId="{1818E7AF-8C4B-4BB9-834A-6AC337ADDDBC}" destId="{97FBA9E3-6AF1-4BEF-9E33-3D7B21D98493}" srcOrd="3" destOrd="0" presId="urn:microsoft.com/office/officeart/2018/2/layout/IconVerticalSolidList"/>
+    <dgm:cxn modelId="{C171C6FB-EE64-4AEC-892D-73AF8CD15CFF}" type="presParOf" srcId="{EFB736B4-C3CD-4180-8471-8B9D01B8CC07}" destId="{2870D5E9-99C5-4887-878F-7064812DDC85}" srcOrd="1" destOrd="0" presId="urn:microsoft.com/office/officeart/2018/2/layout/IconVerticalSolidList"/>
+    <dgm:cxn modelId="{C8358CE8-AC09-4AA8-B98F-0B223B675394}" type="presParOf" srcId="{EFB736B4-C3CD-4180-8471-8B9D01B8CC07}" destId="{8DDC6C9E-9303-43DD-82EC-B76AF7ED7D60}" srcOrd="2" destOrd="0" presId="urn:microsoft.com/office/officeart/2018/2/layout/IconVerticalSolidList"/>
+    <dgm:cxn modelId="{B6ABEF17-3E7B-4057-BE53-2E72302DFB83}" type="presParOf" srcId="{8DDC6C9E-9303-43DD-82EC-B76AF7ED7D60}" destId="{937863ED-7403-4788-9365-F864D61AA8DF}" srcOrd="0" destOrd="0" presId="urn:microsoft.com/office/officeart/2018/2/layout/IconVerticalSolidList"/>
+    <dgm:cxn modelId="{AF4BF958-A805-46E0-9FB3-E3053A5CBF1F}" type="presParOf" srcId="{8DDC6C9E-9303-43DD-82EC-B76AF7ED7D60}" destId="{64BC3CF2-83DA-4926-A0B8-D7AB12704C42}" srcOrd="1" destOrd="0" presId="urn:microsoft.com/office/officeart/2018/2/layout/IconVerticalSolidList"/>
+    <dgm:cxn modelId="{6B40016D-0B5B-4868-99F4-CD2A048EF1C0}" type="presParOf" srcId="{8DDC6C9E-9303-43DD-82EC-B76AF7ED7D60}" destId="{41DCF20E-4F53-4BB2-81A5-0417EB51E7B1}" srcOrd="2" destOrd="0" presId="urn:microsoft.com/office/officeart/2018/2/layout/IconVerticalSolidList"/>
+    <dgm:cxn modelId="{049EAD46-29F0-48A2-AAD6-B90D9355E394}" type="presParOf" srcId="{8DDC6C9E-9303-43DD-82EC-B76AF7ED7D60}" destId="{22BCBE16-D9CB-401B-B695-CA254A70046F}" srcOrd="3" destOrd="0" presId="urn:microsoft.com/office/officeart/2018/2/layout/IconVerticalSolidList"/>
+    <dgm:cxn modelId="{4EF4752B-5954-4969-896F-19AEB2E42B2E}" type="presParOf" srcId="{EFB736B4-C3CD-4180-8471-8B9D01B8CC07}" destId="{D300BA7F-D9F2-4CFB-8E23-C556D01698ED}" srcOrd="3" destOrd="0" presId="urn:microsoft.com/office/officeart/2018/2/layout/IconVerticalSolidList"/>
+    <dgm:cxn modelId="{226678B1-04BD-4358-B410-3BDB2C42F634}" type="presParOf" srcId="{EFB736B4-C3CD-4180-8471-8B9D01B8CC07}" destId="{627D98CE-C186-4174-AEA2-FBC982E19866}" srcOrd="4" destOrd="0" presId="urn:microsoft.com/office/officeart/2018/2/layout/IconVerticalSolidList"/>
+    <dgm:cxn modelId="{34543CA7-65A1-46E9-B907-6EEB5F1804AA}" type="presParOf" srcId="{627D98CE-C186-4174-AEA2-FBC982E19866}" destId="{51EF85AE-7055-47EE-9493-58E7AA46129F}" srcOrd="0" destOrd="0" presId="urn:microsoft.com/office/officeart/2018/2/layout/IconVerticalSolidList"/>
+    <dgm:cxn modelId="{999401D3-CEE1-429F-A65D-23D151BA1EBD}" type="presParOf" srcId="{627D98CE-C186-4174-AEA2-FBC982E19866}" destId="{365CEEDD-A38A-476F-B16C-C05613C4055D}" srcOrd="1" destOrd="0" presId="urn:microsoft.com/office/officeart/2018/2/layout/IconVerticalSolidList"/>
+    <dgm:cxn modelId="{4D334762-62F0-4F64-A112-A23C60A30D6F}" type="presParOf" srcId="{627D98CE-C186-4174-AEA2-FBC982E19866}" destId="{10AF911F-E431-4CA7-B8DC-D705D6885220}" srcOrd="2" destOrd="0" presId="urn:microsoft.com/office/officeart/2018/2/layout/IconVerticalSolidList"/>
+    <dgm:cxn modelId="{089A7FCD-83D3-4478-9E40-69582841D1CD}" type="presParOf" srcId="{627D98CE-C186-4174-AEA2-FBC982E19866}" destId="{CC5D990C-6428-4F89-8BE4-74DE6C148E15}" srcOrd="3" destOrd="0" presId="urn:microsoft.com/office/officeart/2018/2/layout/IconVerticalSolidList"/>
+    <dgm:cxn modelId="{BDCEC737-A582-48DE-A889-F6AAF0D9683F}" type="presParOf" srcId="{EFB736B4-C3CD-4180-8471-8B9D01B8CC07}" destId="{0BA8D8C9-2767-442D-A832-A0F379CA80AB}" srcOrd="5" destOrd="0" presId="urn:microsoft.com/office/officeart/2018/2/layout/IconVerticalSolidList"/>
+    <dgm:cxn modelId="{38B700B0-620A-4329-89E7-8D4547732017}" type="presParOf" srcId="{EFB736B4-C3CD-4180-8471-8B9D01B8CC07}" destId="{21D369C1-08FB-4624-B536-2CA7D4642830}" srcOrd="6" destOrd="0" presId="urn:microsoft.com/office/officeart/2018/2/layout/IconVerticalSolidList"/>
+    <dgm:cxn modelId="{F73AB01E-45CF-4971-AA34-CAD066C11FAD}" type="presParOf" srcId="{21D369C1-08FB-4624-B536-2CA7D4642830}" destId="{1F515ACE-FB79-4F22-933A-02AF4FFFC59D}" srcOrd="0" destOrd="0" presId="urn:microsoft.com/office/officeart/2018/2/layout/IconVerticalSolidList"/>
+    <dgm:cxn modelId="{82B25A02-35A3-44CF-9C5E-2DF098072E2E}" type="presParOf" srcId="{21D369C1-08FB-4624-B536-2CA7D4642830}" destId="{D0C13DCA-AE1A-43E3-8A9B-EEE02320788E}" srcOrd="1" destOrd="0" presId="urn:microsoft.com/office/officeart/2018/2/layout/IconVerticalSolidList"/>
+    <dgm:cxn modelId="{E1E66CBA-E627-4E67-B8C3-3FD01B7860A2}" type="presParOf" srcId="{21D369C1-08FB-4624-B536-2CA7D4642830}" destId="{034C0ED7-8252-46C9-AE83-DEB8246132E0}" srcOrd="2" destOrd="0" presId="urn:microsoft.com/office/officeart/2018/2/layout/IconVerticalSolidList"/>
+    <dgm:cxn modelId="{ABE09303-77CD-4C0A-A54F-1B79080EC8F8}" type="presParOf" srcId="{21D369C1-08FB-4624-B536-2CA7D4642830}" destId="{486E68AF-0CAD-4524-B49F-D31FC8048EC7}" srcOrd="3" destOrd="0" presId="urn:microsoft.com/office/officeart/2018/2/layout/IconVerticalSolidList"/>
+    <dgm:cxn modelId="{DD9CA7C5-C4A4-4062-8E9D-FF3CF2C460C7}" type="presParOf" srcId="{EFB736B4-C3CD-4180-8471-8B9D01B8CC07}" destId="{2D844B53-F2C2-4431-A266-586A1BFEFA15}" srcOrd="7" destOrd="0" presId="urn:microsoft.com/office/officeart/2018/2/layout/IconVerticalSolidList"/>
+    <dgm:cxn modelId="{E789F284-0DCB-493E-A715-706BE9D8AD39}" type="presParOf" srcId="{EFB736B4-C3CD-4180-8471-8B9D01B8CC07}" destId="{FB603E42-EF66-4B3E-91E5-3B26AF1C8903}" srcOrd="8" destOrd="0" presId="urn:microsoft.com/office/officeart/2018/2/layout/IconVerticalSolidList"/>
+    <dgm:cxn modelId="{3BDE970D-E402-478F-AA27-E3C8AB28585E}" type="presParOf" srcId="{FB603E42-EF66-4B3E-91E5-3B26AF1C8903}" destId="{7EE0A09A-39C0-41C2-8307-254765291B1B}" srcOrd="0" destOrd="0" presId="urn:microsoft.com/office/officeart/2018/2/layout/IconVerticalSolidList"/>
+    <dgm:cxn modelId="{2C8DE468-CBCF-4B4E-8B76-7406FAC57AB2}" type="presParOf" srcId="{FB603E42-EF66-4B3E-91E5-3B26AF1C8903}" destId="{8E15A819-5D28-4217-B533-04A89A807743}" srcOrd="1" destOrd="0" presId="urn:microsoft.com/office/officeart/2018/2/layout/IconVerticalSolidList"/>
+    <dgm:cxn modelId="{B3948103-A415-4295-9921-2F7D27E3AC30}" type="presParOf" srcId="{FB603E42-EF66-4B3E-91E5-3B26AF1C8903}" destId="{D6E3299D-BD49-4CC5-9CAE-7AE6DD29D9DA}" srcOrd="2" destOrd="0" presId="urn:microsoft.com/office/officeart/2018/2/layout/IconVerticalSolidList"/>
+    <dgm:cxn modelId="{1324AA56-AD9B-4179-A0EA-70B06D70C62D}" type="presParOf" srcId="{FB603E42-EF66-4B3E-91E5-3B26AF1C8903}" destId="{50414A5A-F371-4FF0-BDC4-5C1A43D14A2B}" srcOrd="3" destOrd="0" presId="urn:microsoft.com/office/officeart/2018/2/layout/IconVerticalSolidList"/>
   </dgm:cxnLst>
   <dgm:bg/>
   <dgm:whole/>
@@ -5867,7 +7003,7 @@
       <dsp:spPr>
         <a:xfrm>
           <a:off x="0" y="898138"/>
-          <a:ext cx="6263640" cy="1648182"/>
+          <a:ext cx="6344560" cy="1648182"/>
         </a:xfrm>
         <a:prstGeom prst="roundRect">
           <a:avLst>
@@ -5959,7 +7095,7 @@
       <dsp:spPr>
         <a:xfrm>
           <a:off x="1903650" y="898138"/>
-          <a:ext cx="4358128" cy="1648182"/>
+          <a:ext cx="4439048" cy="1648182"/>
         </a:xfrm>
         <a:prstGeom prst="rect">
           <a:avLst/>
@@ -6015,7 +7151,7 @@
       </dsp:txBody>
       <dsp:txXfrm>
         <a:off x="1903650" y="898138"/>
-        <a:ext cx="4358128" cy="1648182"/>
+        <a:ext cx="4439048" cy="1648182"/>
       </dsp:txXfrm>
     </dsp:sp>
     <dsp:sp modelId="{74039B2C-B4D2-4415-931E-258A31C3A9DA}">
@@ -6026,7 +7162,7 @@
       <dsp:spPr>
         <a:xfrm>
           <a:off x="0" y="2958366"/>
-          <a:ext cx="6263640" cy="1648182"/>
+          <a:ext cx="6344560" cy="1648182"/>
         </a:xfrm>
         <a:prstGeom prst="roundRect">
           <a:avLst>
@@ -6118,7 +7254,7 @@
       <dsp:spPr>
         <a:xfrm>
           <a:off x="1903650" y="2958366"/>
-          <a:ext cx="2818638" cy="1648182"/>
+          <a:ext cx="2855052" cy="1648182"/>
         </a:xfrm>
         <a:prstGeom prst="rect">
           <a:avLst/>
@@ -6167,7 +7303,7 @@
       </dsp:txBody>
       <dsp:txXfrm>
         <a:off x="1903650" y="2958366"/>
-        <a:ext cx="2818638" cy="1648182"/>
+        <a:ext cx="2855052" cy="1648182"/>
       </dsp:txXfrm>
     </dsp:sp>
     <dsp:sp modelId="{127CF257-3091-4FA7-A19E-85EF634193CA}">
@@ -6177,8 +7313,8 @@
       </dsp:nvSpPr>
       <dsp:spPr>
         <a:xfrm>
-          <a:off x="4722288" y="2958366"/>
-          <a:ext cx="1539490" cy="1648182"/>
+          <a:off x="4758702" y="2958366"/>
+          <a:ext cx="1583996" cy="1648182"/>
         </a:xfrm>
         <a:prstGeom prst="rect">
           <a:avLst/>
@@ -6223,17 +7359,52 @@
             <a:rPr lang="en-US" sz="1100" b="0" kern="1200" dirty="0">
               <a:latin typeface="Calibri Light" panose="020F0302020204030204"/>
             </a:rPr>
-            <a:t>Python - </a:t>
-          </a:r>
-          <a:r>
-            <a:rPr lang="en-US" sz="1100" b="0" kern="1200" dirty="0" err="1">
-              <a:latin typeface="Calibri Light" panose="020F0302020204030204"/>
-            </a:rPr>
-            <a:t>PySpark</a:t>
+            <a:t>Python – PySpark</a:t>
           </a:r>
           <a:endParaRPr lang="en-US" sz="1100" kern="1200" dirty="0">
             <a:latin typeface="Calibri Light" panose="020F0302020204030204"/>
           </a:endParaRPr>
+        </a:p>
+        <a:p>
+          <a:pPr marL="0" lvl="0" indent="0" algn="l" defTabSz="488950">
+            <a:lnSpc>
+              <a:spcPct val="100000"/>
+            </a:lnSpc>
+            <a:spcBef>
+              <a:spcPct val="0"/>
+            </a:spcBef>
+            <a:spcAft>
+              <a:spcPct val="35000"/>
+            </a:spcAft>
+            <a:buNone/>
+          </a:pPr>
+          <a:r>
+            <a:rPr lang="en-US" sz="1100" kern="1200" dirty="0">
+              <a:latin typeface="Calibri Light" panose="020F0302020204030204"/>
+            </a:rPr>
+            <a:t>Pycharm</a:t>
+          </a:r>
+          <a:endParaRPr lang="en-US" sz="1100" kern="1200" dirty="0"/>
+        </a:p>
+        <a:p>
+          <a:pPr marL="0" lvl="0" indent="0" algn="l" defTabSz="488950">
+            <a:lnSpc>
+              <a:spcPct val="100000"/>
+            </a:lnSpc>
+            <a:spcBef>
+              <a:spcPct val="0"/>
+            </a:spcBef>
+            <a:spcAft>
+              <a:spcPct val="35000"/>
+            </a:spcAft>
+            <a:buNone/>
+          </a:pPr>
+          <a:r>
+            <a:rPr lang="en-US" sz="1100" kern="1200" dirty="0">
+              <a:latin typeface="Calibri Light" panose="020F0302020204030204"/>
+            </a:rPr>
+            <a:t>Auth0</a:t>
+          </a:r>
         </a:p>
         <a:p>
           <a:pPr marL="0" lvl="0" indent="0" algn="l" defTabSz="488950">
@@ -6333,11 +7504,158 @@
             <a:rPr lang="en-US" sz="1100" kern="1200" dirty="0">
               <a:latin typeface="Calibri Light" panose="020F0302020204030204"/>
             </a:rPr>
-            <a:t>Auth0</a:t>
+            <a:t>PEP8 Standards</a:t>
           </a:r>
         </a:p>
+      </dsp:txBody>
+      <dsp:txXfrm>
+        <a:off x="4758702" y="2958366"/>
+        <a:ext cx="1583996" cy="1648182"/>
+      </dsp:txXfrm>
+    </dsp:sp>
+  </dsp:spTree>
+</dsp:drawing>
+</file>
+
+<file path=ppt/diagrams/drawing4.xml><?xml version="1.0" encoding="utf-8"?>
+<dsp:drawing xmlns:dgm="http://schemas.openxmlformats.org/drawingml/2006/diagram" xmlns:dsp="http://schemas.microsoft.com/office/drawing/2008/diagram" xmlns:a="http://schemas.openxmlformats.org/drawingml/2006/main">
+  <dsp:spTree>
+    <dsp:nvGrpSpPr>
+      <dsp:cNvPr id="0" name=""/>
+      <dsp:cNvGrpSpPr/>
+    </dsp:nvGrpSpPr>
+    <dsp:grpSpPr/>
+    <dsp:sp modelId="{1E82D751-ABFD-4BD0-AAF4-3D2938462DC5}">
+      <dsp:nvSpPr>
+        <dsp:cNvPr id="0" name=""/>
+        <dsp:cNvSpPr/>
+      </dsp:nvSpPr>
+      <dsp:spPr>
+        <a:xfrm>
+          <a:off x="0" y="4300"/>
+          <a:ext cx="6344560" cy="916014"/>
+        </a:xfrm>
+        <a:prstGeom prst="roundRect">
+          <a:avLst>
+            <a:gd name="adj" fmla="val 10000"/>
+          </a:avLst>
+        </a:prstGeom>
+        <a:solidFill>
+          <a:schemeClr val="bg1">
+            <a:lumMod val="95000"/>
+            <a:hueOff val="0"/>
+            <a:satOff val="0"/>
+            <a:lumOff val="0"/>
+            <a:alphaOff val="0"/>
+          </a:schemeClr>
+        </a:solidFill>
+        <a:ln>
+          <a:noFill/>
+        </a:ln>
+        <a:effectLst/>
+      </dsp:spPr>
+      <dsp:style>
+        <a:lnRef idx="0">
+          <a:scrgbClr r="0" g="0" b="0"/>
+        </a:lnRef>
+        <a:fillRef idx="1">
+          <a:scrgbClr r="0" g="0" b="0"/>
+        </a:fillRef>
+        <a:effectRef idx="0">
+          <a:scrgbClr r="0" g="0" b="0"/>
+        </a:effectRef>
+        <a:fontRef idx="minor"/>
+      </dsp:style>
+    </dsp:sp>
+    <dsp:sp modelId="{8CDD0D41-F040-430A-8049-BDC24EB5E4E6}">
+      <dsp:nvSpPr>
+        <dsp:cNvPr id="0" name=""/>
+        <dsp:cNvSpPr/>
+      </dsp:nvSpPr>
+      <dsp:spPr>
+        <a:xfrm>
+          <a:off x="277094" y="210403"/>
+          <a:ext cx="503807" cy="503807"/>
+        </a:xfrm>
+        <a:prstGeom prst="rect">
+          <a:avLst/>
+        </a:prstGeom>
+        <a:solidFill>
+          <a:schemeClr val="accent6">
+            <a:hueOff val="0"/>
+            <a:satOff val="0"/>
+            <a:lumOff val="0"/>
+            <a:alphaOff val="0"/>
+          </a:schemeClr>
+        </a:solidFill>
+        <a:ln w="12700" cap="flat" cmpd="sng" algn="ctr">
+          <a:solidFill>
+            <a:schemeClr val="lt1">
+              <a:alpha val="0"/>
+              <a:hueOff val="0"/>
+              <a:satOff val="0"/>
+              <a:lumOff val="0"/>
+              <a:alphaOff val="0"/>
+            </a:schemeClr>
+          </a:solidFill>
+          <a:prstDash val="solid"/>
+          <a:miter lim="800000"/>
+        </a:ln>
+        <a:effectLst/>
+      </dsp:spPr>
+      <dsp:style>
+        <a:lnRef idx="2">
+          <a:scrgbClr r="0" g="0" b="0"/>
+        </a:lnRef>
+        <a:fillRef idx="1">
+          <a:scrgbClr r="0" g="0" b="0"/>
+        </a:fillRef>
+        <a:effectRef idx="0">
+          <a:scrgbClr r="0" g="0" b="0"/>
+        </a:effectRef>
+        <a:fontRef idx="minor">
+          <a:schemeClr val="lt1"/>
+        </a:fontRef>
+      </dsp:style>
+    </dsp:sp>
+    <dsp:sp modelId="{97FBA9E3-6AF1-4BEF-9E33-3D7B21D98493}">
+      <dsp:nvSpPr>
+        <dsp:cNvPr id="0" name=""/>
+        <dsp:cNvSpPr/>
+      </dsp:nvSpPr>
+      <dsp:spPr>
+        <a:xfrm>
+          <a:off x="1057996" y="4300"/>
+          <a:ext cx="5286563" cy="916014"/>
+        </a:xfrm>
+        <a:prstGeom prst="rect">
+          <a:avLst/>
+        </a:prstGeom>
+        <a:noFill/>
+        <a:ln>
+          <a:noFill/>
+        </a:ln>
+        <a:effectLst/>
+      </dsp:spPr>
+      <dsp:style>
+        <a:lnRef idx="0">
+          <a:scrgbClr r="0" g="0" b="0"/>
+        </a:lnRef>
+        <a:fillRef idx="0">
+          <a:scrgbClr r="0" g="0" b="0"/>
+        </a:fillRef>
+        <a:effectRef idx="0">
+          <a:scrgbClr r="0" g="0" b="0"/>
+        </a:effectRef>
+        <a:fontRef idx="minor"/>
+      </dsp:style>
+      <dsp:txBody>
+        <a:bodyPr spcFirstLastPara="0" vert="horz" wrap="square" lIns="96945" tIns="96945" rIns="96945" bIns="96945" numCol="1" spcCol="1270" anchor="ctr" anchorCtr="0">
+          <a:noAutofit/>
+        </a:bodyPr>
+        <a:lstStyle/>
         <a:p>
-          <a:pPr marL="0" lvl="0" indent="0" algn="l" defTabSz="488950">
+          <a:pPr marL="0" lvl="0" indent="0" algn="l" defTabSz="844550">
             <a:lnSpc>
               <a:spcPct val="100000"/>
             </a:lnSpc>
@@ -6350,16 +7668,632 @@
             <a:buNone/>
           </a:pPr>
           <a:r>
-            <a:rPr lang="en-US" sz="1100" kern="1200" dirty="0">
+            <a:rPr lang="en-US" sz="1900" b="0" kern="1200" dirty="0"/>
+            <a:t>Provide more insights with countineous </a:t>
+          </a:r>
+          <a:r>
+            <a:rPr lang="en-US" sz="1900" b="0" kern="1200" dirty="0">
               <a:latin typeface="Calibri Light" panose="020F0302020204030204"/>
             </a:rPr>
-            <a:t>PEP8 Standards</a:t>
+            <a:t>discussion</a:t>
           </a:r>
         </a:p>
       </dsp:txBody>
       <dsp:txXfrm>
-        <a:off x="4722288" y="2958366"/>
-        <a:ext cx="1539490" cy="1648182"/>
+        <a:off x="1057996" y="4300"/>
+        <a:ext cx="5286563" cy="916014"/>
+      </dsp:txXfrm>
+    </dsp:sp>
+    <dsp:sp modelId="{937863ED-7403-4788-9365-F864D61AA8DF}">
+      <dsp:nvSpPr>
+        <dsp:cNvPr id="0" name=""/>
+        <dsp:cNvSpPr/>
+      </dsp:nvSpPr>
+      <dsp:spPr>
+        <a:xfrm>
+          <a:off x="0" y="1149318"/>
+          <a:ext cx="6344560" cy="916014"/>
+        </a:xfrm>
+        <a:prstGeom prst="roundRect">
+          <a:avLst>
+            <a:gd name="adj" fmla="val 10000"/>
+          </a:avLst>
+        </a:prstGeom>
+        <a:solidFill>
+          <a:schemeClr val="bg1">
+            <a:lumMod val="95000"/>
+            <a:hueOff val="0"/>
+            <a:satOff val="0"/>
+            <a:lumOff val="0"/>
+            <a:alphaOff val="0"/>
+          </a:schemeClr>
+        </a:solidFill>
+        <a:ln>
+          <a:noFill/>
+        </a:ln>
+        <a:effectLst/>
+      </dsp:spPr>
+      <dsp:style>
+        <a:lnRef idx="0">
+          <a:scrgbClr r="0" g="0" b="0"/>
+        </a:lnRef>
+        <a:fillRef idx="1">
+          <a:scrgbClr r="0" g="0" b="0"/>
+        </a:fillRef>
+        <a:effectRef idx="0">
+          <a:scrgbClr r="0" g="0" b="0"/>
+        </a:effectRef>
+        <a:fontRef idx="minor"/>
+      </dsp:style>
+    </dsp:sp>
+    <dsp:sp modelId="{64BC3CF2-83DA-4926-A0B8-D7AB12704C42}">
+      <dsp:nvSpPr>
+        <dsp:cNvPr id="0" name=""/>
+        <dsp:cNvSpPr/>
+      </dsp:nvSpPr>
+      <dsp:spPr>
+        <a:xfrm>
+          <a:off x="277094" y="1355421"/>
+          <a:ext cx="503807" cy="503807"/>
+        </a:xfrm>
+        <a:prstGeom prst="rect">
+          <a:avLst/>
+        </a:prstGeom>
+        <a:solidFill>
+          <a:schemeClr val="accent6">
+            <a:hueOff val="0"/>
+            <a:satOff val="0"/>
+            <a:lumOff val="0"/>
+            <a:alphaOff val="0"/>
+          </a:schemeClr>
+        </a:solidFill>
+        <a:ln w="12700" cap="flat" cmpd="sng" algn="ctr">
+          <a:solidFill>
+            <a:schemeClr val="lt1">
+              <a:alpha val="0"/>
+              <a:hueOff val="0"/>
+              <a:satOff val="0"/>
+              <a:lumOff val="0"/>
+              <a:alphaOff val="0"/>
+            </a:schemeClr>
+          </a:solidFill>
+          <a:prstDash val="solid"/>
+          <a:miter lim="800000"/>
+        </a:ln>
+        <a:effectLst/>
+      </dsp:spPr>
+      <dsp:style>
+        <a:lnRef idx="2">
+          <a:scrgbClr r="0" g="0" b="0"/>
+        </a:lnRef>
+        <a:fillRef idx="1">
+          <a:scrgbClr r="0" g="0" b="0"/>
+        </a:fillRef>
+        <a:effectRef idx="0">
+          <a:scrgbClr r="0" g="0" b="0"/>
+        </a:effectRef>
+        <a:fontRef idx="minor">
+          <a:schemeClr val="lt1"/>
+        </a:fontRef>
+      </dsp:style>
+    </dsp:sp>
+    <dsp:sp modelId="{22BCBE16-D9CB-401B-B695-CA254A70046F}">
+      <dsp:nvSpPr>
+        <dsp:cNvPr id="0" name=""/>
+        <dsp:cNvSpPr/>
+      </dsp:nvSpPr>
+      <dsp:spPr>
+        <a:xfrm>
+          <a:off x="1057996" y="1149318"/>
+          <a:ext cx="5286563" cy="916014"/>
+        </a:xfrm>
+        <a:prstGeom prst="rect">
+          <a:avLst/>
+        </a:prstGeom>
+        <a:noFill/>
+        <a:ln>
+          <a:noFill/>
+        </a:ln>
+        <a:effectLst/>
+      </dsp:spPr>
+      <dsp:style>
+        <a:lnRef idx="0">
+          <a:scrgbClr r="0" g="0" b="0"/>
+        </a:lnRef>
+        <a:fillRef idx="0">
+          <a:scrgbClr r="0" g="0" b="0"/>
+        </a:fillRef>
+        <a:effectRef idx="0">
+          <a:scrgbClr r="0" g="0" b="0"/>
+        </a:effectRef>
+        <a:fontRef idx="minor"/>
+      </dsp:style>
+      <dsp:txBody>
+        <a:bodyPr spcFirstLastPara="0" vert="horz" wrap="square" lIns="96945" tIns="96945" rIns="96945" bIns="96945" numCol="1" spcCol="1270" anchor="ctr" anchorCtr="0">
+          <a:noAutofit/>
+        </a:bodyPr>
+        <a:lstStyle/>
+        <a:p>
+          <a:pPr marL="0" lvl="0" indent="0" algn="l" defTabSz="844550">
+            <a:lnSpc>
+              <a:spcPct val="100000"/>
+            </a:lnSpc>
+            <a:spcBef>
+              <a:spcPct val="0"/>
+            </a:spcBef>
+            <a:spcAft>
+              <a:spcPct val="35000"/>
+            </a:spcAft>
+            <a:buNone/>
+          </a:pPr>
+          <a:r>
+            <a:rPr lang="en-US" sz="1900" b="0" kern="1200" dirty="0"/>
+            <a:t>More code coverage</a:t>
+          </a:r>
+        </a:p>
+      </dsp:txBody>
+      <dsp:txXfrm>
+        <a:off x="1057996" y="1149318"/>
+        <a:ext cx="5286563" cy="916014"/>
+      </dsp:txXfrm>
+    </dsp:sp>
+    <dsp:sp modelId="{51EF85AE-7055-47EE-9493-58E7AA46129F}">
+      <dsp:nvSpPr>
+        <dsp:cNvPr id="0" name=""/>
+        <dsp:cNvSpPr/>
+      </dsp:nvSpPr>
+      <dsp:spPr>
+        <a:xfrm>
+          <a:off x="0" y="2294336"/>
+          <a:ext cx="6344560" cy="916014"/>
+        </a:xfrm>
+        <a:prstGeom prst="roundRect">
+          <a:avLst>
+            <a:gd name="adj" fmla="val 10000"/>
+          </a:avLst>
+        </a:prstGeom>
+        <a:solidFill>
+          <a:schemeClr val="bg1">
+            <a:lumMod val="95000"/>
+            <a:hueOff val="0"/>
+            <a:satOff val="0"/>
+            <a:lumOff val="0"/>
+            <a:alphaOff val="0"/>
+          </a:schemeClr>
+        </a:solidFill>
+        <a:ln>
+          <a:noFill/>
+        </a:ln>
+        <a:effectLst/>
+      </dsp:spPr>
+      <dsp:style>
+        <a:lnRef idx="0">
+          <a:scrgbClr r="0" g="0" b="0"/>
+        </a:lnRef>
+        <a:fillRef idx="1">
+          <a:scrgbClr r="0" g="0" b="0"/>
+        </a:fillRef>
+        <a:effectRef idx="0">
+          <a:scrgbClr r="0" g="0" b="0"/>
+        </a:effectRef>
+        <a:fontRef idx="minor"/>
+      </dsp:style>
+    </dsp:sp>
+    <dsp:sp modelId="{365CEEDD-A38A-476F-B16C-C05613C4055D}">
+      <dsp:nvSpPr>
+        <dsp:cNvPr id="0" name=""/>
+        <dsp:cNvSpPr/>
+      </dsp:nvSpPr>
+      <dsp:spPr>
+        <a:xfrm>
+          <a:off x="277094" y="2500440"/>
+          <a:ext cx="503807" cy="503807"/>
+        </a:xfrm>
+        <a:prstGeom prst="rect">
+          <a:avLst/>
+        </a:prstGeom>
+        <a:solidFill>
+          <a:schemeClr val="accent6">
+            <a:hueOff val="0"/>
+            <a:satOff val="0"/>
+            <a:lumOff val="0"/>
+            <a:alphaOff val="0"/>
+          </a:schemeClr>
+        </a:solidFill>
+        <a:ln w="12700" cap="flat" cmpd="sng" algn="ctr">
+          <a:solidFill>
+            <a:schemeClr val="lt1">
+              <a:alpha val="0"/>
+              <a:hueOff val="0"/>
+              <a:satOff val="0"/>
+              <a:lumOff val="0"/>
+              <a:alphaOff val="0"/>
+            </a:schemeClr>
+          </a:solidFill>
+          <a:prstDash val="solid"/>
+          <a:miter lim="800000"/>
+        </a:ln>
+        <a:effectLst/>
+      </dsp:spPr>
+      <dsp:style>
+        <a:lnRef idx="2">
+          <a:scrgbClr r="0" g="0" b="0"/>
+        </a:lnRef>
+        <a:fillRef idx="1">
+          <a:scrgbClr r="0" g="0" b="0"/>
+        </a:fillRef>
+        <a:effectRef idx="0">
+          <a:scrgbClr r="0" g="0" b="0"/>
+        </a:effectRef>
+        <a:fontRef idx="minor">
+          <a:schemeClr val="lt1"/>
+        </a:fontRef>
+      </dsp:style>
+    </dsp:sp>
+    <dsp:sp modelId="{CC5D990C-6428-4F89-8BE4-74DE6C148E15}">
+      <dsp:nvSpPr>
+        <dsp:cNvPr id="0" name=""/>
+        <dsp:cNvSpPr/>
+      </dsp:nvSpPr>
+      <dsp:spPr>
+        <a:xfrm>
+          <a:off x="1057996" y="2294336"/>
+          <a:ext cx="5286563" cy="916014"/>
+        </a:xfrm>
+        <a:prstGeom prst="rect">
+          <a:avLst/>
+        </a:prstGeom>
+        <a:noFill/>
+        <a:ln>
+          <a:noFill/>
+        </a:ln>
+        <a:effectLst/>
+      </dsp:spPr>
+      <dsp:style>
+        <a:lnRef idx="0">
+          <a:scrgbClr r="0" g="0" b="0"/>
+        </a:lnRef>
+        <a:fillRef idx="0">
+          <a:scrgbClr r="0" g="0" b="0"/>
+        </a:fillRef>
+        <a:effectRef idx="0">
+          <a:scrgbClr r="0" g="0" b="0"/>
+        </a:effectRef>
+        <a:fontRef idx="minor"/>
+      </dsp:style>
+      <dsp:txBody>
+        <a:bodyPr spcFirstLastPara="0" vert="horz" wrap="square" lIns="96945" tIns="96945" rIns="96945" bIns="96945" numCol="1" spcCol="1270" anchor="ctr" anchorCtr="0">
+          <a:noAutofit/>
+        </a:bodyPr>
+        <a:lstStyle/>
+        <a:p>
+          <a:pPr marL="0" lvl="0" indent="0" algn="l" defTabSz="844550">
+            <a:lnSpc>
+              <a:spcPct val="100000"/>
+            </a:lnSpc>
+            <a:spcBef>
+              <a:spcPct val="0"/>
+            </a:spcBef>
+            <a:spcAft>
+              <a:spcPct val="35000"/>
+            </a:spcAft>
+            <a:buNone/>
+          </a:pPr>
+          <a:r>
+            <a:rPr lang="en-US" sz="1900" b="0" kern="1200" dirty="0"/>
+            <a:t>Build Unit test suite &amp; reports</a:t>
+          </a:r>
+        </a:p>
+      </dsp:txBody>
+      <dsp:txXfrm>
+        <a:off x="1057996" y="2294336"/>
+        <a:ext cx="5286563" cy="916014"/>
+      </dsp:txXfrm>
+    </dsp:sp>
+    <dsp:sp modelId="{1F515ACE-FB79-4F22-933A-02AF4FFFC59D}">
+      <dsp:nvSpPr>
+        <dsp:cNvPr id="0" name=""/>
+        <dsp:cNvSpPr/>
+      </dsp:nvSpPr>
+      <dsp:spPr>
+        <a:xfrm>
+          <a:off x="0" y="3439354"/>
+          <a:ext cx="6344560" cy="916014"/>
+        </a:xfrm>
+        <a:prstGeom prst="roundRect">
+          <a:avLst>
+            <a:gd name="adj" fmla="val 10000"/>
+          </a:avLst>
+        </a:prstGeom>
+        <a:solidFill>
+          <a:schemeClr val="bg1">
+            <a:lumMod val="95000"/>
+            <a:hueOff val="0"/>
+            <a:satOff val="0"/>
+            <a:lumOff val="0"/>
+            <a:alphaOff val="0"/>
+          </a:schemeClr>
+        </a:solidFill>
+        <a:ln>
+          <a:noFill/>
+        </a:ln>
+        <a:effectLst/>
+      </dsp:spPr>
+      <dsp:style>
+        <a:lnRef idx="0">
+          <a:scrgbClr r="0" g="0" b="0"/>
+        </a:lnRef>
+        <a:fillRef idx="1">
+          <a:scrgbClr r="0" g="0" b="0"/>
+        </a:fillRef>
+        <a:effectRef idx="0">
+          <a:scrgbClr r="0" g="0" b="0"/>
+        </a:effectRef>
+        <a:fontRef idx="minor"/>
+      </dsp:style>
+    </dsp:sp>
+    <dsp:sp modelId="{D0C13DCA-AE1A-43E3-8A9B-EEE02320788E}">
+      <dsp:nvSpPr>
+        <dsp:cNvPr id="0" name=""/>
+        <dsp:cNvSpPr/>
+      </dsp:nvSpPr>
+      <dsp:spPr>
+        <a:xfrm>
+          <a:off x="277094" y="3645458"/>
+          <a:ext cx="503807" cy="503807"/>
+        </a:xfrm>
+        <a:prstGeom prst="rect">
+          <a:avLst/>
+        </a:prstGeom>
+        <a:solidFill>
+          <a:schemeClr val="accent6">
+            <a:hueOff val="0"/>
+            <a:satOff val="0"/>
+            <a:lumOff val="0"/>
+            <a:alphaOff val="0"/>
+          </a:schemeClr>
+        </a:solidFill>
+        <a:ln w="12700" cap="flat" cmpd="sng" algn="ctr">
+          <a:solidFill>
+            <a:schemeClr val="lt1">
+              <a:alpha val="0"/>
+              <a:hueOff val="0"/>
+              <a:satOff val="0"/>
+              <a:lumOff val="0"/>
+              <a:alphaOff val="0"/>
+            </a:schemeClr>
+          </a:solidFill>
+          <a:prstDash val="solid"/>
+          <a:miter lim="800000"/>
+        </a:ln>
+        <a:effectLst/>
+      </dsp:spPr>
+      <dsp:style>
+        <a:lnRef idx="2">
+          <a:scrgbClr r="0" g="0" b="0"/>
+        </a:lnRef>
+        <a:fillRef idx="1">
+          <a:scrgbClr r="0" g="0" b="0"/>
+        </a:fillRef>
+        <a:effectRef idx="0">
+          <a:scrgbClr r="0" g="0" b="0"/>
+        </a:effectRef>
+        <a:fontRef idx="minor">
+          <a:schemeClr val="lt1"/>
+        </a:fontRef>
+      </dsp:style>
+    </dsp:sp>
+    <dsp:sp modelId="{486E68AF-0CAD-4524-B49F-D31FC8048EC7}">
+      <dsp:nvSpPr>
+        <dsp:cNvPr id="0" name=""/>
+        <dsp:cNvSpPr/>
+      </dsp:nvSpPr>
+      <dsp:spPr>
+        <a:xfrm>
+          <a:off x="1057996" y="3439354"/>
+          <a:ext cx="5286563" cy="916014"/>
+        </a:xfrm>
+        <a:prstGeom prst="rect">
+          <a:avLst/>
+        </a:prstGeom>
+        <a:noFill/>
+        <a:ln>
+          <a:noFill/>
+        </a:ln>
+        <a:effectLst/>
+      </dsp:spPr>
+      <dsp:style>
+        <a:lnRef idx="0">
+          <a:scrgbClr r="0" g="0" b="0"/>
+        </a:lnRef>
+        <a:fillRef idx="0">
+          <a:scrgbClr r="0" g="0" b="0"/>
+        </a:fillRef>
+        <a:effectRef idx="0">
+          <a:scrgbClr r="0" g="0" b="0"/>
+        </a:effectRef>
+        <a:fontRef idx="minor"/>
+      </dsp:style>
+      <dsp:txBody>
+        <a:bodyPr spcFirstLastPara="0" vert="horz" wrap="square" lIns="96945" tIns="96945" rIns="96945" bIns="96945" numCol="1" spcCol="1270" anchor="ctr" anchorCtr="0">
+          <a:noAutofit/>
+        </a:bodyPr>
+        <a:lstStyle/>
+        <a:p>
+          <a:pPr marL="0" lvl="0" indent="0" algn="l" defTabSz="844550">
+            <a:lnSpc>
+              <a:spcPct val="100000"/>
+            </a:lnSpc>
+            <a:spcBef>
+              <a:spcPct val="0"/>
+            </a:spcBef>
+            <a:spcAft>
+              <a:spcPct val="35000"/>
+            </a:spcAft>
+            <a:buNone/>
+          </a:pPr>
+          <a:r>
+            <a:rPr lang="en-US" sz="1900" b="0" kern="1200" dirty="0"/>
+            <a:t>Understand client's other challenges</a:t>
+          </a:r>
+        </a:p>
+      </dsp:txBody>
+      <dsp:txXfrm>
+        <a:off x="1057996" y="3439354"/>
+        <a:ext cx="5286563" cy="916014"/>
+      </dsp:txXfrm>
+    </dsp:sp>
+    <dsp:sp modelId="{7EE0A09A-39C0-41C2-8307-254765291B1B}">
+      <dsp:nvSpPr>
+        <dsp:cNvPr id="0" name=""/>
+        <dsp:cNvSpPr/>
+      </dsp:nvSpPr>
+      <dsp:spPr>
+        <a:xfrm>
+          <a:off x="0" y="4584372"/>
+          <a:ext cx="6344560" cy="916014"/>
+        </a:xfrm>
+        <a:prstGeom prst="roundRect">
+          <a:avLst>
+            <a:gd name="adj" fmla="val 10000"/>
+          </a:avLst>
+        </a:prstGeom>
+        <a:solidFill>
+          <a:schemeClr val="bg1">
+            <a:lumMod val="95000"/>
+            <a:hueOff val="0"/>
+            <a:satOff val="0"/>
+            <a:lumOff val="0"/>
+            <a:alphaOff val="0"/>
+          </a:schemeClr>
+        </a:solidFill>
+        <a:ln>
+          <a:noFill/>
+        </a:ln>
+        <a:effectLst/>
+      </dsp:spPr>
+      <dsp:style>
+        <a:lnRef idx="0">
+          <a:scrgbClr r="0" g="0" b="0"/>
+        </a:lnRef>
+        <a:fillRef idx="1">
+          <a:scrgbClr r="0" g="0" b="0"/>
+        </a:fillRef>
+        <a:effectRef idx="0">
+          <a:scrgbClr r="0" g="0" b="0"/>
+        </a:effectRef>
+        <a:fontRef idx="minor"/>
+      </dsp:style>
+    </dsp:sp>
+    <dsp:sp modelId="{8E15A819-5D28-4217-B533-04A89A807743}">
+      <dsp:nvSpPr>
+        <dsp:cNvPr id="0" name=""/>
+        <dsp:cNvSpPr/>
+      </dsp:nvSpPr>
+      <dsp:spPr>
+        <a:xfrm>
+          <a:off x="277094" y="4790476"/>
+          <a:ext cx="503807" cy="503807"/>
+        </a:xfrm>
+        <a:prstGeom prst="rect">
+          <a:avLst/>
+        </a:prstGeom>
+        <a:solidFill>
+          <a:schemeClr val="accent6">
+            <a:hueOff val="0"/>
+            <a:satOff val="0"/>
+            <a:lumOff val="0"/>
+            <a:alphaOff val="0"/>
+          </a:schemeClr>
+        </a:solidFill>
+        <a:ln w="12700" cap="flat" cmpd="sng" algn="ctr">
+          <a:solidFill>
+            <a:schemeClr val="lt1">
+              <a:alpha val="0"/>
+              <a:hueOff val="0"/>
+              <a:satOff val="0"/>
+              <a:lumOff val="0"/>
+              <a:alphaOff val="0"/>
+            </a:schemeClr>
+          </a:solidFill>
+          <a:prstDash val="solid"/>
+          <a:miter lim="800000"/>
+        </a:ln>
+        <a:effectLst/>
+      </dsp:spPr>
+      <dsp:style>
+        <a:lnRef idx="2">
+          <a:scrgbClr r="0" g="0" b="0"/>
+        </a:lnRef>
+        <a:fillRef idx="1">
+          <a:scrgbClr r="0" g="0" b="0"/>
+        </a:fillRef>
+        <a:effectRef idx="0">
+          <a:scrgbClr r="0" g="0" b="0"/>
+        </a:effectRef>
+        <a:fontRef idx="minor">
+          <a:schemeClr val="lt1"/>
+        </a:fontRef>
+      </dsp:style>
+    </dsp:sp>
+    <dsp:sp modelId="{50414A5A-F371-4FF0-BDC4-5C1A43D14A2B}">
+      <dsp:nvSpPr>
+        <dsp:cNvPr id="0" name=""/>
+        <dsp:cNvSpPr/>
+      </dsp:nvSpPr>
+      <dsp:spPr>
+        <a:xfrm>
+          <a:off x="1057996" y="4584372"/>
+          <a:ext cx="5286563" cy="916014"/>
+        </a:xfrm>
+        <a:prstGeom prst="rect">
+          <a:avLst/>
+        </a:prstGeom>
+        <a:noFill/>
+        <a:ln>
+          <a:noFill/>
+        </a:ln>
+        <a:effectLst/>
+      </dsp:spPr>
+      <dsp:style>
+        <a:lnRef idx="0">
+          <a:scrgbClr r="0" g="0" b="0"/>
+        </a:lnRef>
+        <a:fillRef idx="0">
+          <a:scrgbClr r="0" g="0" b="0"/>
+        </a:fillRef>
+        <a:effectRef idx="0">
+          <a:scrgbClr r="0" g="0" b="0"/>
+        </a:effectRef>
+        <a:fontRef idx="minor"/>
+      </dsp:style>
+      <dsp:txBody>
+        <a:bodyPr spcFirstLastPara="0" vert="horz" wrap="square" lIns="96945" tIns="96945" rIns="96945" bIns="96945" numCol="1" spcCol="1270" anchor="ctr" anchorCtr="0">
+          <a:noAutofit/>
+        </a:bodyPr>
+        <a:lstStyle/>
+        <a:p>
+          <a:pPr marL="0" lvl="0" indent="0" algn="l" defTabSz="844550">
+            <a:lnSpc>
+              <a:spcPct val="100000"/>
+            </a:lnSpc>
+            <a:spcBef>
+              <a:spcPct val="0"/>
+            </a:spcBef>
+            <a:spcAft>
+              <a:spcPct val="35000"/>
+            </a:spcAft>
+            <a:buNone/>
+          </a:pPr>
+          <a:r>
+            <a:rPr lang="en-US" sz="1900" b="0" kern="1200" dirty="0"/>
+            <a:t>Develop capabilty for resusable purpose</a:t>
+          </a:r>
+        </a:p>
+      </dsp:txBody>
+      <dsp:txXfrm>
+        <a:off x="1057996" y="4584372"/>
+        <a:ext cx="5286563" cy="916014"/>
       </dsp:txXfrm>
     </dsp:sp>
   </dsp:spTree>
@@ -7248,6 +9182,300 @@
 </dgm:layoutDef>
 </file>
 
+<file path=ppt/diagrams/layout4.xml><?xml version="1.0" encoding="utf-8"?>
+<dgm:layoutDef xmlns:dgm="http://schemas.openxmlformats.org/drawingml/2006/diagram" xmlns:a="http://schemas.openxmlformats.org/drawingml/2006/main" uniqueId="urn:microsoft.com/office/officeart/2018/2/layout/IconVerticalSolidList">
+  <dgm:title val="Icon Vertical Solid List"/>
+  <dgm:desc val="Use to show a series of visuals from top to bottom with Level 1 or Level 1 and Level 2 text grouped in a shape. Works best with icons or small pictures with lengthier descriptions."/>
+  <dgm:catLst>
+    <dgm:cat type="icon" pri="500"/>
+  </dgm:catLst>
+  <dgm:sampData useDef="1">
+    <dgm:dataModel>
+      <dgm:ptLst/>
+      <dgm:bg/>
+      <dgm:whole/>
+    </dgm:dataModel>
+  </dgm:sampData>
+  <dgm:styleData useDef="1">
+    <dgm:dataModel>
+      <dgm:ptLst/>
+      <dgm:bg/>
+      <dgm:whole/>
+    </dgm:dataModel>
+  </dgm:styleData>
+  <dgm:clrData useDef="1">
+    <dgm:dataModel>
+      <dgm:ptLst/>
+      <dgm:bg/>
+      <dgm:whole/>
+    </dgm:dataModel>
+  </dgm:clrData>
+  <dgm:layoutNode name="root">
+    <dgm:varLst>
+      <dgm:dir/>
+      <dgm:resizeHandles val="exact"/>
+    </dgm:varLst>
+    <dgm:choose name="Name0">
+      <dgm:if name="Name1" axis="self" func="var" arg="dir" op="equ" val="norm">
+        <dgm:alg type="lin">
+          <dgm:param type="linDir" val="fromT"/>
+          <dgm:param type="nodeHorzAlign" val="l"/>
+        </dgm:alg>
+      </dgm:if>
+      <dgm:else name="Name2">
+        <dgm:alg type="lin">
+          <dgm:param type="linDir" val="fromT"/>
+          <dgm:param type="nodeHorzAlign" val="r"/>
+        </dgm:alg>
+      </dgm:else>
+    </dgm:choose>
+    <dgm:shape xmlns:r="http://schemas.openxmlformats.org/officeDocument/2006/relationships" r:blip="">
+      <dgm:adjLst/>
+    </dgm:shape>
+    <dgm:presOf/>
+    <dgm:choose name="Name3">
+      <dgm:if name="Name4" axis="ch" ptType="node" func="cnt" op="lte" val="3">
+        <dgm:constrLst>
+          <dgm:constr type="h" for="ch" forName="compNode" refType="h" fact="0.3"/>
+          <dgm:constr type="w" for="ch" forName="compNode" refType="w"/>
+          <dgm:constr type="h" for="ch" forName="sibTrans" refType="h" refFor="ch" refForName="compNode" fact="0.25"/>
+          <dgm:constr type="primFontSz" for="des" forName="parTx" val="25"/>
+          <dgm:constr type="primFontSz" for="des" forName="desTx" refType="primFontSz" refFor="des" refForName="parTx" op="lte" fact="0.75"/>
+          <dgm:constr type="h" for="des" forName="compNode" op="equ"/>
+          <dgm:constr type="h" for="des" forName="bgRect" op="equ"/>
+          <dgm:constr type="h" for="des" forName="iconRect" op="equ"/>
+          <dgm:constr type="w" for="des" forName="iconRect" op="equ"/>
+          <dgm:constr type="h" for="des" forName="spaceRect" op="equ"/>
+          <dgm:constr type="h" for="des" forName="parTx" op="equ"/>
+          <dgm:constr type="h" for="des" forName="desTx" op="equ"/>
+        </dgm:constrLst>
+      </dgm:if>
+      <dgm:if name="Name5" axis="ch" ptType="node" func="cnt" op="lte" val="4">
+        <dgm:constrLst>
+          <dgm:constr type="h" for="ch" forName="compNode" refType="h" fact="0.3"/>
+          <dgm:constr type="w" for="ch" forName="compNode" refType="w"/>
+          <dgm:constr type="h" for="ch" forName="sibTrans" refType="h" refFor="ch" refForName="compNode" fact="0.25"/>
+          <dgm:constr type="primFontSz" for="des" forName="parTx" val="22"/>
+          <dgm:constr type="primFontSz" for="des" forName="desTx" refType="primFontSz" refFor="des" refForName="parTx" op="lte" fact="0.75"/>
+          <dgm:constr type="h" for="des" forName="compNode" op="equ"/>
+          <dgm:constr type="h" for="des" forName="bgRect" op="equ"/>
+          <dgm:constr type="h" for="des" forName="iconRect" op="equ"/>
+          <dgm:constr type="w" for="des" forName="iconRect" op="equ"/>
+          <dgm:constr type="h" for="des" forName="spaceRect" op="equ"/>
+          <dgm:constr type="h" for="des" forName="parTx" op="equ"/>
+          <dgm:constr type="h" for="des" forName="desTx" op="equ"/>
+        </dgm:constrLst>
+      </dgm:if>
+      <dgm:if name="Name6" axis="ch" ptType="node" func="cnt" op="lte" val="6">
+        <dgm:constrLst>
+          <dgm:constr type="h" for="ch" forName="compNode" refType="h" fact="0.3"/>
+          <dgm:constr type="w" for="ch" forName="compNode" refType="w"/>
+          <dgm:constr type="h" for="ch" forName="sibTrans" refType="h" refFor="ch" refForName="compNode" fact="0.25"/>
+          <dgm:constr type="primFontSz" for="des" forName="parTx" val="19"/>
+          <dgm:constr type="primFontSz" for="des" forName="desTx" refType="primFontSz" refFor="des" refForName="parTx" op="lte" fact="0.75"/>
+          <dgm:constr type="h" for="des" forName="compNode" op="equ"/>
+          <dgm:constr type="h" for="des" forName="bgRect" op="equ"/>
+          <dgm:constr type="h" for="des" forName="iconRect" op="equ"/>
+          <dgm:constr type="w" for="des" forName="iconRect" op="equ"/>
+          <dgm:constr type="h" for="des" forName="spaceRect" op="equ"/>
+          <dgm:constr type="h" for="des" forName="parTx" op="equ"/>
+          <dgm:constr type="h" for="des" forName="desTx" op="equ"/>
+        </dgm:constrLst>
+      </dgm:if>
+      <dgm:else name="Name7">
+        <dgm:constrLst>
+          <dgm:constr type="h" for="ch" forName="compNode" refType="h" fact="0.3"/>
+          <dgm:constr type="w" for="ch" forName="compNode" refType="w"/>
+          <dgm:constr type="h" for="ch" forName="sibTrans" refType="h" refFor="ch" refForName="compNode" fact="0.25"/>
+          <dgm:constr type="primFontSz" for="des" forName="parTx" val="16"/>
+          <dgm:constr type="primFontSz" for="des" forName="desTx" refType="primFontSz" refFor="des" refForName="parTx" op="lte" fact="0.75"/>
+          <dgm:constr type="h" for="des" forName="compNode" op="equ"/>
+          <dgm:constr type="h" for="des" forName="bgRect" op="equ"/>
+          <dgm:constr type="h" for="des" forName="iconRect" op="equ"/>
+          <dgm:constr type="w" for="des" forName="iconRect" op="equ"/>
+          <dgm:constr type="h" for="des" forName="spaceRect" op="equ"/>
+          <dgm:constr type="h" for="des" forName="parTx" op="equ"/>
+          <dgm:constr type="h" for="des" forName="desTx" op="equ"/>
+        </dgm:constrLst>
+      </dgm:else>
+    </dgm:choose>
+    <dgm:ruleLst>
+      <dgm:rule type="h" for="ch" forName="compNode" val="0" fact="NaN" max="NaN"/>
+    </dgm:ruleLst>
+    <dgm:forEach name="Name8" axis="ch" ptType="node">
+      <dgm:layoutNode name="compNode">
+        <dgm:alg type="composite"/>
+        <dgm:shape xmlns:r="http://schemas.openxmlformats.org/officeDocument/2006/relationships" r:blip="">
+          <dgm:adjLst/>
+        </dgm:shape>
+        <dgm:presOf axis="self"/>
+        <dgm:choose name="Name9">
+          <dgm:if name="Name10" axis="ch" ptType="node" func="cnt" op="gte" val="1">
+            <dgm:constrLst>
+              <dgm:constr type="w" for="ch" forName="bgRect" refType="w"/>
+              <dgm:constr type="h" for="ch" forName="bgRect" refType="h"/>
+              <dgm:constr type="l" for="ch" forName="bgRect"/>
+              <dgm:constr type="t" for="ch" forName="bgRect"/>
+              <dgm:constr type="h" for="ch" forName="iconRect" refType="h" fact="0.55"/>
+              <dgm:constr type="w" for="ch" forName="iconRect" refType="h" refFor="ch" refForName="iconRect"/>
+              <dgm:constr type="l" for="ch" forName="iconRect" refType="h" refFor="ch" refForName="iconRect" fact="0.55"/>
+              <dgm:constr type="ctrY" for="ch" forName="iconRect" refType="ctrY" refFor="ch" refForName="bgRect"/>
+              <dgm:constr type="w" for="ch" forName="spaceRect" refType="l" refFor="ch" refForName="iconRect"/>
+              <dgm:constr type="h" for="ch" forName="spaceRect" refType="h"/>
+              <dgm:constr type="l" for="ch" forName="spaceRect" refType="r" refFor="ch" refForName="iconRect"/>
+              <dgm:constr type="t" for="ch" forName="spaceRect"/>
+              <dgm:constr type="w" for="ch" forName="parTx" refType="w" fact="0.45"/>
+              <dgm:constr type="h" for="ch" forName="parTx" refType="h"/>
+              <dgm:constr type="l" for="ch" forName="parTx" refType="r" refFor="ch" refForName="spaceRect"/>
+              <dgm:constr type="t" for="ch" forName="parTx"/>
+              <dgm:constr type="h" for="ch" forName="desTx" refType="h"/>
+              <dgm:constr type="l" for="ch" forName="desTx" refType="r" refFor="ch" refForName="parTx"/>
+              <dgm:constr type="t" for="ch" forName="desTx"/>
+            </dgm:constrLst>
+          </dgm:if>
+          <dgm:else name="Name11">
+            <dgm:constrLst>
+              <dgm:constr type="w" for="ch" forName="bgRect" refType="w"/>
+              <dgm:constr type="h" for="ch" forName="bgRect" refType="h"/>
+              <dgm:constr type="l" for="ch" forName="bgRect"/>
+              <dgm:constr type="t" for="ch" forName="bgRect"/>
+              <dgm:constr type="h" for="ch" forName="iconRect" refType="h" fact="0.55"/>
+              <dgm:constr type="w" for="ch" forName="iconRect" refType="h" refFor="ch" refForName="iconRect"/>
+              <dgm:constr type="l" for="ch" forName="iconRect" refType="h" refFor="ch" refForName="iconRect" fact="0.55"/>
+              <dgm:constr type="ctrY" for="ch" forName="iconRect" refType="ctrY" refFor="ch" refForName="bgRect"/>
+              <dgm:constr type="w" for="ch" forName="spaceRect" refType="l" refFor="ch" refForName="iconRect"/>
+              <dgm:constr type="h" for="ch" forName="spaceRect" refType="h"/>
+              <dgm:constr type="l" for="ch" forName="spaceRect" refType="r" refFor="ch" refForName="iconRect"/>
+              <dgm:constr type="t" for="ch" forName="spaceRect"/>
+              <dgm:constr type="h" for="ch" forName="parTx" refType="h"/>
+              <dgm:constr type="l" for="ch" forName="parTx" refType="r" refFor="ch" refForName="spaceRect"/>
+              <dgm:constr type="t" for="ch" forName="parTx"/>
+            </dgm:constrLst>
+          </dgm:else>
+        </dgm:choose>
+        <dgm:ruleLst>
+          <dgm:rule type="h" val="INF" fact="NaN" max="NaN"/>
+        </dgm:ruleLst>
+        <dgm:layoutNode name="bgRect" styleLbl="bgShp">
+          <dgm:alg type="sp"/>
+          <dgm:shape xmlns:r="http://schemas.openxmlformats.org/officeDocument/2006/relationships" type="roundRect" r:blip="">
+            <dgm:adjLst>
+              <dgm:adj idx="1" val="0.1"/>
+            </dgm:adjLst>
+          </dgm:shape>
+          <dgm:presOf/>
+          <dgm:constrLst/>
+          <dgm:ruleLst/>
+        </dgm:layoutNode>
+        <dgm:layoutNode name="iconRect" styleLbl="node1">
+          <dgm:alg type="sp"/>
+          <dgm:shape xmlns:r="http://schemas.openxmlformats.org/officeDocument/2006/relationships" type="rect" r:blip="" blipPhldr="1">
+            <dgm:adjLst/>
+          </dgm:shape>
+          <dgm:presOf/>
+          <dgm:constrLst/>
+          <dgm:ruleLst/>
+        </dgm:layoutNode>
+        <dgm:layoutNode name="spaceRect">
+          <dgm:alg type="sp"/>
+          <dgm:shape xmlns:r="http://schemas.openxmlformats.org/officeDocument/2006/relationships" r:blip="">
+            <dgm:adjLst/>
+          </dgm:shape>
+          <dgm:presOf/>
+          <dgm:constrLst/>
+          <dgm:ruleLst/>
+        </dgm:layoutNode>
+        <dgm:layoutNode name="parTx" styleLbl="revTx">
+          <dgm:varLst>
+            <dgm:chMax val="0"/>
+            <dgm:chPref val="0"/>
+          </dgm:varLst>
+          <dgm:alg type="tx">
+            <dgm:param type="txAnchorVert" val="mid"/>
+            <dgm:param type="parTxLTRAlign" val="l"/>
+            <dgm:param type="shpTxLTRAlignCh" val="l"/>
+            <dgm:param type="parTxRTLAlign" val="r"/>
+            <dgm:param type="shpTxRTLAlignCh" val="r"/>
+          </dgm:alg>
+          <dgm:shape xmlns:r="http://schemas.openxmlformats.org/officeDocument/2006/relationships" type="rect" r:blip="">
+            <dgm:adjLst/>
+          </dgm:shape>
+          <dgm:presOf axis="self" ptType="node"/>
+          <dgm:constrLst>
+            <dgm:constr type="lMarg" refType="h" fact="0.3"/>
+            <dgm:constr type="rMarg" refType="h" fact="0.3"/>
+            <dgm:constr type="tMarg" refType="h" fact="0.3"/>
+            <dgm:constr type="bMarg" refType="h" fact="0.3"/>
+          </dgm:constrLst>
+          <dgm:ruleLst>
+            <dgm:rule type="primFontSz" val="14" fact="NaN" max="NaN"/>
+            <dgm:rule type="h" val="INF" fact="NaN" max="NaN"/>
+          </dgm:ruleLst>
+        </dgm:layoutNode>
+        <dgm:choose name="Name12">
+          <dgm:if name="Name13" axis="ch" ptType="node" func="cnt" op="gte" val="1">
+            <dgm:layoutNode name="desTx" styleLbl="revTx">
+              <dgm:varLst/>
+              <dgm:alg type="tx">
+                <dgm:param type="txAnchorVertCh" val="mid"/>
+                <dgm:param type="parTxLTRAlign" val="l"/>
+                <dgm:param type="shpTxLTRAlignCh" val="l"/>
+                <dgm:param type="parTxRTLAlign" val="r"/>
+                <dgm:param type="shpTxRTLAlignCh" val="r"/>
+                <dgm:param type="stBulletLvl" val="0"/>
+              </dgm:alg>
+              <dgm:shape xmlns:r="http://schemas.openxmlformats.org/officeDocument/2006/relationships" type="rect" r:blip="">
+                <dgm:adjLst/>
+              </dgm:shape>
+              <dgm:presOf axis="des" ptType="node"/>
+              <dgm:constrLst>
+                <dgm:constr type="primFontSz" val="18"/>
+                <dgm:constr type="secFontSz" refType="primFontSz"/>
+                <dgm:constr type="lMarg" refType="h" fact="0.3"/>
+                <dgm:constr type="rMarg" refType="h" fact="0.3"/>
+                <dgm:constr type="tMarg" refType="h" fact="0.3"/>
+                <dgm:constr type="bMarg" refType="h" fact="0.3"/>
+              </dgm:constrLst>
+              <dgm:ruleLst>
+                <dgm:rule type="primFontSz" val="11" fact="NaN" max="NaN"/>
+              </dgm:ruleLst>
+            </dgm:layoutNode>
+          </dgm:if>
+          <dgm:else name="Name14"/>
+        </dgm:choose>
+      </dgm:layoutNode>
+      <dgm:forEach name="Name15" axis="followSib" ptType="sibTrans" cnt="1">
+        <dgm:layoutNode name="sibTrans">
+          <dgm:alg type="sp"/>
+          <dgm:shape xmlns:r="http://schemas.openxmlformats.org/officeDocument/2006/relationships" r:blip="">
+            <dgm:adjLst/>
+          </dgm:shape>
+          <dgm:presOf axis="self"/>
+          <dgm:constrLst/>
+          <dgm:ruleLst/>
+        </dgm:layoutNode>
+      </dgm:forEach>
+    </dgm:forEach>
+  </dgm:layoutNode>
+  <dgm:extLst>
+    <a:ext uri="{68A01E43-0DF5-4B5B-8FA6-DAF915123BFB}">
+      <dgm1612:lstStyle xmlns:dgm1612="http://schemas.microsoft.com/office/drawing/2016/12/diagram">
+        <a:lvl1pPr>
+          <a:lnSpc>
+            <a:spcPct val="100000"/>
+          </a:lnSpc>
+        </a:lvl1pPr>
+        <a:lvl2pPr>
+          <a:lnSpc>
+            <a:spcPct val="100000"/>
+          </a:lnSpc>
+        </a:lvl2pPr>
+      </dgm1612:lstStyle>
+    </a:ext>
+  </dgm:extLst>
+</dgm:layoutDef>
+</file>
+
 <file path=ppt/diagrams/quickStyle1.xml><?xml version="1.0" encoding="utf-8"?>
 <dgm:styleDef xmlns:dgm="http://schemas.openxmlformats.org/drawingml/2006/diagram" xmlns:a="http://schemas.openxmlformats.org/drawingml/2006/main" uniqueId="urn:microsoft.com/office/officeart/2005/8/quickstyle/simple1">
   <dgm:title val=""/>
@@ -9317,6 +11545,1040 @@
 </file>
 
 <file path=ppt/diagrams/quickStyle3.xml><?xml version="1.0" encoding="utf-8"?>
+<dgm:styleDef xmlns:dgm="http://schemas.openxmlformats.org/drawingml/2006/diagram" xmlns:a="http://schemas.openxmlformats.org/drawingml/2006/main" uniqueId="urn:microsoft.com/office/officeart/2005/8/quickstyle/simple1">
+  <dgm:title val=""/>
+  <dgm:desc val=""/>
+  <dgm:catLst>
+    <dgm:cat type="simple" pri="10100"/>
+  </dgm:catLst>
+  <dgm:scene3d>
+    <a:camera prst="orthographicFront"/>
+    <a:lightRig rig="threePt" dir="t"/>
+  </dgm:scene3d>
+  <dgm:styleLbl name="node0">
+    <dgm:scene3d>
+      <a:camera prst="orthographicFront"/>
+      <a:lightRig rig="threePt" dir="t"/>
+    </dgm:scene3d>
+    <dgm:sp3d/>
+    <dgm:txPr/>
+    <dgm:style>
+      <a:lnRef idx="2">
+        <a:scrgbClr r="0" g="0" b="0"/>
+      </a:lnRef>
+      <a:fillRef idx="1">
+        <a:scrgbClr r="0" g="0" b="0"/>
+      </a:fillRef>
+      <a:effectRef idx="0">
+        <a:scrgbClr r="0" g="0" b="0"/>
+      </a:effectRef>
+      <a:fontRef idx="minor">
+        <a:schemeClr val="lt1"/>
+      </a:fontRef>
+    </dgm:style>
+  </dgm:styleLbl>
+  <dgm:styleLbl name="lnNode1">
+    <dgm:scene3d>
+      <a:camera prst="orthographicFront"/>
+      <a:lightRig rig="threePt" dir="t"/>
+    </dgm:scene3d>
+    <dgm:sp3d/>
+    <dgm:txPr/>
+    <dgm:style>
+      <a:lnRef idx="2">
+        <a:scrgbClr r="0" g="0" b="0"/>
+      </a:lnRef>
+      <a:fillRef idx="1">
+        <a:scrgbClr r="0" g="0" b="0"/>
+      </a:fillRef>
+      <a:effectRef idx="0">
+        <a:scrgbClr r="0" g="0" b="0"/>
+      </a:effectRef>
+      <a:fontRef idx="minor">
+        <a:schemeClr val="lt1"/>
+      </a:fontRef>
+    </dgm:style>
+  </dgm:styleLbl>
+  <dgm:styleLbl name="vennNode1">
+    <dgm:scene3d>
+      <a:camera prst="orthographicFront"/>
+      <a:lightRig rig="threePt" dir="t"/>
+    </dgm:scene3d>
+    <dgm:sp3d/>
+    <dgm:txPr/>
+    <dgm:style>
+      <a:lnRef idx="2">
+        <a:scrgbClr r="0" g="0" b="0"/>
+      </a:lnRef>
+      <a:fillRef idx="1">
+        <a:scrgbClr r="0" g="0" b="0"/>
+      </a:fillRef>
+      <a:effectRef idx="0">
+        <a:scrgbClr r="0" g="0" b="0"/>
+      </a:effectRef>
+      <a:fontRef idx="minor">
+        <a:schemeClr val="tx1"/>
+      </a:fontRef>
+    </dgm:style>
+  </dgm:styleLbl>
+  <dgm:styleLbl name="alignNode1">
+    <dgm:scene3d>
+      <a:camera prst="orthographicFront"/>
+      <a:lightRig rig="threePt" dir="t"/>
+    </dgm:scene3d>
+    <dgm:sp3d/>
+    <dgm:txPr/>
+    <dgm:style>
+      <a:lnRef idx="2">
+        <a:scrgbClr r="0" g="0" b="0"/>
+      </a:lnRef>
+      <a:fillRef idx="1">
+        <a:scrgbClr r="0" g="0" b="0"/>
+      </a:fillRef>
+      <a:effectRef idx="0">
+        <a:scrgbClr r="0" g="0" b="0"/>
+      </a:effectRef>
+      <a:fontRef idx="minor">
+        <a:schemeClr val="lt1"/>
+      </a:fontRef>
+    </dgm:style>
+  </dgm:styleLbl>
+  <dgm:styleLbl name="node1">
+    <dgm:scene3d>
+      <a:camera prst="orthographicFront"/>
+      <a:lightRig rig="threePt" dir="t"/>
+    </dgm:scene3d>
+    <dgm:sp3d/>
+    <dgm:txPr/>
+    <dgm:style>
+      <a:lnRef idx="2">
+        <a:scrgbClr r="0" g="0" b="0"/>
+      </a:lnRef>
+      <a:fillRef idx="1">
+        <a:scrgbClr r="0" g="0" b="0"/>
+      </a:fillRef>
+      <a:effectRef idx="0">
+        <a:scrgbClr r="0" g="0" b="0"/>
+      </a:effectRef>
+      <a:fontRef idx="minor">
+        <a:schemeClr val="lt1"/>
+      </a:fontRef>
+    </dgm:style>
+  </dgm:styleLbl>
+  <dgm:styleLbl name="node2">
+    <dgm:scene3d>
+      <a:camera prst="orthographicFront"/>
+      <a:lightRig rig="threePt" dir="t"/>
+    </dgm:scene3d>
+    <dgm:sp3d/>
+    <dgm:txPr/>
+    <dgm:style>
+      <a:lnRef idx="2">
+        <a:scrgbClr r="0" g="0" b="0"/>
+      </a:lnRef>
+      <a:fillRef idx="1">
+        <a:scrgbClr r="0" g="0" b="0"/>
+      </a:fillRef>
+      <a:effectRef idx="0">
+        <a:scrgbClr r="0" g="0" b="0"/>
+      </a:effectRef>
+      <a:fontRef idx="minor">
+        <a:schemeClr val="lt1"/>
+      </a:fontRef>
+    </dgm:style>
+  </dgm:styleLbl>
+  <dgm:styleLbl name="node3">
+    <dgm:scene3d>
+      <a:camera prst="orthographicFront"/>
+      <a:lightRig rig="threePt" dir="t"/>
+    </dgm:scene3d>
+    <dgm:sp3d/>
+    <dgm:txPr/>
+    <dgm:style>
+      <a:lnRef idx="2">
+        <a:scrgbClr r="0" g="0" b="0"/>
+      </a:lnRef>
+      <a:fillRef idx="1">
+        <a:scrgbClr r="0" g="0" b="0"/>
+      </a:fillRef>
+      <a:effectRef idx="0">
+        <a:scrgbClr r="0" g="0" b="0"/>
+      </a:effectRef>
+      <a:fontRef idx="minor">
+        <a:schemeClr val="lt1"/>
+      </a:fontRef>
+    </dgm:style>
+  </dgm:styleLbl>
+  <dgm:styleLbl name="node4">
+    <dgm:scene3d>
+      <a:camera prst="orthographicFront"/>
+      <a:lightRig rig="threePt" dir="t"/>
+    </dgm:scene3d>
+    <dgm:sp3d/>
+    <dgm:txPr/>
+    <dgm:style>
+      <a:lnRef idx="2">
+        <a:scrgbClr r="0" g="0" b="0"/>
+      </a:lnRef>
+      <a:fillRef idx="1">
+        <a:scrgbClr r="0" g="0" b="0"/>
+      </a:fillRef>
+      <a:effectRef idx="0">
+        <a:scrgbClr r="0" g="0" b="0"/>
+      </a:effectRef>
+      <a:fontRef idx="minor">
+        <a:schemeClr val="lt1"/>
+      </a:fontRef>
+    </dgm:style>
+  </dgm:styleLbl>
+  <dgm:styleLbl name="fgImgPlace1">
+    <dgm:scene3d>
+      <a:camera prst="orthographicFront"/>
+      <a:lightRig rig="threePt" dir="t"/>
+    </dgm:scene3d>
+    <dgm:sp3d/>
+    <dgm:txPr/>
+    <dgm:style>
+      <a:lnRef idx="2">
+        <a:scrgbClr r="0" g="0" b="0"/>
+      </a:lnRef>
+      <a:fillRef idx="1">
+        <a:scrgbClr r="0" g="0" b="0"/>
+      </a:fillRef>
+      <a:effectRef idx="0">
+        <a:scrgbClr r="0" g="0" b="0"/>
+      </a:effectRef>
+      <a:fontRef idx="minor"/>
+    </dgm:style>
+  </dgm:styleLbl>
+  <dgm:styleLbl name="alignImgPlace1">
+    <dgm:scene3d>
+      <a:camera prst="orthographicFront"/>
+      <a:lightRig rig="threePt" dir="t"/>
+    </dgm:scene3d>
+    <dgm:sp3d/>
+    <dgm:txPr/>
+    <dgm:style>
+      <a:lnRef idx="2">
+        <a:scrgbClr r="0" g="0" b="0"/>
+      </a:lnRef>
+      <a:fillRef idx="1">
+        <a:scrgbClr r="0" g="0" b="0"/>
+      </a:fillRef>
+      <a:effectRef idx="0">
+        <a:scrgbClr r="0" g="0" b="0"/>
+      </a:effectRef>
+      <a:fontRef idx="minor"/>
+    </dgm:style>
+  </dgm:styleLbl>
+  <dgm:styleLbl name="bgImgPlace1">
+    <dgm:scene3d>
+      <a:camera prst="orthographicFront"/>
+      <a:lightRig rig="threePt" dir="t"/>
+    </dgm:scene3d>
+    <dgm:sp3d/>
+    <dgm:txPr/>
+    <dgm:style>
+      <a:lnRef idx="2">
+        <a:scrgbClr r="0" g="0" b="0"/>
+      </a:lnRef>
+      <a:fillRef idx="1">
+        <a:scrgbClr r="0" g="0" b="0"/>
+      </a:fillRef>
+      <a:effectRef idx="0">
+        <a:scrgbClr r="0" g="0" b="0"/>
+      </a:effectRef>
+      <a:fontRef idx="minor"/>
+    </dgm:style>
+  </dgm:styleLbl>
+  <dgm:styleLbl name="sibTrans2D1">
+    <dgm:scene3d>
+      <a:camera prst="orthographicFront"/>
+      <a:lightRig rig="threePt" dir="t"/>
+    </dgm:scene3d>
+    <dgm:sp3d/>
+    <dgm:txPr/>
+    <dgm:style>
+      <a:lnRef idx="0">
+        <a:scrgbClr r="0" g="0" b="0"/>
+      </a:lnRef>
+      <a:fillRef idx="1">
+        <a:scrgbClr r="0" g="0" b="0"/>
+      </a:fillRef>
+      <a:effectRef idx="0">
+        <a:scrgbClr r="0" g="0" b="0"/>
+      </a:effectRef>
+      <a:fontRef idx="minor">
+        <a:schemeClr val="lt1"/>
+      </a:fontRef>
+    </dgm:style>
+  </dgm:styleLbl>
+  <dgm:styleLbl name="fgSibTrans2D1">
+    <dgm:scene3d>
+      <a:camera prst="orthographicFront"/>
+      <a:lightRig rig="threePt" dir="t"/>
+    </dgm:scene3d>
+    <dgm:sp3d/>
+    <dgm:txPr/>
+    <dgm:style>
+      <a:lnRef idx="0">
+        <a:scrgbClr r="0" g="0" b="0"/>
+      </a:lnRef>
+      <a:fillRef idx="1">
+        <a:scrgbClr r="0" g="0" b="0"/>
+      </a:fillRef>
+      <a:effectRef idx="0">
+        <a:scrgbClr r="0" g="0" b="0"/>
+      </a:effectRef>
+      <a:fontRef idx="minor">
+        <a:schemeClr val="lt1"/>
+      </a:fontRef>
+    </dgm:style>
+  </dgm:styleLbl>
+  <dgm:styleLbl name="bgSibTrans2D1">
+    <dgm:scene3d>
+      <a:camera prst="orthographicFront"/>
+      <a:lightRig rig="threePt" dir="t"/>
+    </dgm:scene3d>
+    <dgm:sp3d/>
+    <dgm:txPr/>
+    <dgm:style>
+      <a:lnRef idx="0">
+        <a:scrgbClr r="0" g="0" b="0"/>
+      </a:lnRef>
+      <a:fillRef idx="1">
+        <a:scrgbClr r="0" g="0" b="0"/>
+      </a:fillRef>
+      <a:effectRef idx="0">
+        <a:scrgbClr r="0" g="0" b="0"/>
+      </a:effectRef>
+      <a:fontRef idx="minor">
+        <a:schemeClr val="lt1"/>
+      </a:fontRef>
+    </dgm:style>
+  </dgm:styleLbl>
+  <dgm:styleLbl name="sibTrans1D1">
+    <dgm:scene3d>
+      <a:camera prst="orthographicFront"/>
+      <a:lightRig rig="threePt" dir="t"/>
+    </dgm:scene3d>
+    <dgm:sp3d/>
+    <dgm:txPr/>
+    <dgm:style>
+      <a:lnRef idx="1">
+        <a:scrgbClr r="0" g="0" b="0"/>
+      </a:lnRef>
+      <a:fillRef idx="0">
+        <a:scrgbClr r="0" g="0" b="0"/>
+      </a:fillRef>
+      <a:effectRef idx="0">
+        <a:scrgbClr r="0" g="0" b="0"/>
+      </a:effectRef>
+      <a:fontRef idx="minor"/>
+    </dgm:style>
+  </dgm:styleLbl>
+  <dgm:styleLbl name="callout">
+    <dgm:scene3d>
+      <a:camera prst="orthographicFront"/>
+      <a:lightRig rig="threePt" dir="t"/>
+    </dgm:scene3d>
+    <dgm:sp3d/>
+    <dgm:txPr/>
+    <dgm:style>
+      <a:lnRef idx="2">
+        <a:scrgbClr r="0" g="0" b="0"/>
+      </a:lnRef>
+      <a:fillRef idx="1">
+        <a:scrgbClr r="0" g="0" b="0"/>
+      </a:fillRef>
+      <a:effectRef idx="0">
+        <a:scrgbClr r="0" g="0" b="0"/>
+      </a:effectRef>
+      <a:fontRef idx="minor"/>
+    </dgm:style>
+  </dgm:styleLbl>
+  <dgm:styleLbl name="asst0">
+    <dgm:scene3d>
+      <a:camera prst="orthographicFront"/>
+      <a:lightRig rig="threePt" dir="t"/>
+    </dgm:scene3d>
+    <dgm:sp3d/>
+    <dgm:txPr/>
+    <dgm:style>
+      <a:lnRef idx="2">
+        <a:scrgbClr r="0" g="0" b="0"/>
+      </a:lnRef>
+      <a:fillRef idx="1">
+        <a:scrgbClr r="0" g="0" b="0"/>
+      </a:fillRef>
+      <a:effectRef idx="0">
+        <a:scrgbClr r="0" g="0" b="0"/>
+      </a:effectRef>
+      <a:fontRef idx="minor">
+        <a:schemeClr val="lt1"/>
+      </a:fontRef>
+    </dgm:style>
+  </dgm:styleLbl>
+  <dgm:styleLbl name="asst1">
+    <dgm:scene3d>
+      <a:camera prst="orthographicFront"/>
+      <a:lightRig rig="threePt" dir="t"/>
+    </dgm:scene3d>
+    <dgm:sp3d/>
+    <dgm:txPr/>
+    <dgm:style>
+      <a:lnRef idx="2">
+        <a:scrgbClr r="0" g="0" b="0"/>
+      </a:lnRef>
+      <a:fillRef idx="1">
+        <a:scrgbClr r="0" g="0" b="0"/>
+      </a:fillRef>
+      <a:effectRef idx="0">
+        <a:scrgbClr r="0" g="0" b="0"/>
+      </a:effectRef>
+      <a:fontRef idx="minor">
+        <a:schemeClr val="lt1"/>
+      </a:fontRef>
+    </dgm:style>
+  </dgm:styleLbl>
+  <dgm:styleLbl name="asst2">
+    <dgm:scene3d>
+      <a:camera prst="orthographicFront"/>
+      <a:lightRig rig="threePt" dir="t"/>
+    </dgm:scene3d>
+    <dgm:sp3d/>
+    <dgm:txPr/>
+    <dgm:style>
+      <a:lnRef idx="2">
+        <a:scrgbClr r="0" g="0" b="0"/>
+      </a:lnRef>
+      <a:fillRef idx="1">
+        <a:scrgbClr r="0" g="0" b="0"/>
+      </a:fillRef>
+      <a:effectRef idx="0">
+        <a:scrgbClr r="0" g="0" b="0"/>
+      </a:effectRef>
+      <a:fontRef idx="minor">
+        <a:schemeClr val="lt1"/>
+      </a:fontRef>
+    </dgm:style>
+  </dgm:styleLbl>
+  <dgm:styleLbl name="asst3">
+    <dgm:scene3d>
+      <a:camera prst="orthographicFront"/>
+      <a:lightRig rig="threePt" dir="t"/>
+    </dgm:scene3d>
+    <dgm:sp3d/>
+    <dgm:txPr/>
+    <dgm:style>
+      <a:lnRef idx="2">
+        <a:scrgbClr r="0" g="0" b="0"/>
+      </a:lnRef>
+      <a:fillRef idx="1">
+        <a:scrgbClr r="0" g="0" b="0"/>
+      </a:fillRef>
+      <a:effectRef idx="0">
+        <a:scrgbClr r="0" g="0" b="0"/>
+      </a:effectRef>
+      <a:fontRef idx="minor">
+        <a:schemeClr val="lt1"/>
+      </a:fontRef>
+    </dgm:style>
+  </dgm:styleLbl>
+  <dgm:styleLbl name="asst4">
+    <dgm:scene3d>
+      <a:camera prst="orthographicFront"/>
+      <a:lightRig rig="threePt" dir="t"/>
+    </dgm:scene3d>
+    <dgm:sp3d/>
+    <dgm:txPr/>
+    <dgm:style>
+      <a:lnRef idx="2">
+        <a:scrgbClr r="0" g="0" b="0"/>
+      </a:lnRef>
+      <a:fillRef idx="1">
+        <a:scrgbClr r="0" g="0" b="0"/>
+      </a:fillRef>
+      <a:effectRef idx="0">
+        <a:scrgbClr r="0" g="0" b="0"/>
+      </a:effectRef>
+      <a:fontRef idx="minor">
+        <a:schemeClr val="lt1"/>
+      </a:fontRef>
+    </dgm:style>
+  </dgm:styleLbl>
+  <dgm:styleLbl name="parChTrans2D1">
+    <dgm:scene3d>
+      <a:camera prst="orthographicFront"/>
+      <a:lightRig rig="threePt" dir="t"/>
+    </dgm:scene3d>
+    <dgm:sp3d/>
+    <dgm:txPr/>
+    <dgm:style>
+      <a:lnRef idx="2">
+        <a:scrgbClr r="0" g="0" b="0"/>
+      </a:lnRef>
+      <a:fillRef idx="1">
+        <a:scrgbClr r="0" g="0" b="0"/>
+      </a:fillRef>
+      <a:effectRef idx="0">
+        <a:scrgbClr r="0" g="0" b="0"/>
+      </a:effectRef>
+      <a:fontRef idx="minor">
+        <a:schemeClr val="lt1"/>
+      </a:fontRef>
+    </dgm:style>
+  </dgm:styleLbl>
+  <dgm:styleLbl name="parChTrans2D2">
+    <dgm:scene3d>
+      <a:camera prst="orthographicFront"/>
+      <a:lightRig rig="threePt" dir="t"/>
+    </dgm:scene3d>
+    <dgm:sp3d/>
+    <dgm:txPr/>
+    <dgm:style>
+      <a:lnRef idx="2">
+        <a:scrgbClr r="0" g="0" b="0"/>
+      </a:lnRef>
+      <a:fillRef idx="1">
+        <a:scrgbClr r="0" g="0" b="0"/>
+      </a:fillRef>
+      <a:effectRef idx="0">
+        <a:scrgbClr r="0" g="0" b="0"/>
+      </a:effectRef>
+      <a:fontRef idx="minor">
+        <a:schemeClr val="lt1"/>
+      </a:fontRef>
+    </dgm:style>
+  </dgm:styleLbl>
+  <dgm:styleLbl name="parChTrans2D3">
+    <dgm:scene3d>
+      <a:camera prst="orthographicFront"/>
+      <a:lightRig rig="threePt" dir="t"/>
+    </dgm:scene3d>
+    <dgm:sp3d/>
+    <dgm:txPr/>
+    <dgm:style>
+      <a:lnRef idx="2">
+        <a:scrgbClr r="0" g="0" b="0"/>
+      </a:lnRef>
+      <a:fillRef idx="1">
+        <a:scrgbClr r="0" g="0" b="0"/>
+      </a:fillRef>
+      <a:effectRef idx="0">
+        <a:scrgbClr r="0" g="0" b="0"/>
+      </a:effectRef>
+      <a:fontRef idx="minor">
+        <a:schemeClr val="lt1"/>
+      </a:fontRef>
+    </dgm:style>
+  </dgm:styleLbl>
+  <dgm:styleLbl name="parChTrans2D4">
+    <dgm:scene3d>
+      <a:camera prst="orthographicFront"/>
+      <a:lightRig rig="threePt" dir="t"/>
+    </dgm:scene3d>
+    <dgm:sp3d/>
+    <dgm:txPr/>
+    <dgm:style>
+      <a:lnRef idx="2">
+        <a:scrgbClr r="0" g="0" b="0"/>
+      </a:lnRef>
+      <a:fillRef idx="1">
+        <a:scrgbClr r="0" g="0" b="0"/>
+      </a:fillRef>
+      <a:effectRef idx="0">
+        <a:scrgbClr r="0" g="0" b="0"/>
+      </a:effectRef>
+      <a:fontRef idx="minor">
+        <a:schemeClr val="lt1"/>
+      </a:fontRef>
+    </dgm:style>
+  </dgm:styleLbl>
+  <dgm:styleLbl name="parChTrans1D1">
+    <dgm:scene3d>
+      <a:camera prst="orthographicFront"/>
+      <a:lightRig rig="threePt" dir="t"/>
+    </dgm:scene3d>
+    <dgm:sp3d/>
+    <dgm:txPr/>
+    <dgm:style>
+      <a:lnRef idx="2">
+        <a:scrgbClr r="0" g="0" b="0"/>
+      </a:lnRef>
+      <a:fillRef idx="0">
+        <a:scrgbClr r="0" g="0" b="0"/>
+      </a:fillRef>
+      <a:effectRef idx="0">
+        <a:scrgbClr r="0" g="0" b="0"/>
+      </a:effectRef>
+      <a:fontRef idx="minor"/>
+    </dgm:style>
+  </dgm:styleLbl>
+  <dgm:styleLbl name="parChTrans1D2">
+    <dgm:scene3d>
+      <a:camera prst="orthographicFront"/>
+      <a:lightRig rig="threePt" dir="t"/>
+    </dgm:scene3d>
+    <dgm:sp3d/>
+    <dgm:txPr/>
+    <dgm:style>
+      <a:lnRef idx="2">
+        <a:scrgbClr r="0" g="0" b="0"/>
+      </a:lnRef>
+      <a:fillRef idx="0">
+        <a:scrgbClr r="0" g="0" b="0"/>
+      </a:fillRef>
+      <a:effectRef idx="0">
+        <a:scrgbClr r="0" g="0" b="0"/>
+      </a:effectRef>
+      <a:fontRef idx="minor"/>
+    </dgm:style>
+  </dgm:styleLbl>
+  <dgm:styleLbl name="parChTrans1D3">
+    <dgm:scene3d>
+      <a:camera prst="orthographicFront"/>
+      <a:lightRig rig="threePt" dir="t"/>
+    </dgm:scene3d>
+    <dgm:sp3d/>
+    <dgm:txPr/>
+    <dgm:style>
+      <a:lnRef idx="2">
+        <a:scrgbClr r="0" g="0" b="0"/>
+      </a:lnRef>
+      <a:fillRef idx="0">
+        <a:scrgbClr r="0" g="0" b="0"/>
+      </a:fillRef>
+      <a:effectRef idx="0">
+        <a:scrgbClr r="0" g="0" b="0"/>
+      </a:effectRef>
+      <a:fontRef idx="minor"/>
+    </dgm:style>
+  </dgm:styleLbl>
+  <dgm:styleLbl name="parChTrans1D4">
+    <dgm:scene3d>
+      <a:camera prst="orthographicFront"/>
+      <a:lightRig rig="threePt" dir="t"/>
+    </dgm:scene3d>
+    <dgm:sp3d/>
+    <dgm:txPr/>
+    <dgm:style>
+      <a:lnRef idx="2">
+        <a:scrgbClr r="0" g="0" b="0"/>
+      </a:lnRef>
+      <a:fillRef idx="0">
+        <a:scrgbClr r="0" g="0" b="0"/>
+      </a:fillRef>
+      <a:effectRef idx="0">
+        <a:scrgbClr r="0" g="0" b="0"/>
+      </a:effectRef>
+      <a:fontRef idx="minor"/>
+    </dgm:style>
+  </dgm:styleLbl>
+  <dgm:styleLbl name="fgAcc1">
+    <dgm:scene3d>
+      <a:camera prst="orthographicFront"/>
+      <a:lightRig rig="threePt" dir="t"/>
+    </dgm:scene3d>
+    <dgm:sp3d/>
+    <dgm:txPr/>
+    <dgm:style>
+      <a:lnRef idx="2">
+        <a:scrgbClr r="0" g="0" b="0"/>
+      </a:lnRef>
+      <a:fillRef idx="1">
+        <a:scrgbClr r="0" g="0" b="0"/>
+      </a:fillRef>
+      <a:effectRef idx="0">
+        <a:scrgbClr r="0" g="0" b="0"/>
+      </a:effectRef>
+      <a:fontRef idx="minor"/>
+    </dgm:style>
+  </dgm:styleLbl>
+  <dgm:styleLbl name="conFgAcc1">
+    <dgm:scene3d>
+      <a:camera prst="orthographicFront"/>
+      <a:lightRig rig="threePt" dir="t"/>
+    </dgm:scene3d>
+    <dgm:sp3d/>
+    <dgm:txPr/>
+    <dgm:style>
+      <a:lnRef idx="2">
+        <a:scrgbClr r="0" g="0" b="0"/>
+      </a:lnRef>
+      <a:fillRef idx="1">
+        <a:scrgbClr r="0" g="0" b="0"/>
+      </a:fillRef>
+      <a:effectRef idx="0">
+        <a:scrgbClr r="0" g="0" b="0"/>
+      </a:effectRef>
+      <a:fontRef idx="minor"/>
+    </dgm:style>
+  </dgm:styleLbl>
+  <dgm:styleLbl name="alignAcc1">
+    <dgm:scene3d>
+      <a:camera prst="orthographicFront"/>
+      <a:lightRig rig="threePt" dir="t"/>
+    </dgm:scene3d>
+    <dgm:sp3d/>
+    <dgm:txPr/>
+    <dgm:style>
+      <a:lnRef idx="2">
+        <a:scrgbClr r="0" g="0" b="0"/>
+      </a:lnRef>
+      <a:fillRef idx="1">
+        <a:scrgbClr r="0" g="0" b="0"/>
+      </a:fillRef>
+      <a:effectRef idx="0">
+        <a:scrgbClr r="0" g="0" b="0"/>
+      </a:effectRef>
+      <a:fontRef idx="minor"/>
+    </dgm:style>
+  </dgm:styleLbl>
+  <dgm:styleLbl name="trAlignAcc1">
+    <dgm:scene3d>
+      <a:camera prst="orthographicFront"/>
+      <a:lightRig rig="threePt" dir="t"/>
+    </dgm:scene3d>
+    <dgm:sp3d/>
+    <dgm:txPr/>
+    <dgm:style>
+      <a:lnRef idx="1">
+        <a:scrgbClr r="0" g="0" b="0"/>
+      </a:lnRef>
+      <a:fillRef idx="1">
+        <a:scrgbClr r="0" g="0" b="0"/>
+      </a:fillRef>
+      <a:effectRef idx="0">
+        <a:scrgbClr r="0" g="0" b="0"/>
+      </a:effectRef>
+      <a:fontRef idx="minor"/>
+    </dgm:style>
+  </dgm:styleLbl>
+  <dgm:styleLbl name="bgAcc1">
+    <dgm:scene3d>
+      <a:camera prst="orthographicFront"/>
+      <a:lightRig rig="threePt" dir="t"/>
+    </dgm:scene3d>
+    <dgm:sp3d/>
+    <dgm:txPr/>
+    <dgm:style>
+      <a:lnRef idx="2">
+        <a:scrgbClr r="0" g="0" b="0"/>
+      </a:lnRef>
+      <a:fillRef idx="1">
+        <a:scrgbClr r="0" g="0" b="0"/>
+      </a:fillRef>
+      <a:effectRef idx="0">
+        <a:scrgbClr r="0" g="0" b="0"/>
+      </a:effectRef>
+      <a:fontRef idx="minor"/>
+    </dgm:style>
+  </dgm:styleLbl>
+  <dgm:styleLbl name="solidFgAcc1">
+    <dgm:scene3d>
+      <a:camera prst="orthographicFront"/>
+      <a:lightRig rig="threePt" dir="t"/>
+    </dgm:scene3d>
+    <dgm:sp3d/>
+    <dgm:txPr/>
+    <dgm:style>
+      <a:lnRef idx="2">
+        <a:scrgbClr r="0" g="0" b="0"/>
+      </a:lnRef>
+      <a:fillRef idx="1">
+        <a:scrgbClr r="0" g="0" b="0"/>
+      </a:fillRef>
+      <a:effectRef idx="0">
+        <a:scrgbClr r="0" g="0" b="0"/>
+      </a:effectRef>
+      <a:fontRef idx="minor"/>
+    </dgm:style>
+  </dgm:styleLbl>
+  <dgm:styleLbl name="solidAlignAcc1">
+    <dgm:scene3d>
+      <a:camera prst="orthographicFront"/>
+      <a:lightRig rig="threePt" dir="t"/>
+    </dgm:scene3d>
+    <dgm:sp3d/>
+    <dgm:txPr/>
+    <dgm:style>
+      <a:lnRef idx="2">
+        <a:scrgbClr r="0" g="0" b="0"/>
+      </a:lnRef>
+      <a:fillRef idx="1">
+        <a:scrgbClr r="0" g="0" b="0"/>
+      </a:fillRef>
+      <a:effectRef idx="0">
+        <a:scrgbClr r="0" g="0" b="0"/>
+      </a:effectRef>
+      <a:fontRef idx="minor"/>
+    </dgm:style>
+  </dgm:styleLbl>
+  <dgm:styleLbl name="solidBgAcc1">
+    <dgm:scene3d>
+      <a:camera prst="orthographicFront"/>
+      <a:lightRig rig="threePt" dir="t"/>
+    </dgm:scene3d>
+    <dgm:sp3d/>
+    <dgm:txPr/>
+    <dgm:style>
+      <a:lnRef idx="2">
+        <a:scrgbClr r="0" g="0" b="0"/>
+      </a:lnRef>
+      <a:fillRef idx="1">
+        <a:scrgbClr r="0" g="0" b="0"/>
+      </a:fillRef>
+      <a:effectRef idx="0">
+        <a:scrgbClr r="0" g="0" b="0"/>
+      </a:effectRef>
+      <a:fontRef idx="minor"/>
+    </dgm:style>
+  </dgm:styleLbl>
+  <dgm:styleLbl name="fgAccFollowNode1">
+    <dgm:scene3d>
+      <a:camera prst="orthographicFront"/>
+      <a:lightRig rig="threePt" dir="t"/>
+    </dgm:scene3d>
+    <dgm:sp3d/>
+    <dgm:txPr/>
+    <dgm:style>
+      <a:lnRef idx="2">
+        <a:scrgbClr r="0" g="0" b="0"/>
+      </a:lnRef>
+      <a:fillRef idx="1">
+        <a:scrgbClr r="0" g="0" b="0"/>
+      </a:fillRef>
+      <a:effectRef idx="0">
+        <a:scrgbClr r="0" g="0" b="0"/>
+      </a:effectRef>
+      <a:fontRef idx="minor"/>
+    </dgm:style>
+  </dgm:styleLbl>
+  <dgm:styleLbl name="alignAccFollowNode1">
+    <dgm:scene3d>
+      <a:camera prst="orthographicFront"/>
+      <a:lightRig rig="threePt" dir="t"/>
+    </dgm:scene3d>
+    <dgm:sp3d/>
+    <dgm:txPr/>
+    <dgm:style>
+      <a:lnRef idx="2">
+        <a:scrgbClr r="0" g="0" b="0"/>
+      </a:lnRef>
+      <a:fillRef idx="1">
+        <a:scrgbClr r="0" g="0" b="0"/>
+      </a:fillRef>
+      <a:effectRef idx="0">
+        <a:scrgbClr r="0" g="0" b="0"/>
+      </a:effectRef>
+      <a:fontRef idx="minor"/>
+    </dgm:style>
+  </dgm:styleLbl>
+  <dgm:styleLbl name="bgAccFollowNode1">
+    <dgm:scene3d>
+      <a:camera prst="orthographicFront"/>
+      <a:lightRig rig="threePt" dir="t"/>
+    </dgm:scene3d>
+    <dgm:sp3d/>
+    <dgm:txPr/>
+    <dgm:style>
+      <a:lnRef idx="2">
+        <a:scrgbClr r="0" g="0" b="0"/>
+      </a:lnRef>
+      <a:fillRef idx="1">
+        <a:scrgbClr r="0" g="0" b="0"/>
+      </a:fillRef>
+      <a:effectRef idx="0">
+        <a:scrgbClr r="0" g="0" b="0"/>
+      </a:effectRef>
+      <a:fontRef idx="minor"/>
+    </dgm:style>
+  </dgm:styleLbl>
+  <dgm:styleLbl name="fgAcc0">
+    <dgm:scene3d>
+      <a:camera prst="orthographicFront"/>
+      <a:lightRig rig="threePt" dir="t"/>
+    </dgm:scene3d>
+    <dgm:sp3d/>
+    <dgm:txPr/>
+    <dgm:style>
+      <a:lnRef idx="2">
+        <a:scrgbClr r="0" g="0" b="0"/>
+      </a:lnRef>
+      <a:fillRef idx="1">
+        <a:scrgbClr r="0" g="0" b="0"/>
+      </a:fillRef>
+      <a:effectRef idx="0">
+        <a:scrgbClr r="0" g="0" b="0"/>
+      </a:effectRef>
+      <a:fontRef idx="minor"/>
+    </dgm:style>
+  </dgm:styleLbl>
+  <dgm:styleLbl name="fgAcc2">
+    <dgm:scene3d>
+      <a:camera prst="orthographicFront"/>
+      <a:lightRig rig="threePt" dir="t"/>
+    </dgm:scene3d>
+    <dgm:sp3d/>
+    <dgm:txPr/>
+    <dgm:style>
+      <a:lnRef idx="2">
+        <a:scrgbClr r="0" g="0" b="0"/>
+      </a:lnRef>
+      <a:fillRef idx="1">
+        <a:scrgbClr r="0" g="0" b="0"/>
+      </a:fillRef>
+      <a:effectRef idx="0">
+        <a:scrgbClr r="0" g="0" b="0"/>
+      </a:effectRef>
+      <a:fontRef idx="minor"/>
+    </dgm:style>
+  </dgm:styleLbl>
+  <dgm:styleLbl name="fgAcc3">
+    <dgm:scene3d>
+      <a:camera prst="orthographicFront"/>
+      <a:lightRig rig="threePt" dir="t"/>
+    </dgm:scene3d>
+    <dgm:sp3d/>
+    <dgm:txPr/>
+    <dgm:style>
+      <a:lnRef idx="2">
+        <a:scrgbClr r="0" g="0" b="0"/>
+      </a:lnRef>
+      <a:fillRef idx="1">
+        <a:scrgbClr r="0" g="0" b="0"/>
+      </a:fillRef>
+      <a:effectRef idx="0">
+        <a:scrgbClr r="0" g="0" b="0"/>
+      </a:effectRef>
+      <a:fontRef idx="minor"/>
+    </dgm:style>
+  </dgm:styleLbl>
+  <dgm:styleLbl name="fgAcc4">
+    <dgm:scene3d>
+      <a:camera prst="orthographicFront"/>
+      <a:lightRig rig="threePt" dir="t"/>
+    </dgm:scene3d>
+    <dgm:sp3d/>
+    <dgm:txPr/>
+    <dgm:style>
+      <a:lnRef idx="2">
+        <a:scrgbClr r="0" g="0" b="0"/>
+      </a:lnRef>
+      <a:fillRef idx="1">
+        <a:scrgbClr r="0" g="0" b="0"/>
+      </a:fillRef>
+      <a:effectRef idx="0">
+        <a:scrgbClr r="0" g="0" b="0"/>
+      </a:effectRef>
+      <a:fontRef idx="minor"/>
+    </dgm:style>
+  </dgm:styleLbl>
+  <dgm:styleLbl name="bgShp">
+    <dgm:scene3d>
+      <a:camera prst="orthographicFront"/>
+      <a:lightRig rig="threePt" dir="t"/>
+    </dgm:scene3d>
+    <dgm:sp3d/>
+    <dgm:txPr/>
+    <dgm:style>
+      <a:lnRef idx="0">
+        <a:scrgbClr r="0" g="0" b="0"/>
+      </a:lnRef>
+      <a:fillRef idx="1">
+        <a:scrgbClr r="0" g="0" b="0"/>
+      </a:fillRef>
+      <a:effectRef idx="0">
+        <a:scrgbClr r="0" g="0" b="0"/>
+      </a:effectRef>
+      <a:fontRef idx="minor"/>
+    </dgm:style>
+  </dgm:styleLbl>
+  <dgm:styleLbl name="dkBgShp">
+    <dgm:scene3d>
+      <a:camera prst="orthographicFront"/>
+      <a:lightRig rig="threePt" dir="t"/>
+    </dgm:scene3d>
+    <dgm:sp3d/>
+    <dgm:txPr/>
+    <dgm:style>
+      <a:lnRef idx="0">
+        <a:scrgbClr r="0" g="0" b="0"/>
+      </a:lnRef>
+      <a:fillRef idx="1">
+        <a:scrgbClr r="0" g="0" b="0"/>
+      </a:fillRef>
+      <a:effectRef idx="0">
+        <a:scrgbClr r="0" g="0" b="0"/>
+      </a:effectRef>
+      <a:fontRef idx="minor"/>
+    </dgm:style>
+  </dgm:styleLbl>
+  <dgm:styleLbl name="trBgShp">
+    <dgm:scene3d>
+      <a:camera prst="orthographicFront"/>
+      <a:lightRig rig="threePt" dir="t"/>
+    </dgm:scene3d>
+    <dgm:sp3d/>
+    <dgm:txPr/>
+    <dgm:style>
+      <a:lnRef idx="0">
+        <a:scrgbClr r="0" g="0" b="0"/>
+      </a:lnRef>
+      <a:fillRef idx="1">
+        <a:scrgbClr r="0" g="0" b="0"/>
+      </a:fillRef>
+      <a:effectRef idx="0">
+        <a:scrgbClr r="0" g="0" b="0"/>
+      </a:effectRef>
+      <a:fontRef idx="minor"/>
+    </dgm:style>
+  </dgm:styleLbl>
+  <dgm:styleLbl name="fgShp">
+    <dgm:scene3d>
+      <a:camera prst="orthographicFront"/>
+      <a:lightRig rig="threePt" dir="t"/>
+    </dgm:scene3d>
+    <dgm:sp3d/>
+    <dgm:txPr/>
+    <dgm:style>
+      <a:lnRef idx="2">
+        <a:scrgbClr r="0" g="0" b="0"/>
+      </a:lnRef>
+      <a:fillRef idx="1">
+        <a:scrgbClr r="0" g="0" b="0"/>
+      </a:fillRef>
+      <a:effectRef idx="0">
+        <a:scrgbClr r="0" g="0" b="0"/>
+      </a:effectRef>
+      <a:fontRef idx="minor"/>
+    </dgm:style>
+  </dgm:styleLbl>
+  <dgm:styleLbl name="revTx">
+    <dgm:scene3d>
+      <a:camera prst="orthographicFront"/>
+      <a:lightRig rig="threePt" dir="t"/>
+    </dgm:scene3d>
+    <dgm:sp3d/>
+    <dgm:txPr/>
+    <dgm:style>
+      <a:lnRef idx="0">
+        <a:scrgbClr r="0" g="0" b="0"/>
+      </a:lnRef>
+      <a:fillRef idx="0">
+        <a:scrgbClr r="0" g="0" b="0"/>
+      </a:fillRef>
+      <a:effectRef idx="0">
+        <a:scrgbClr r="0" g="0" b="0"/>
+      </a:effectRef>
+      <a:fontRef idx="minor"/>
+    </dgm:style>
+  </dgm:styleLbl>
+</dgm:styleDef>
+</file>
+
+<file path=ppt/diagrams/quickStyle4.xml><?xml version="1.0" encoding="utf-8"?>
 <dgm:styleDef xmlns:dgm="http://schemas.openxmlformats.org/drawingml/2006/diagram" xmlns:a="http://schemas.openxmlformats.org/drawingml/2006/main" uniqueId="urn:microsoft.com/office/officeart/2005/8/quickstyle/simple1">
   <dgm:title val=""/>
   <dgm:desc val=""/>
@@ -10481,7 +13743,7 @@
           <a:p>
             <a:fld id="{846CE7D5-CF57-46EF-B807-FDD0502418D4}" type="datetimeFigureOut">
               <a:rPr lang="en-US" smtClean="0"/>
-              <a:t>11/19/2021</a:t>
+              <a:t>11/23/2021</a:t>
             </a:fld>
             <a:endParaRPr lang="en-US"/>
           </a:p>
@@ -10651,7 +13913,7 @@
           <a:p>
             <a:fld id="{846CE7D5-CF57-46EF-B807-FDD0502418D4}" type="datetimeFigureOut">
               <a:rPr lang="en-US" smtClean="0"/>
-              <a:t>11/19/2021</a:t>
+              <a:t>11/23/2021</a:t>
             </a:fld>
             <a:endParaRPr lang="en-US"/>
           </a:p>
@@ -10831,7 +14093,7 @@
           <a:p>
             <a:fld id="{846CE7D5-CF57-46EF-B807-FDD0502418D4}" type="datetimeFigureOut">
               <a:rPr lang="en-US" smtClean="0"/>
-              <a:t>11/19/2021</a:t>
+              <a:t>11/23/2021</a:t>
             </a:fld>
             <a:endParaRPr lang="en-US"/>
           </a:p>
@@ -11001,7 +14263,7 @@
           <a:p>
             <a:fld id="{846CE7D5-CF57-46EF-B807-FDD0502418D4}" type="datetimeFigureOut">
               <a:rPr lang="en-US" smtClean="0"/>
-              <a:t>11/19/2021</a:t>
+              <a:t>11/23/2021</a:t>
             </a:fld>
             <a:endParaRPr lang="en-US"/>
           </a:p>
@@ -11247,7 +14509,7 @@
           <a:p>
             <a:fld id="{846CE7D5-CF57-46EF-B807-FDD0502418D4}" type="datetimeFigureOut">
               <a:rPr lang="en-US" smtClean="0"/>
-              <a:t>11/19/2021</a:t>
+              <a:t>11/23/2021</a:t>
             </a:fld>
             <a:endParaRPr lang="en-US"/>
           </a:p>
@@ -11479,7 +14741,7 @@
           <a:p>
             <a:fld id="{846CE7D5-CF57-46EF-B807-FDD0502418D4}" type="datetimeFigureOut">
               <a:rPr lang="en-US" smtClean="0"/>
-              <a:t>11/19/2021</a:t>
+              <a:t>11/23/2021</a:t>
             </a:fld>
             <a:endParaRPr lang="en-US"/>
           </a:p>
@@ -11846,7 +15108,7 @@
           <a:p>
             <a:fld id="{846CE7D5-CF57-46EF-B807-FDD0502418D4}" type="datetimeFigureOut">
               <a:rPr lang="en-US" smtClean="0"/>
-              <a:t>11/19/2021</a:t>
+              <a:t>11/23/2021</a:t>
             </a:fld>
             <a:endParaRPr lang="en-US"/>
           </a:p>
@@ -11964,7 +15226,7 @@
           <a:p>
             <a:fld id="{846CE7D5-CF57-46EF-B807-FDD0502418D4}" type="datetimeFigureOut">
               <a:rPr lang="en-US" smtClean="0"/>
-              <a:t>11/19/2021</a:t>
+              <a:t>11/23/2021</a:t>
             </a:fld>
             <a:endParaRPr lang="en-US"/>
           </a:p>
@@ -12059,7 +15321,7 @@
           <a:p>
             <a:fld id="{846CE7D5-CF57-46EF-B807-FDD0502418D4}" type="datetimeFigureOut">
               <a:rPr lang="en-US" smtClean="0"/>
-              <a:t>11/19/2021</a:t>
+              <a:t>11/23/2021</a:t>
             </a:fld>
             <a:endParaRPr lang="en-US"/>
           </a:p>
@@ -12336,7 +15598,7 @@
           <a:p>
             <a:fld id="{846CE7D5-CF57-46EF-B807-FDD0502418D4}" type="datetimeFigureOut">
               <a:rPr lang="en-US" smtClean="0"/>
-              <a:t>11/19/2021</a:t>
+              <a:t>11/23/2021</a:t>
             </a:fld>
             <a:endParaRPr lang="en-US"/>
           </a:p>
@@ -12593,7 +15855,7 @@
           <a:p>
             <a:fld id="{846CE7D5-CF57-46EF-B807-FDD0502418D4}" type="datetimeFigureOut">
               <a:rPr lang="en-US" smtClean="0"/>
-              <a:t>11/19/2021</a:t>
+              <a:t>11/23/2021</a:t>
             </a:fld>
             <a:endParaRPr lang="en-US"/>
           </a:p>
@@ -12806,7 +16068,7 @@
           <a:p>
             <a:fld id="{846CE7D5-CF57-46EF-B807-FDD0502418D4}" type="datetimeFigureOut">
               <a:rPr lang="en-US" smtClean="0"/>
-              <a:t>11/19/2021</a:t>
+              <a:t>11/23/2021</a:t>
             </a:fld>
             <a:endParaRPr lang="en-US"/>
           </a:p>
@@ -14267,1660 +17529,7 @@
 </p:sld>
 </file>
 
-<file path=ppt/slides/slide2.xml><?xml version="1.0" encoding="utf-8"?>
-<p:sld xmlns:a="http://schemas.openxmlformats.org/drawingml/2006/main" xmlns:r="http://schemas.openxmlformats.org/officeDocument/2006/relationships" xmlns:p="http://schemas.openxmlformats.org/presentationml/2006/main">
-  <p:cSld>
-    <p:bg>
-      <p:bgPr>
-        <a:solidFill>
-          <a:schemeClr val="bg1"/>
-        </a:solidFill>
-        <a:effectLst/>
-      </p:bgPr>
-    </p:bg>
-    <p:spTree>
-      <p:nvGrpSpPr>
-        <p:cNvPr id="1" name=""/>
-        <p:cNvGrpSpPr/>
-        <p:nvPr/>
-      </p:nvGrpSpPr>
-      <p:grpSpPr>
-        <a:xfrm>
-          <a:off x="0" y="0"/>
-          <a:ext cx="0" cy="0"/>
-          <a:chOff x="0" y="0"/>
-          <a:chExt cx="0" cy="0"/>
-        </a:xfrm>
-      </p:grpSpPr>
-      <p:sp useBgFill="1">
-        <p:nvSpPr>
-          <p:cNvPr id="23" name="Rectangle 22">
-            <a:extLst>
-              <a:ext uri="{FF2B5EF4-FFF2-40B4-BE49-F238E27FC236}">
-                <a16:creationId xmlns:a16="http://schemas.microsoft.com/office/drawing/2014/main" id="{DCC231C8-C761-4B31-9B1C-C6D19248C6B3}"/>
-              </a:ext>
-              <a:ext uri="{C183D7F6-B498-43B3-948B-1728B52AA6E4}">
-                <adec:decorative xmlns:adec="http://schemas.microsoft.com/office/drawing/2017/decorative" val="1"/>
-              </a:ext>
-            </a:extLst>
-          </p:cNvPr>
-          <p:cNvSpPr>
-            <a:spLocks noGrp="1" noRot="1" noChangeAspect="1" noMove="1" noResize="1" noEditPoints="1" noAdjustHandles="1" noChangeArrowheads="1" noChangeShapeType="1" noTextEdit="1"/>
-          </p:cNvSpPr>
-          <p:nvPr>
-            <p:extLst>
-              <p:ext uri="{386F3935-93C4-4BCD-93E2-E3B085C9AB24}">
-                <p16:designElem xmlns:p16="http://schemas.microsoft.com/office/powerpoint/2015/main" val="1"/>
-              </p:ext>
-            </p:extLst>
-          </p:nvPr>
-        </p:nvSpPr>
-        <p:spPr>
-          <a:xfrm>
-            <a:off x="-1" y="0"/>
-            <a:ext cx="12188952" cy="6858000"/>
-          </a:xfrm>
-          <a:prstGeom prst="rect">
-            <a:avLst/>
-          </a:prstGeom>
-          <a:ln>
-            <a:noFill/>
-          </a:ln>
-        </p:spPr>
-        <p:style>
-          <a:lnRef idx="2">
-            <a:schemeClr val="accent1">
-              <a:shade val="50000"/>
-            </a:schemeClr>
-          </a:lnRef>
-          <a:fillRef idx="1">
-            <a:schemeClr val="accent1"/>
-          </a:fillRef>
-          <a:effectRef idx="0">
-            <a:schemeClr val="accent1"/>
-          </a:effectRef>
-          <a:fontRef idx="minor">
-            <a:schemeClr val="lt1"/>
-          </a:fontRef>
-        </p:style>
-        <p:txBody>
-          <a:bodyPr rtlCol="0" anchor="ctr"/>
-          <a:lstStyle/>
-          <a:p>
-            <a:pPr algn="ctr"/>
-            <a:endParaRPr lang="en-US"/>
-          </a:p>
-        </p:txBody>
-      </p:sp>
-      <p:sp>
-        <p:nvSpPr>
-          <p:cNvPr id="2" name="Title 1">
-            <a:extLst>
-              <a:ext uri="{FF2B5EF4-FFF2-40B4-BE49-F238E27FC236}">
-                <a16:creationId xmlns:a16="http://schemas.microsoft.com/office/drawing/2014/main" id="{9FD6849F-B9CF-40CD-9C5C-F9FC617294D1}"/>
-              </a:ext>
-            </a:extLst>
-          </p:cNvPr>
-          <p:cNvSpPr>
-            <a:spLocks noGrp="1"/>
-          </p:cNvSpPr>
-          <p:nvPr>
-            <p:ph type="title"/>
-          </p:nvPr>
-        </p:nvSpPr>
-        <p:spPr>
-          <a:xfrm>
-            <a:off x="838200" y="557189"/>
-            <a:ext cx="3374136" cy="5567891"/>
-          </a:xfrm>
-        </p:spPr>
-        <p:txBody>
-          <a:bodyPr>
-            <a:normAutofit/>
-          </a:bodyPr>
-          <a:lstStyle/>
-          <a:p>
-            <a:r>
-              <a:rPr lang="en-US" sz="5200">
-                <a:cs typeface="Calibri Light"/>
-              </a:rPr>
-              <a:t>Use Case</a:t>
-            </a:r>
-            <a:endParaRPr lang="en-US" sz="5200"/>
-          </a:p>
-        </p:txBody>
-      </p:sp>
-      <p:graphicFrame>
-        <p:nvGraphicFramePr>
-          <p:cNvPr id="8" name="Content Placeholder 2">
-            <a:extLst>
-              <a:ext uri="{FF2B5EF4-FFF2-40B4-BE49-F238E27FC236}">
-                <a16:creationId xmlns:a16="http://schemas.microsoft.com/office/drawing/2014/main" id="{FFF18E28-1603-43A9-8F8C-F82189067457}"/>
-              </a:ext>
-            </a:extLst>
-          </p:cNvPr>
-          <p:cNvGraphicFramePr>
-            <a:graphicFrameLocks noGrp="1"/>
-          </p:cNvGraphicFramePr>
-          <p:nvPr>
-            <p:ph idx="1"/>
-            <p:extLst>
-              <p:ext uri="{D42A27DB-BD31-4B8C-83A1-F6EECF244321}">
-                <p14:modId xmlns:p14="http://schemas.microsoft.com/office/powerpoint/2010/main" val="375829481"/>
-              </p:ext>
-            </p:extLst>
-          </p:nvPr>
-        </p:nvGraphicFramePr>
-        <p:xfrm>
-          <a:off x="5093208" y="620392"/>
-          <a:ext cx="6263640" cy="5504688"/>
-        </p:xfrm>
-        <a:graphic>
-          <a:graphicData uri="http://schemas.openxmlformats.org/drawingml/2006/diagram">
-            <dgm:relIds xmlns:dgm="http://schemas.openxmlformats.org/drawingml/2006/diagram" xmlns:r="http://schemas.openxmlformats.org/officeDocument/2006/relationships" r:dm="rId2" r:lo="rId3" r:qs="rId4" r:cs="rId5"/>
-          </a:graphicData>
-        </a:graphic>
-      </p:graphicFrame>
-    </p:spTree>
-    <p:extLst>
-      <p:ext uri="{BB962C8B-B14F-4D97-AF65-F5344CB8AC3E}">
-        <p14:creationId xmlns:p14="http://schemas.microsoft.com/office/powerpoint/2010/main" val="1890399864"/>
-      </p:ext>
-    </p:extLst>
-  </p:cSld>
-  <p:clrMapOvr>
-    <a:masterClrMapping/>
-  </p:clrMapOvr>
-</p:sld>
-</file>
-
-<file path=ppt/slides/slide3.xml><?xml version="1.0" encoding="utf-8"?>
-<p:sld xmlns:a="http://schemas.openxmlformats.org/drawingml/2006/main" xmlns:r="http://schemas.openxmlformats.org/officeDocument/2006/relationships" xmlns:p="http://schemas.openxmlformats.org/presentationml/2006/main">
-  <p:cSld>
-    <p:bg>
-      <p:bgPr>
-        <a:solidFill>
-          <a:schemeClr val="bg1"/>
-        </a:solidFill>
-        <a:effectLst/>
-      </p:bgPr>
-    </p:bg>
-    <p:spTree>
-      <p:nvGrpSpPr>
-        <p:cNvPr id="1" name=""/>
-        <p:cNvGrpSpPr/>
-        <p:nvPr/>
-      </p:nvGrpSpPr>
-      <p:grpSpPr>
-        <a:xfrm>
-          <a:off x="0" y="0"/>
-          <a:ext cx="0" cy="0"/>
-          <a:chOff x="0" y="0"/>
-          <a:chExt cx="0" cy="0"/>
-        </a:xfrm>
-      </p:grpSpPr>
-      <p:sp useBgFill="1">
-        <p:nvSpPr>
-          <p:cNvPr id="24" name="Rectangle 23">
-            <a:extLst>
-              <a:ext uri="{FF2B5EF4-FFF2-40B4-BE49-F238E27FC236}">
-                <a16:creationId xmlns:a16="http://schemas.microsoft.com/office/drawing/2014/main" id="{DCC231C8-C761-4B31-9B1C-C6D19248C6B3}"/>
-              </a:ext>
-              <a:ext uri="{C183D7F6-B498-43B3-948B-1728B52AA6E4}">
-                <adec:decorative xmlns:adec="http://schemas.microsoft.com/office/drawing/2017/decorative" val="1"/>
-              </a:ext>
-            </a:extLst>
-          </p:cNvPr>
-          <p:cNvSpPr>
-            <a:spLocks noGrp="1" noRot="1" noChangeAspect="1" noMove="1" noResize="1" noEditPoints="1" noAdjustHandles="1" noChangeArrowheads="1" noChangeShapeType="1" noTextEdit="1"/>
-          </p:cNvSpPr>
-          <p:nvPr>
-            <p:extLst>
-              <p:ext uri="{386F3935-93C4-4BCD-93E2-E3B085C9AB24}">
-                <p16:designElem xmlns:p16="http://schemas.microsoft.com/office/powerpoint/2015/main" val="1"/>
-              </p:ext>
-            </p:extLst>
-          </p:nvPr>
-        </p:nvSpPr>
-        <p:spPr>
-          <a:xfrm>
-            <a:off x="-1" y="0"/>
-            <a:ext cx="12188952" cy="6858000"/>
-          </a:xfrm>
-          <a:prstGeom prst="rect">
-            <a:avLst/>
-          </a:prstGeom>
-          <a:ln>
-            <a:noFill/>
-          </a:ln>
-        </p:spPr>
-        <p:style>
-          <a:lnRef idx="2">
-            <a:schemeClr val="accent1">
-              <a:shade val="50000"/>
-            </a:schemeClr>
-          </a:lnRef>
-          <a:fillRef idx="1">
-            <a:schemeClr val="accent1"/>
-          </a:fillRef>
-          <a:effectRef idx="0">
-            <a:schemeClr val="accent1"/>
-          </a:effectRef>
-          <a:fontRef idx="minor">
-            <a:schemeClr val="lt1"/>
-          </a:fontRef>
-        </p:style>
-        <p:txBody>
-          <a:bodyPr rtlCol="0" anchor="ctr"/>
-          <a:lstStyle/>
-          <a:p>
-            <a:pPr algn="ctr"/>
-            <a:endParaRPr lang="en-US"/>
-          </a:p>
-        </p:txBody>
-      </p:sp>
-      <p:sp>
-        <p:nvSpPr>
-          <p:cNvPr id="2" name="Title 1">
-            <a:extLst>
-              <a:ext uri="{FF2B5EF4-FFF2-40B4-BE49-F238E27FC236}">
-                <a16:creationId xmlns:a16="http://schemas.microsoft.com/office/drawing/2014/main" id="{9FD6849F-B9CF-40CD-9C5C-F9FC617294D1}"/>
-              </a:ext>
-            </a:extLst>
-          </p:cNvPr>
-          <p:cNvSpPr>
-            <a:spLocks noGrp="1"/>
-          </p:cNvSpPr>
-          <p:nvPr>
-            <p:ph type="title"/>
-          </p:nvPr>
-        </p:nvSpPr>
-        <p:spPr>
-          <a:xfrm>
-            <a:off x="838200" y="557189"/>
-            <a:ext cx="3374136" cy="5567891"/>
-          </a:xfrm>
-        </p:spPr>
-        <p:txBody>
-          <a:bodyPr>
-            <a:normAutofit/>
-          </a:bodyPr>
-          <a:lstStyle/>
-          <a:p>
-            <a:r>
-              <a:rPr lang="en-US" sz="5200" dirty="0">
-                <a:cs typeface="Calibri Light"/>
-              </a:rPr>
-              <a:t>Overview</a:t>
-            </a:r>
-            <a:endParaRPr lang="en-US" sz="5200" dirty="0"/>
-          </a:p>
-        </p:txBody>
-      </p:sp>
-      <p:graphicFrame>
-        <p:nvGraphicFramePr>
-          <p:cNvPr id="6" name="Content Placeholder 2">
-            <a:extLst>
-              <a:ext uri="{FF2B5EF4-FFF2-40B4-BE49-F238E27FC236}">
-                <a16:creationId xmlns:a16="http://schemas.microsoft.com/office/drawing/2014/main" id="{E054DC03-A075-4866-8390-650FEFE735BA}"/>
-              </a:ext>
-            </a:extLst>
-          </p:cNvPr>
-          <p:cNvGraphicFramePr>
-            <a:graphicFrameLocks noGrp="1"/>
-          </p:cNvGraphicFramePr>
-          <p:nvPr>
-            <p:ph idx="1"/>
-            <p:extLst>
-              <p:ext uri="{D42A27DB-BD31-4B8C-83A1-F6EECF244321}">
-                <p14:modId xmlns:p14="http://schemas.microsoft.com/office/powerpoint/2010/main" val="666534325"/>
-              </p:ext>
-            </p:extLst>
-          </p:nvPr>
-        </p:nvGraphicFramePr>
-        <p:xfrm>
-          <a:off x="5093208" y="620392"/>
-          <a:ext cx="6263640" cy="5504688"/>
-        </p:xfrm>
-        <a:graphic>
-          <a:graphicData uri="http://schemas.openxmlformats.org/drawingml/2006/diagram">
-            <dgm:relIds xmlns:dgm="http://schemas.openxmlformats.org/drawingml/2006/diagram" xmlns:r="http://schemas.openxmlformats.org/officeDocument/2006/relationships" r:dm="rId2" r:lo="rId3" r:qs="rId4" r:cs="rId5"/>
-          </a:graphicData>
-        </a:graphic>
-      </p:graphicFrame>
-    </p:spTree>
-    <p:extLst>
-      <p:ext uri="{BB962C8B-B14F-4D97-AF65-F5344CB8AC3E}">
-        <p14:creationId xmlns:p14="http://schemas.microsoft.com/office/powerpoint/2010/main" val="2397687767"/>
-      </p:ext>
-    </p:extLst>
-  </p:cSld>
-  <p:clrMapOvr>
-    <a:masterClrMapping/>
-  </p:clrMapOvr>
-</p:sld>
-</file>
-
-<file path=ppt/slides/slide4.xml><?xml version="1.0" encoding="utf-8"?>
-<p:sld xmlns:a="http://schemas.openxmlformats.org/drawingml/2006/main" xmlns:r="http://schemas.openxmlformats.org/officeDocument/2006/relationships" xmlns:p="http://schemas.openxmlformats.org/presentationml/2006/main">
-  <p:cSld>
-    <p:bg>
-      <p:bgPr>
-        <a:solidFill>
-          <a:schemeClr val="bg1"/>
-        </a:solidFill>
-        <a:effectLst/>
-      </p:bgPr>
-    </p:bg>
-    <p:spTree>
-      <p:nvGrpSpPr>
-        <p:cNvPr id="1" name=""/>
-        <p:cNvGrpSpPr/>
-        <p:nvPr/>
-      </p:nvGrpSpPr>
-      <p:grpSpPr>
-        <a:xfrm>
-          <a:off x="0" y="0"/>
-          <a:ext cx="0" cy="0"/>
-          <a:chOff x="0" y="0"/>
-          <a:chExt cx="0" cy="0"/>
-        </a:xfrm>
-      </p:grpSpPr>
-      <p:pic>
-        <p:nvPicPr>
-          <p:cNvPr id="6" name="Picture 6" descr="Text&#10;&#10;Description automatically generated">
-            <a:extLst>
-              <a:ext uri="{FF2B5EF4-FFF2-40B4-BE49-F238E27FC236}">
-                <a16:creationId xmlns:a16="http://schemas.microsoft.com/office/drawing/2014/main" id="{C65E0543-6C96-4837-AF04-FF12ACB61A58}"/>
-              </a:ext>
-            </a:extLst>
-          </p:cNvPr>
-          <p:cNvPicPr>
-            <a:picLocks noChangeAspect="1"/>
-          </p:cNvPicPr>
-          <p:nvPr/>
-        </p:nvPicPr>
-        <p:blipFill>
-          <a:blip r:embed="rId2"/>
-          <a:stretch>
-            <a:fillRect/>
-          </a:stretch>
-        </p:blipFill>
-        <p:spPr>
-          <a:xfrm>
-            <a:off x="6537325" y="1916113"/>
-            <a:ext cx="3670300" cy="4040188"/>
-          </a:xfrm>
-          <a:prstGeom prst="rect">
-            <a:avLst/>
-          </a:prstGeom>
-          <a:ln w="38100" cap="sq">
-            <a:solidFill>
-              <a:srgbClr val="000000"/>
-            </a:solidFill>
-            <a:prstDash val="solid"/>
-            <a:miter lim="800000"/>
-          </a:ln>
-          <a:effectLst>
-            <a:outerShdw blurRad="50800" dist="38100" dir="2700000" algn="tl" rotWithShape="0">
-              <a:srgbClr val="000000">
-                <a:alpha val="43000"/>
-              </a:srgbClr>
-            </a:outerShdw>
-          </a:effectLst>
-        </p:spPr>
-      </p:pic>
-      <p:sp>
-        <p:nvSpPr>
-          <p:cNvPr id="7" name="TextBox 6">
-            <a:extLst>
-              <a:ext uri="{FF2B5EF4-FFF2-40B4-BE49-F238E27FC236}">
-                <a16:creationId xmlns:a16="http://schemas.microsoft.com/office/drawing/2014/main" id="{DEC6709A-7CD4-407B-ABAA-578D4588D693}"/>
-              </a:ext>
-            </a:extLst>
-          </p:cNvPr>
-          <p:cNvSpPr txBox="1"/>
-          <p:nvPr/>
-        </p:nvSpPr>
-        <p:spPr>
-          <a:xfrm>
-            <a:off x="6537325" y="1185863"/>
-            <a:ext cx="3670300" cy="496888"/>
-          </a:xfrm>
-          <a:prstGeom prst="rect">
-            <a:avLst/>
-          </a:prstGeom>
-          <a:ln/>
-        </p:spPr>
-        <p:style>
-          <a:lnRef idx="1">
-            <a:schemeClr val="accent6"/>
-          </a:lnRef>
-          <a:fillRef idx="3">
-            <a:schemeClr val="accent6"/>
-          </a:fillRef>
-          <a:effectRef idx="2">
-            <a:schemeClr val="accent6"/>
-          </a:effectRef>
-          <a:fontRef idx="minor">
-            <a:schemeClr val="lt1"/>
-          </a:fontRef>
-        </p:style>
-        <p:txBody>
-          <a:bodyPr rot="0" spcFirstLastPara="0" vertOverflow="overflow" horzOverflow="overflow" vert="horz" wrap="square" lIns="91440" tIns="45720" rIns="91440" bIns="45720" numCol="1" spcCol="0" rtlCol="0" fromWordArt="0" anchor="ctr" anchorCtr="0" forceAA="0" compatLnSpc="1">
-            <a:prstTxWarp prst="textNoShape">
-              <a:avLst/>
-            </a:prstTxWarp>
-            <a:noAutofit/>
-          </a:bodyPr>
-          <a:lstStyle/>
-          <a:p>
-            <a:pPr algn="ctr">
-              <a:spcAft>
-                <a:spcPts val="600"/>
-              </a:spcAft>
-            </a:pPr>
-            <a:r>
-              <a:rPr lang="en-US" sz="1300" b="1">
-                <a:solidFill>
-                  <a:srgbClr val="FFFFFF"/>
-                </a:solidFill>
-                <a:ea typeface="+mn-lt"/>
-                <a:cs typeface="+mn-lt"/>
-              </a:rPr>
-              <a:t>Most Visited Pages</a:t>
-            </a:r>
-            <a:endParaRPr lang="en-US" sz="1300" b="1">
-              <a:solidFill>
-                <a:srgbClr val="FFFFFF"/>
-              </a:solidFill>
-              <a:cs typeface="Calibri"/>
-            </a:endParaRPr>
-          </a:p>
-        </p:txBody>
-      </p:sp>
-      <p:sp>
-        <p:nvSpPr>
-          <p:cNvPr id="13" name="Content Placeholder 12">
-            <a:extLst>
-              <a:ext uri="{FF2B5EF4-FFF2-40B4-BE49-F238E27FC236}">
-                <a16:creationId xmlns:a16="http://schemas.microsoft.com/office/drawing/2014/main" id="{317786DC-70E9-4433-A03C-C8DDF221C259}"/>
-              </a:ext>
-            </a:extLst>
-          </p:cNvPr>
-          <p:cNvSpPr>
-            <a:spLocks noGrp="1"/>
-          </p:cNvSpPr>
-          <p:nvPr>
-            <p:ph type="body" sz="half" idx="2"/>
-          </p:nvPr>
-        </p:nvSpPr>
-        <p:spPr/>
-        <p:txBody>
-          <a:bodyPr vert="horz" lIns="91440" tIns="45720" rIns="91440" bIns="45720" rtlCol="0" anchor="t">
-            <a:normAutofit/>
-          </a:bodyPr>
-          <a:lstStyle/>
-          <a:p>
-            <a:pPr marL="0" indent="0">
-              <a:buNone/>
-            </a:pPr>
-            <a:r>
-              <a:rPr lang="en-US" dirty="0">
-                <a:ea typeface="+mn-lt"/>
-                <a:cs typeface="+mn-lt"/>
-              </a:rPr>
-              <a:t>  </a:t>
-            </a:r>
-            <a:endParaRPr lang="en-US">
-              <a:cs typeface="Calibri" panose="020F0502020204030204"/>
-            </a:endParaRPr>
-          </a:p>
-        </p:txBody>
-      </p:sp>
-      <p:sp>
-        <p:nvSpPr>
-          <p:cNvPr id="26" name="Title 1">
-            <a:extLst>
-              <a:ext uri="{FF2B5EF4-FFF2-40B4-BE49-F238E27FC236}">
-                <a16:creationId xmlns:a16="http://schemas.microsoft.com/office/drawing/2014/main" id="{3757740F-55B7-4EE7-868A-E07F45BB5711}"/>
-              </a:ext>
-            </a:extLst>
-          </p:cNvPr>
-          <p:cNvSpPr txBox="1">
-            <a:spLocks/>
-          </p:cNvSpPr>
-          <p:nvPr/>
-        </p:nvSpPr>
-        <p:spPr>
-          <a:xfrm>
-            <a:off x="838200" y="557189"/>
-            <a:ext cx="3374136" cy="5567891"/>
-          </a:xfrm>
-          <a:prstGeom prst="rect">
-            <a:avLst/>
-          </a:prstGeom>
-        </p:spPr>
-        <p:txBody>
-          <a:bodyPr vert="horz" lIns="91440" tIns="45720" rIns="91440" bIns="45720" rtlCol="0" anchor="b">
-            <a:normAutofit/>
-          </a:bodyPr>
-          <a:lstStyle>
-            <a:lvl1pPr algn="l" defTabSz="914400" rtl="0" eaLnBrk="1" latinLnBrk="0" hangingPunct="1">
-              <a:lnSpc>
-                <a:spcPct val="90000"/>
-              </a:lnSpc>
-              <a:spcBef>
-                <a:spcPct val="0"/>
-              </a:spcBef>
-              <a:buNone/>
-              <a:defRPr sz="3200" kern="1200">
-                <a:solidFill>
-                  <a:schemeClr val="tx1"/>
-                </a:solidFill>
-                <a:latin typeface="+mj-lt"/>
-                <a:ea typeface="+mj-ea"/>
-                <a:cs typeface="+mj-cs"/>
-              </a:defRPr>
-            </a:lvl1pPr>
-          </a:lstStyle>
-          <a:p>
-            <a:r>
-              <a:rPr lang="en-US" sz="5200">
-                <a:ea typeface="+mj-lt"/>
-                <a:cs typeface="+mj-lt"/>
-              </a:rPr>
-              <a:t>Additional </a:t>
-            </a:r>
-            <a:br>
-              <a:rPr lang="en-US" sz="5200" dirty="0">
-                <a:ea typeface="+mj-lt"/>
-                <a:cs typeface="+mj-lt"/>
-              </a:rPr>
-            </a:br>
-            <a:r>
-              <a:rPr lang="en-US" sz="5200">
-                <a:ea typeface="+mj-lt"/>
-                <a:cs typeface="+mj-lt"/>
-              </a:rPr>
-              <a:t>Insights</a:t>
-            </a:r>
-            <a:endParaRPr lang="en-US">
-              <a:ea typeface="+mj-lt"/>
-              <a:cs typeface="+mj-lt"/>
-            </a:endParaRPr>
-          </a:p>
-          <a:p>
-            <a:endParaRPr lang="en-US" sz="5200" dirty="0">
-              <a:ea typeface="+mj-lt"/>
-              <a:cs typeface="+mj-lt"/>
-            </a:endParaRPr>
-          </a:p>
-          <a:p>
-            <a:pPr marL="285750" indent="-285750">
-              <a:lnSpc>
-                <a:spcPct val="100000"/>
-              </a:lnSpc>
-              <a:spcBef>
-                <a:spcPts val="0"/>
-              </a:spcBef>
-              <a:buFont typeface="Arial,Sans-Serif"/>
-              <a:buChar char="•"/>
-            </a:pPr>
-            <a:r>
-              <a:rPr lang="en-US" sz="2800">
-                <a:ea typeface="+mj-lt"/>
-                <a:cs typeface="+mj-lt"/>
-              </a:rPr>
-              <a:t>Most visited pages by Ip's </a:t>
-            </a:r>
-          </a:p>
-          <a:p>
-            <a:pPr marL="285750" indent="-285750">
-              <a:lnSpc>
-                <a:spcPct val="100000"/>
-              </a:lnSpc>
-              <a:spcBef>
-                <a:spcPts val="0"/>
-              </a:spcBef>
-              <a:buFont typeface="Arial,Sans-Serif"/>
-              <a:buChar char="•"/>
-            </a:pPr>
-            <a:r>
-              <a:rPr lang="en-US" sz="2800">
-                <a:ea typeface="+mj-lt"/>
-                <a:cs typeface="+mj-lt"/>
-              </a:rPr>
-              <a:t>Can help identify pages for advertisements</a:t>
-            </a:r>
-            <a:endParaRPr lang="en-US" sz="2800" dirty="0">
-              <a:ea typeface="+mj-lt"/>
-              <a:cs typeface="+mj-lt"/>
-            </a:endParaRPr>
-          </a:p>
-          <a:p>
-            <a:endParaRPr lang="en-US" sz="5200" dirty="0">
-              <a:cs typeface="Calibri Light"/>
-            </a:endParaRPr>
-          </a:p>
-        </p:txBody>
-      </p:sp>
-    </p:spTree>
-    <p:extLst>
-      <p:ext uri="{BB962C8B-B14F-4D97-AF65-F5344CB8AC3E}">
-        <p14:creationId xmlns:p14="http://schemas.microsoft.com/office/powerpoint/2010/main" val="3177800549"/>
-      </p:ext>
-    </p:extLst>
-  </p:cSld>
-  <p:clrMapOvr>
-    <a:masterClrMapping/>
-  </p:clrMapOvr>
-</p:sld>
-</file>
-
-<file path=ppt/slides/slide5.xml><?xml version="1.0" encoding="utf-8"?>
-<p:sld xmlns:a="http://schemas.openxmlformats.org/drawingml/2006/main" xmlns:r="http://schemas.openxmlformats.org/officeDocument/2006/relationships" xmlns:p="http://schemas.openxmlformats.org/presentationml/2006/main">
-  <p:cSld>
-    <p:bg>
-      <p:bgPr>
-        <a:solidFill>
-          <a:schemeClr val="bg1"/>
-        </a:solidFill>
-        <a:effectLst/>
-      </p:bgPr>
-    </p:bg>
-    <p:spTree>
-      <p:nvGrpSpPr>
-        <p:cNvPr id="1" name=""/>
-        <p:cNvGrpSpPr/>
-        <p:nvPr/>
-      </p:nvGrpSpPr>
-      <p:grpSpPr>
-        <a:xfrm>
-          <a:off x="0" y="0"/>
-          <a:ext cx="0" cy="0"/>
-          <a:chOff x="0" y="0"/>
-          <a:chExt cx="0" cy="0"/>
-        </a:xfrm>
-      </p:grpSpPr>
-      <p:sp>
-        <p:nvSpPr>
-          <p:cNvPr id="7" name="TextBox 6">
-            <a:extLst>
-              <a:ext uri="{FF2B5EF4-FFF2-40B4-BE49-F238E27FC236}">
-                <a16:creationId xmlns:a16="http://schemas.microsoft.com/office/drawing/2014/main" id="{DEC6709A-7CD4-407B-ABAA-578D4588D693}"/>
-              </a:ext>
-            </a:extLst>
-          </p:cNvPr>
-          <p:cNvSpPr txBox="1"/>
-          <p:nvPr/>
-        </p:nvSpPr>
-        <p:spPr>
-          <a:xfrm>
-            <a:off x="6537325" y="1200377"/>
-            <a:ext cx="3670300" cy="496888"/>
-          </a:xfrm>
-          <a:prstGeom prst="rect">
-            <a:avLst/>
-          </a:prstGeom>
-          <a:solidFill>
-            <a:schemeClr val="accent6"/>
-          </a:solidFill>
-          <a:ln/>
-        </p:spPr>
-        <p:style>
-          <a:lnRef idx="1">
-            <a:schemeClr val="accent6"/>
-          </a:lnRef>
-          <a:fillRef idx="3">
-            <a:schemeClr val="accent6"/>
-          </a:fillRef>
-          <a:effectRef idx="2">
-            <a:schemeClr val="accent6"/>
-          </a:effectRef>
-          <a:fontRef idx="minor">
-            <a:schemeClr val="lt1"/>
-          </a:fontRef>
-        </p:style>
-        <p:txBody>
-          <a:bodyPr rot="0" spcFirstLastPara="0" vertOverflow="overflow" horzOverflow="overflow" vert="horz" wrap="square" lIns="91440" tIns="45720" rIns="91440" bIns="45720" numCol="1" spcCol="0" rtlCol="0" fromWordArt="0" anchor="ctr" anchorCtr="0" forceAA="0" compatLnSpc="1">
-            <a:prstTxWarp prst="textNoShape">
-              <a:avLst/>
-            </a:prstTxWarp>
-            <a:noAutofit/>
-          </a:bodyPr>
-          <a:lstStyle/>
-          <a:p>
-            <a:pPr algn="ctr"/>
-            <a:r>
-              <a:rPr lang="en-US" sz="1300" b="1">
-                <a:solidFill>
-                  <a:srgbClr val="FFFFFF"/>
-                </a:solidFill>
-                <a:ea typeface="+mn-lt"/>
-                <a:cs typeface="+mn-lt"/>
-              </a:rPr>
-              <a:t>Potential Buyers</a:t>
-            </a:r>
-            <a:endParaRPr lang="en-US" sz="1300">
-              <a:ea typeface="+mn-lt"/>
-              <a:cs typeface="+mn-lt"/>
-            </a:endParaRPr>
-          </a:p>
-        </p:txBody>
-      </p:sp>
-      <p:sp>
-        <p:nvSpPr>
-          <p:cNvPr id="13" name="Content Placeholder 12">
-            <a:extLst>
-              <a:ext uri="{FF2B5EF4-FFF2-40B4-BE49-F238E27FC236}">
-                <a16:creationId xmlns:a16="http://schemas.microsoft.com/office/drawing/2014/main" id="{317786DC-70E9-4433-A03C-C8DDF221C259}"/>
-              </a:ext>
-            </a:extLst>
-          </p:cNvPr>
-          <p:cNvSpPr>
-            <a:spLocks noGrp="1"/>
-          </p:cNvSpPr>
-          <p:nvPr>
-            <p:ph type="body" sz="half" idx="2"/>
-          </p:nvPr>
-        </p:nvSpPr>
-        <p:spPr/>
-        <p:txBody>
-          <a:bodyPr vert="horz" lIns="91440" tIns="45720" rIns="91440" bIns="45720" rtlCol="0" anchor="t">
-            <a:normAutofit/>
-          </a:bodyPr>
-          <a:lstStyle/>
-          <a:p>
-            <a:pPr marL="0" indent="0">
-              <a:buNone/>
-            </a:pPr>
-            <a:r>
-              <a:rPr lang="en-US" dirty="0">
-                <a:ea typeface="+mn-lt"/>
-                <a:cs typeface="+mn-lt"/>
-              </a:rPr>
-              <a:t>  </a:t>
-            </a:r>
-            <a:endParaRPr lang="en-US">
-              <a:cs typeface="Calibri" panose="020F0502020204030204"/>
-            </a:endParaRPr>
-          </a:p>
-        </p:txBody>
-      </p:sp>
-      <p:sp>
-        <p:nvSpPr>
-          <p:cNvPr id="26" name="Title 1">
-            <a:extLst>
-              <a:ext uri="{FF2B5EF4-FFF2-40B4-BE49-F238E27FC236}">
-                <a16:creationId xmlns:a16="http://schemas.microsoft.com/office/drawing/2014/main" id="{3757740F-55B7-4EE7-868A-E07F45BB5711}"/>
-              </a:ext>
-            </a:extLst>
-          </p:cNvPr>
-          <p:cNvSpPr txBox="1">
-            <a:spLocks/>
-          </p:cNvSpPr>
-          <p:nvPr/>
-        </p:nvSpPr>
-        <p:spPr>
-          <a:xfrm>
-            <a:off x="838200" y="557189"/>
-            <a:ext cx="4819516" cy="5567891"/>
-          </a:xfrm>
-          <a:prstGeom prst="rect">
-            <a:avLst/>
-          </a:prstGeom>
-        </p:spPr>
-        <p:txBody>
-          <a:bodyPr vert="horz" lIns="91440" tIns="45720" rIns="91440" bIns="45720" rtlCol="0" anchor="b">
-            <a:normAutofit/>
-          </a:bodyPr>
-          <a:lstStyle>
-            <a:lvl1pPr algn="l" defTabSz="914400" rtl="0" eaLnBrk="1" latinLnBrk="0" hangingPunct="1">
-              <a:lnSpc>
-                <a:spcPct val="90000"/>
-              </a:lnSpc>
-              <a:spcBef>
-                <a:spcPct val="0"/>
-              </a:spcBef>
-              <a:buNone/>
-              <a:defRPr sz="3200" kern="1200">
-                <a:solidFill>
-                  <a:schemeClr val="tx1"/>
-                </a:solidFill>
-                <a:latin typeface="+mj-lt"/>
-                <a:ea typeface="+mj-ea"/>
-                <a:cs typeface="+mj-cs"/>
-              </a:defRPr>
-            </a:lvl1pPr>
-          </a:lstStyle>
-          <a:p>
-            <a:r>
-              <a:rPr lang="en-US" sz="5200">
-                <a:ea typeface="+mj-lt"/>
-                <a:cs typeface="+mj-lt"/>
-              </a:rPr>
-              <a:t>Additional </a:t>
-            </a:r>
-            <a:br>
-              <a:rPr lang="en-US" sz="5200" dirty="0">
-                <a:ea typeface="+mj-lt"/>
-                <a:cs typeface="+mj-lt"/>
-              </a:rPr>
-            </a:br>
-            <a:r>
-              <a:rPr lang="en-US" sz="5200">
-                <a:ea typeface="+mj-lt"/>
-                <a:cs typeface="+mj-lt"/>
-              </a:rPr>
-              <a:t>Insights</a:t>
-            </a:r>
-            <a:endParaRPr lang="en-US">
-              <a:ea typeface="+mj-lt"/>
-              <a:cs typeface="+mj-lt"/>
-            </a:endParaRPr>
-          </a:p>
-          <a:p>
-            <a:endParaRPr lang="en-US" sz="5200" dirty="0">
-              <a:ea typeface="+mj-lt"/>
-              <a:cs typeface="+mj-lt"/>
-            </a:endParaRPr>
-          </a:p>
-          <a:p>
-            <a:pPr marL="285750" indent="-285750">
-              <a:lnSpc>
-                <a:spcPct val="100000"/>
-              </a:lnSpc>
-              <a:spcBef>
-                <a:spcPts val="0"/>
-              </a:spcBef>
-              <a:buFont typeface="Arial,Sans-Serif"/>
-              <a:buChar char="•"/>
-            </a:pPr>
-            <a:r>
-              <a:rPr lang="en-US" sz="2800">
-                <a:ea typeface="+mj-lt"/>
-                <a:cs typeface="+mj-lt"/>
-              </a:rPr>
-              <a:t>Ip's which viewed products or added products into cart but no purchased yet </a:t>
-            </a:r>
-          </a:p>
-          <a:p>
-            <a:pPr marL="285750" indent="-285750">
-              <a:lnSpc>
-                <a:spcPct val="100000"/>
-              </a:lnSpc>
-              <a:spcBef>
-                <a:spcPts val="0"/>
-              </a:spcBef>
-              <a:buFont typeface="Arial,Sans-Serif"/>
-              <a:buChar char="•"/>
-            </a:pPr>
-            <a:r>
-              <a:rPr lang="en-US" sz="2800">
-                <a:ea typeface="+mj-lt"/>
-                <a:cs typeface="+mj-lt"/>
-              </a:rPr>
-              <a:t>Can help identify potential buyers</a:t>
-            </a:r>
-            <a:endParaRPr lang="en-US" sz="2800" dirty="0">
-              <a:ea typeface="+mj-lt"/>
-              <a:cs typeface="+mj-lt"/>
-            </a:endParaRPr>
-          </a:p>
-          <a:p>
-            <a:endParaRPr lang="en-US" sz="5200" dirty="0">
-              <a:cs typeface="Calibri Light"/>
-            </a:endParaRPr>
-          </a:p>
-        </p:txBody>
-      </p:sp>
-      <p:pic>
-        <p:nvPicPr>
-          <p:cNvPr id="2" name="Picture 1" descr="Text&#10;&#10;Description automatically generated">
-            <a:extLst>
-              <a:ext uri="{FF2B5EF4-FFF2-40B4-BE49-F238E27FC236}">
-                <a16:creationId xmlns:a16="http://schemas.microsoft.com/office/drawing/2014/main" id="{99B59876-DA81-412E-AB06-7945EB02D793}"/>
-              </a:ext>
-            </a:extLst>
-          </p:cNvPr>
-          <p:cNvPicPr>
-            <a:picLocks noChangeAspect="1"/>
-          </p:cNvPicPr>
-          <p:nvPr/>
-        </p:nvPicPr>
-        <p:blipFill>
-          <a:blip r:embed="rId2"/>
-          <a:stretch>
-            <a:fillRect/>
-          </a:stretch>
-        </p:blipFill>
-        <p:spPr>
-          <a:xfrm>
-            <a:off x="6534819" y="1894958"/>
-            <a:ext cx="3667537" cy="2438347"/>
-          </a:xfrm>
-          <a:prstGeom prst="rect">
-            <a:avLst/>
-          </a:prstGeom>
-          <a:ln w="38100" cap="sq">
-            <a:solidFill>
-              <a:srgbClr val="000000"/>
-            </a:solidFill>
-            <a:prstDash val="solid"/>
-            <a:miter lim="800000"/>
-          </a:ln>
-          <a:effectLst>
-            <a:outerShdw blurRad="50800" dist="38100" dir="2700000" algn="tl" rotWithShape="0">
-              <a:srgbClr val="000000">
-                <a:alpha val="43000"/>
-              </a:srgbClr>
-            </a:outerShdw>
-          </a:effectLst>
-        </p:spPr>
-      </p:pic>
-    </p:spTree>
-    <p:extLst>
-      <p:ext uri="{BB962C8B-B14F-4D97-AF65-F5344CB8AC3E}">
-        <p14:creationId xmlns:p14="http://schemas.microsoft.com/office/powerpoint/2010/main" val="3905969404"/>
-      </p:ext>
-    </p:extLst>
-  </p:cSld>
-  <p:clrMapOvr>
-    <a:masterClrMapping/>
-  </p:clrMapOvr>
-</p:sld>
-</file>
-
-<file path=ppt/slides/slide6.xml><?xml version="1.0" encoding="utf-8"?>
-<p:sld xmlns:a="http://schemas.openxmlformats.org/drawingml/2006/main" xmlns:r="http://schemas.openxmlformats.org/officeDocument/2006/relationships" xmlns:p="http://schemas.openxmlformats.org/presentationml/2006/main">
-  <p:cSld>
-    <p:bg>
-      <p:bgPr>
-        <a:solidFill>
-          <a:schemeClr val="bg1"/>
-        </a:solidFill>
-        <a:effectLst/>
-      </p:bgPr>
-    </p:bg>
-    <p:spTree>
-      <p:nvGrpSpPr>
-        <p:cNvPr id="1" name=""/>
-        <p:cNvGrpSpPr/>
-        <p:nvPr/>
-      </p:nvGrpSpPr>
-      <p:grpSpPr>
-        <a:xfrm>
-          <a:off x="0" y="0"/>
-          <a:ext cx="0" cy="0"/>
-          <a:chOff x="0" y="0"/>
-          <a:chExt cx="0" cy="0"/>
-        </a:xfrm>
-      </p:grpSpPr>
-      <p:sp>
-        <p:nvSpPr>
-          <p:cNvPr id="7" name="TextBox 6">
-            <a:extLst>
-              <a:ext uri="{FF2B5EF4-FFF2-40B4-BE49-F238E27FC236}">
-                <a16:creationId xmlns:a16="http://schemas.microsoft.com/office/drawing/2014/main" id="{DEC6709A-7CD4-407B-ABAA-578D4588D693}"/>
-              </a:ext>
-            </a:extLst>
-          </p:cNvPr>
-          <p:cNvSpPr txBox="1"/>
-          <p:nvPr/>
-        </p:nvSpPr>
-        <p:spPr>
-          <a:xfrm>
-            <a:off x="5260068" y="1185863"/>
-            <a:ext cx="6500585" cy="518659"/>
-          </a:xfrm>
-          <a:prstGeom prst="rect">
-            <a:avLst/>
-          </a:prstGeom>
-          <a:ln/>
-        </p:spPr>
-        <p:style>
-          <a:lnRef idx="1">
-            <a:schemeClr val="accent6"/>
-          </a:lnRef>
-          <a:fillRef idx="3">
-            <a:schemeClr val="accent6"/>
-          </a:fillRef>
-          <a:effectRef idx="2">
-            <a:schemeClr val="accent6"/>
-          </a:effectRef>
-          <a:fontRef idx="minor">
-            <a:schemeClr val="lt1"/>
-          </a:fontRef>
-        </p:style>
-        <p:txBody>
-          <a:bodyPr rot="0" spcFirstLastPara="0" vertOverflow="overflow" horzOverflow="overflow" vert="horz" wrap="square" lIns="91440" tIns="45720" rIns="91440" bIns="45720" numCol="1" spcCol="0" rtlCol="0" fromWordArt="0" anchor="ctr" anchorCtr="0" forceAA="0" compatLnSpc="1">
-            <a:prstTxWarp prst="textNoShape">
-              <a:avLst/>
-            </a:prstTxWarp>
-            <a:noAutofit/>
-          </a:bodyPr>
-          <a:lstStyle/>
-          <a:p>
-            <a:pPr algn="ctr"/>
-            <a:r>
-              <a:rPr lang="en-US" sz="1300" b="1">
-                <a:solidFill>
-                  <a:srgbClr val="FFFFFF"/>
-                </a:solidFill>
-                <a:ea typeface="+mn-lt"/>
-                <a:cs typeface="+mn-lt"/>
-              </a:rPr>
-              <a:t>Total Revenue and Number of Customer's by Location</a:t>
-            </a:r>
-            <a:endParaRPr lang="en-US" sz="1300">
-              <a:ea typeface="+mn-lt"/>
-              <a:cs typeface="+mn-lt"/>
-            </a:endParaRPr>
-          </a:p>
-        </p:txBody>
-      </p:sp>
-      <p:sp>
-        <p:nvSpPr>
-          <p:cNvPr id="13" name="Content Placeholder 12">
-            <a:extLst>
-              <a:ext uri="{FF2B5EF4-FFF2-40B4-BE49-F238E27FC236}">
-                <a16:creationId xmlns:a16="http://schemas.microsoft.com/office/drawing/2014/main" id="{317786DC-70E9-4433-A03C-C8DDF221C259}"/>
-              </a:ext>
-            </a:extLst>
-          </p:cNvPr>
-          <p:cNvSpPr>
-            <a:spLocks noGrp="1"/>
-          </p:cNvSpPr>
-          <p:nvPr>
-            <p:ph type="body" sz="half" idx="2"/>
-          </p:nvPr>
-        </p:nvSpPr>
-        <p:spPr/>
-        <p:txBody>
-          <a:bodyPr vert="horz" lIns="91440" tIns="45720" rIns="91440" bIns="45720" rtlCol="0" anchor="t">
-            <a:normAutofit/>
-          </a:bodyPr>
-          <a:lstStyle/>
-          <a:p>
-            <a:pPr marL="0" indent="0">
-              <a:buNone/>
-            </a:pPr>
-            <a:r>
-              <a:rPr lang="en-US" dirty="0">
-                <a:ea typeface="+mn-lt"/>
-                <a:cs typeface="+mn-lt"/>
-              </a:rPr>
-              <a:t>  </a:t>
-            </a:r>
-            <a:endParaRPr lang="en-US">
-              <a:cs typeface="Calibri" panose="020F0502020204030204"/>
-            </a:endParaRPr>
-          </a:p>
-        </p:txBody>
-      </p:sp>
-      <p:sp>
-        <p:nvSpPr>
-          <p:cNvPr id="26" name="Title 1">
-            <a:extLst>
-              <a:ext uri="{FF2B5EF4-FFF2-40B4-BE49-F238E27FC236}">
-                <a16:creationId xmlns:a16="http://schemas.microsoft.com/office/drawing/2014/main" id="{3757740F-55B7-4EE7-868A-E07F45BB5711}"/>
-              </a:ext>
-            </a:extLst>
-          </p:cNvPr>
-          <p:cNvSpPr txBox="1">
-            <a:spLocks/>
-          </p:cNvSpPr>
-          <p:nvPr/>
-        </p:nvSpPr>
-        <p:spPr>
-          <a:xfrm>
-            <a:off x="838200" y="557189"/>
-            <a:ext cx="4485688" cy="5567891"/>
-          </a:xfrm>
-          <a:prstGeom prst="rect">
-            <a:avLst/>
-          </a:prstGeom>
-        </p:spPr>
-        <p:txBody>
-          <a:bodyPr vert="horz" lIns="91440" tIns="45720" rIns="91440" bIns="45720" rtlCol="0" anchor="b">
-            <a:normAutofit/>
-          </a:bodyPr>
-          <a:lstStyle>
-            <a:lvl1pPr algn="l" defTabSz="914400" rtl="0" eaLnBrk="1" latinLnBrk="0" hangingPunct="1">
-              <a:lnSpc>
-                <a:spcPct val="90000"/>
-              </a:lnSpc>
-              <a:spcBef>
-                <a:spcPct val="0"/>
-              </a:spcBef>
-              <a:buNone/>
-              <a:defRPr sz="3200" kern="1200">
-                <a:solidFill>
-                  <a:schemeClr val="tx1"/>
-                </a:solidFill>
-                <a:latin typeface="+mj-lt"/>
-                <a:ea typeface="+mj-ea"/>
-                <a:cs typeface="+mj-cs"/>
-              </a:defRPr>
-            </a:lvl1pPr>
-          </a:lstStyle>
-          <a:p>
-            <a:r>
-              <a:rPr lang="en-US" sz="5200" dirty="0">
-                <a:ea typeface="+mj-lt"/>
-                <a:cs typeface="+mj-lt"/>
-              </a:rPr>
-              <a:t>Additional </a:t>
-            </a:r>
-            <a:br>
-              <a:rPr lang="en-US" sz="5200" dirty="0">
-                <a:ea typeface="+mj-lt"/>
-                <a:cs typeface="+mj-lt"/>
-              </a:rPr>
-            </a:br>
-            <a:r>
-              <a:rPr lang="en-US" sz="5200" dirty="0">
-                <a:ea typeface="+mj-lt"/>
-                <a:cs typeface="+mj-lt"/>
-              </a:rPr>
-              <a:t>Insights</a:t>
-            </a:r>
-            <a:endParaRPr lang="en-US" dirty="0">
-              <a:ea typeface="+mj-lt"/>
-              <a:cs typeface="+mj-lt"/>
-            </a:endParaRPr>
-          </a:p>
-          <a:p>
-            <a:endParaRPr lang="en-US" sz="5200" dirty="0">
-              <a:ea typeface="+mj-lt"/>
-              <a:cs typeface="+mj-lt"/>
-            </a:endParaRPr>
-          </a:p>
-          <a:p>
-            <a:pPr marL="285750" indent="-285750">
-              <a:lnSpc>
-                <a:spcPct val="100000"/>
-              </a:lnSpc>
-              <a:spcBef>
-                <a:spcPts val="0"/>
-              </a:spcBef>
-              <a:buFont typeface="Arial,Sans-Serif"/>
-              <a:buChar char="•"/>
-            </a:pPr>
-            <a:r>
-              <a:rPr lang="en-US" sz="2800" dirty="0">
-                <a:ea typeface="+mj-lt"/>
-                <a:cs typeface="+mj-lt"/>
-              </a:rPr>
-              <a:t>Total Revenue collected by regions and # of customers</a:t>
-            </a:r>
-            <a:endParaRPr lang="en-US" dirty="0" err="1"/>
-          </a:p>
-          <a:p>
-            <a:pPr marL="285750" indent="-285750">
-              <a:lnSpc>
-                <a:spcPct val="100000"/>
-              </a:lnSpc>
-              <a:spcBef>
-                <a:spcPts val="0"/>
-              </a:spcBef>
-              <a:buFont typeface="Arial,Sans-Serif"/>
-              <a:buChar char="•"/>
-            </a:pPr>
-            <a:r>
-              <a:rPr lang="en-US" sz="2800" dirty="0">
-                <a:ea typeface="+mj-lt"/>
-                <a:cs typeface="+mj-lt"/>
-              </a:rPr>
-              <a:t>Can help identify </a:t>
-            </a:r>
-          </a:p>
-          <a:p>
-            <a:pPr marL="914400" lvl="1" indent="-457200">
-              <a:lnSpc>
-                <a:spcPct val="100000"/>
-              </a:lnSpc>
-              <a:spcBef>
-                <a:spcPts val="0"/>
-              </a:spcBef>
-              <a:buAutoNum type="arabicPeriod"/>
-            </a:pPr>
-            <a:r>
-              <a:rPr lang="en-US" sz="2800" dirty="0">
-                <a:latin typeface="+mj-lt"/>
-                <a:ea typeface="+mj-lt"/>
-                <a:cs typeface="+mj-lt"/>
-              </a:rPr>
-              <a:t>Future Sales Target</a:t>
-            </a:r>
-          </a:p>
-          <a:p>
-            <a:pPr marL="914400" lvl="1" indent="-457200">
-              <a:lnSpc>
-                <a:spcPct val="100000"/>
-              </a:lnSpc>
-              <a:spcBef>
-                <a:spcPts val="0"/>
-              </a:spcBef>
-              <a:buAutoNum type="arabicPeriod"/>
-            </a:pPr>
-            <a:r>
-              <a:rPr lang="en-US" sz="2800" dirty="0">
-                <a:latin typeface="+mj-lt"/>
-                <a:ea typeface="+mj-lt"/>
-                <a:cs typeface="+mj-lt"/>
-              </a:rPr>
-              <a:t>Improve Customer Base</a:t>
-            </a:r>
-            <a:endParaRPr lang="en-US" dirty="0"/>
-          </a:p>
-        </p:txBody>
-      </p:sp>
-      <p:pic>
-        <p:nvPicPr>
-          <p:cNvPr id="3" name="Picture 2" descr="Text&#10;&#10;Description automatically generated">
-            <a:extLst>
-              <a:ext uri="{FF2B5EF4-FFF2-40B4-BE49-F238E27FC236}">
-                <a16:creationId xmlns:a16="http://schemas.microsoft.com/office/drawing/2014/main" id="{E5E3C57E-E5A6-4B48-A424-871FDBECAA6C}"/>
-              </a:ext>
-            </a:extLst>
-          </p:cNvPr>
-          <p:cNvPicPr>
-            <a:picLocks noChangeAspect="1"/>
-          </p:cNvPicPr>
-          <p:nvPr/>
-        </p:nvPicPr>
-        <p:blipFill>
-          <a:blip r:embed="rId2"/>
-          <a:stretch>
-            <a:fillRect/>
-          </a:stretch>
-        </p:blipFill>
-        <p:spPr>
-          <a:xfrm>
-            <a:off x="5266429" y="1906736"/>
-            <a:ext cx="6506150" cy="2426712"/>
-          </a:xfrm>
-          <a:prstGeom prst="rect">
-            <a:avLst/>
-          </a:prstGeom>
-          <a:ln w="38100" cap="sq">
-            <a:solidFill>
-              <a:srgbClr val="000000"/>
-            </a:solidFill>
-            <a:prstDash val="solid"/>
-            <a:miter lim="800000"/>
-          </a:ln>
-          <a:effectLst>
-            <a:outerShdw blurRad="50800" dist="38100" dir="2700000" algn="tl" rotWithShape="0">
-              <a:srgbClr val="000000">
-                <a:alpha val="43000"/>
-              </a:srgbClr>
-            </a:outerShdw>
-          </a:effectLst>
-        </p:spPr>
-      </p:pic>
-    </p:spTree>
-    <p:extLst>
-      <p:ext uri="{BB962C8B-B14F-4D97-AF65-F5344CB8AC3E}">
-        <p14:creationId xmlns:p14="http://schemas.microsoft.com/office/powerpoint/2010/main" val="4265935885"/>
-      </p:ext>
-    </p:extLst>
-  </p:cSld>
-  <p:clrMapOvr>
-    <a:masterClrMapping/>
-  </p:clrMapOvr>
-</p:sld>
-</file>
-
-<file path=ppt/slides/slide7.xml><?xml version="1.0" encoding="utf-8"?>
-<p:sld xmlns:a="http://schemas.openxmlformats.org/drawingml/2006/main" xmlns:r="http://schemas.openxmlformats.org/officeDocument/2006/relationships" xmlns:p="http://schemas.openxmlformats.org/presentationml/2006/main">
-  <p:cSld>
-    <p:bg>
-      <p:bgPr>
-        <a:solidFill>
-          <a:schemeClr val="bg1"/>
-        </a:solidFill>
-        <a:effectLst/>
-      </p:bgPr>
-    </p:bg>
-    <p:spTree>
-      <p:nvGrpSpPr>
-        <p:cNvPr id="1" name=""/>
-        <p:cNvGrpSpPr/>
-        <p:nvPr/>
-      </p:nvGrpSpPr>
-      <p:grpSpPr>
-        <a:xfrm>
-          <a:off x="0" y="0"/>
-          <a:ext cx="0" cy="0"/>
-          <a:chOff x="0" y="0"/>
-          <a:chExt cx="0" cy="0"/>
-        </a:xfrm>
-      </p:grpSpPr>
-      <p:sp>
-        <p:nvSpPr>
-          <p:cNvPr id="7" name="TextBox 6">
-            <a:extLst>
-              <a:ext uri="{FF2B5EF4-FFF2-40B4-BE49-F238E27FC236}">
-                <a16:creationId xmlns:a16="http://schemas.microsoft.com/office/drawing/2014/main" id="{DEC6709A-7CD4-407B-ABAA-578D4588D693}"/>
-              </a:ext>
-            </a:extLst>
-          </p:cNvPr>
-          <p:cNvSpPr txBox="1"/>
-          <p:nvPr/>
-        </p:nvSpPr>
-        <p:spPr>
-          <a:xfrm>
-            <a:off x="5158468" y="1185863"/>
-            <a:ext cx="6515099" cy="518659"/>
-          </a:xfrm>
-          <a:prstGeom prst="rect">
-            <a:avLst/>
-          </a:prstGeom>
-          <a:ln/>
-        </p:spPr>
-        <p:style>
-          <a:lnRef idx="1">
-            <a:schemeClr val="accent6"/>
-          </a:lnRef>
-          <a:fillRef idx="3">
-            <a:schemeClr val="accent6"/>
-          </a:fillRef>
-          <a:effectRef idx="2">
-            <a:schemeClr val="accent6"/>
-          </a:effectRef>
-          <a:fontRef idx="minor">
-            <a:schemeClr val="lt1"/>
-          </a:fontRef>
-        </p:style>
-        <p:txBody>
-          <a:bodyPr rot="0" spcFirstLastPara="0" vertOverflow="overflow" horzOverflow="overflow" vert="horz" wrap="square" lIns="91440" tIns="45720" rIns="91440" bIns="45720" numCol="1" spcCol="0" rtlCol="0" fromWordArt="0" anchor="ctr" anchorCtr="0" forceAA="0" compatLnSpc="1">
-            <a:prstTxWarp prst="textNoShape">
-              <a:avLst/>
-            </a:prstTxWarp>
-            <a:noAutofit/>
-          </a:bodyPr>
-          <a:lstStyle/>
-          <a:p>
-            <a:pPr algn="ctr"/>
-            <a:r>
-              <a:rPr lang="en-US" sz="1300" b="1">
-                <a:solidFill>
-                  <a:srgbClr val="FFFFFF"/>
-                </a:solidFill>
-                <a:ea typeface="+mn-lt"/>
-                <a:cs typeface="+mn-lt"/>
-              </a:rPr>
-              <a:t>Busy Hour of the Day</a:t>
-            </a:r>
-            <a:endParaRPr lang="en-US" sz="1300">
-              <a:ea typeface="+mn-lt"/>
-              <a:cs typeface="+mn-lt"/>
-            </a:endParaRPr>
-          </a:p>
-        </p:txBody>
-      </p:sp>
-      <p:sp>
-        <p:nvSpPr>
-          <p:cNvPr id="13" name="Content Placeholder 12">
-            <a:extLst>
-              <a:ext uri="{FF2B5EF4-FFF2-40B4-BE49-F238E27FC236}">
-                <a16:creationId xmlns:a16="http://schemas.microsoft.com/office/drawing/2014/main" id="{317786DC-70E9-4433-A03C-C8DDF221C259}"/>
-              </a:ext>
-            </a:extLst>
-          </p:cNvPr>
-          <p:cNvSpPr>
-            <a:spLocks noGrp="1"/>
-          </p:cNvSpPr>
-          <p:nvPr>
-            <p:ph type="body" sz="half" idx="2"/>
-          </p:nvPr>
-        </p:nvSpPr>
-        <p:spPr/>
-        <p:txBody>
-          <a:bodyPr vert="horz" lIns="91440" tIns="45720" rIns="91440" bIns="45720" rtlCol="0" anchor="t">
-            <a:normAutofit/>
-          </a:bodyPr>
-          <a:lstStyle/>
-          <a:p>
-            <a:pPr marL="0" indent="0">
-              <a:buNone/>
-            </a:pPr>
-            <a:r>
-              <a:rPr lang="en-US" dirty="0">
-                <a:ea typeface="+mn-lt"/>
-                <a:cs typeface="+mn-lt"/>
-              </a:rPr>
-              <a:t>  </a:t>
-            </a:r>
-            <a:endParaRPr lang="en-US">
-              <a:cs typeface="Calibri" panose="020F0502020204030204"/>
-            </a:endParaRPr>
-          </a:p>
-        </p:txBody>
-      </p:sp>
-      <p:sp>
-        <p:nvSpPr>
-          <p:cNvPr id="26" name="Title 1">
-            <a:extLst>
-              <a:ext uri="{FF2B5EF4-FFF2-40B4-BE49-F238E27FC236}">
-                <a16:creationId xmlns:a16="http://schemas.microsoft.com/office/drawing/2014/main" id="{3757740F-55B7-4EE7-868A-E07F45BB5711}"/>
-              </a:ext>
-            </a:extLst>
-          </p:cNvPr>
-          <p:cNvSpPr txBox="1">
-            <a:spLocks/>
-          </p:cNvSpPr>
-          <p:nvPr/>
-        </p:nvSpPr>
-        <p:spPr>
-          <a:xfrm>
-            <a:off x="838200" y="557189"/>
-            <a:ext cx="4819516" cy="5567891"/>
-          </a:xfrm>
-          <a:prstGeom prst="rect">
-            <a:avLst/>
-          </a:prstGeom>
-        </p:spPr>
-        <p:txBody>
-          <a:bodyPr vert="horz" lIns="91440" tIns="45720" rIns="91440" bIns="45720" rtlCol="0" anchor="b">
-            <a:normAutofit/>
-          </a:bodyPr>
-          <a:lstStyle>
-            <a:lvl1pPr algn="l" defTabSz="914400" rtl="0" eaLnBrk="1" latinLnBrk="0" hangingPunct="1">
-              <a:lnSpc>
-                <a:spcPct val="90000"/>
-              </a:lnSpc>
-              <a:spcBef>
-                <a:spcPct val="0"/>
-              </a:spcBef>
-              <a:buNone/>
-              <a:defRPr sz="3200" kern="1200">
-                <a:solidFill>
-                  <a:schemeClr val="tx1"/>
-                </a:solidFill>
-                <a:latin typeface="+mj-lt"/>
-                <a:ea typeface="+mj-ea"/>
-                <a:cs typeface="+mj-cs"/>
-              </a:defRPr>
-            </a:lvl1pPr>
-          </a:lstStyle>
-          <a:p>
-            <a:r>
-              <a:rPr lang="en-US" sz="5200">
-                <a:ea typeface="+mj-lt"/>
-                <a:cs typeface="+mj-lt"/>
-              </a:rPr>
-              <a:t>Additional </a:t>
-            </a:r>
-            <a:br>
-              <a:rPr lang="en-US" sz="5200" dirty="0">
-                <a:ea typeface="+mj-lt"/>
-                <a:cs typeface="+mj-lt"/>
-              </a:rPr>
-            </a:br>
-            <a:r>
-              <a:rPr lang="en-US" sz="5200">
-                <a:ea typeface="+mj-lt"/>
-                <a:cs typeface="+mj-lt"/>
-              </a:rPr>
-              <a:t>Insights</a:t>
-            </a:r>
-            <a:endParaRPr lang="en-US">
-              <a:ea typeface="+mj-lt"/>
-              <a:cs typeface="+mj-lt"/>
-            </a:endParaRPr>
-          </a:p>
-          <a:p>
-            <a:endParaRPr lang="en-US" sz="5200" dirty="0">
-              <a:ea typeface="+mj-lt"/>
-              <a:cs typeface="+mj-lt"/>
-            </a:endParaRPr>
-          </a:p>
-          <a:p>
-            <a:pPr marL="285750" indent="-285750">
-              <a:lnSpc>
-                <a:spcPct val="100000"/>
-              </a:lnSpc>
-              <a:spcBef>
-                <a:spcPts val="0"/>
-              </a:spcBef>
-              <a:buFont typeface="Arial,Sans-Serif"/>
-              <a:buChar char="•"/>
-            </a:pPr>
-            <a:r>
-              <a:rPr lang="en-US" sz="2800">
-                <a:ea typeface="+mj-lt"/>
-                <a:cs typeface="+mj-lt"/>
-              </a:rPr>
-              <a:t>Busy hour of the day by number of hits</a:t>
-            </a:r>
-          </a:p>
-          <a:p>
-            <a:pPr marL="285750" indent="-285750">
-              <a:lnSpc>
-                <a:spcPct val="100000"/>
-              </a:lnSpc>
-              <a:spcBef>
-                <a:spcPts val="0"/>
-              </a:spcBef>
-              <a:buFont typeface="Arial,Sans-Serif"/>
-              <a:buChar char="•"/>
-            </a:pPr>
-            <a:r>
-              <a:rPr lang="en-US" sz="2800">
-                <a:ea typeface="+mj-lt"/>
-                <a:cs typeface="+mj-lt"/>
-              </a:rPr>
-              <a:t>Can help identify </a:t>
-            </a:r>
-          </a:p>
-          <a:p>
-            <a:pPr marL="914400" lvl="1" indent="-457200">
-              <a:lnSpc>
-                <a:spcPct val="100000"/>
-              </a:lnSpc>
-              <a:spcBef>
-                <a:spcPts val="0"/>
-              </a:spcBef>
-              <a:buAutoNum type="arabicPeriod"/>
-            </a:pPr>
-            <a:r>
-              <a:rPr lang="en-US" sz="2800">
-                <a:latin typeface="+mj-lt"/>
-                <a:ea typeface="+mj-lt"/>
-                <a:cs typeface="+mj-lt"/>
-              </a:rPr>
-              <a:t>Promotion Time</a:t>
-            </a:r>
-          </a:p>
-          <a:p>
-            <a:pPr marL="914400" lvl="1" indent="-457200">
-              <a:lnSpc>
-                <a:spcPct val="100000"/>
-              </a:lnSpc>
-              <a:spcBef>
-                <a:spcPts val="0"/>
-              </a:spcBef>
-              <a:buAutoNum type="arabicPeriod"/>
-            </a:pPr>
-            <a:r>
-              <a:rPr lang="en-US" sz="2800">
-                <a:latin typeface="+mj-lt"/>
-                <a:ea typeface="+mj-lt"/>
-                <a:cs typeface="+mj-lt"/>
-              </a:rPr>
-              <a:t>Resource Allocation </a:t>
-            </a:r>
-            <a:endParaRPr lang="en-US"/>
-          </a:p>
-          <a:p>
-            <a:endParaRPr lang="en-US" sz="5200" dirty="0">
-              <a:cs typeface="Calibri Light"/>
-            </a:endParaRPr>
-          </a:p>
-        </p:txBody>
-      </p:sp>
-      <p:pic>
-        <p:nvPicPr>
-          <p:cNvPr id="3" name="Picture 3" descr="Text&#10;&#10;Description automatically generated">
-            <a:extLst>
-              <a:ext uri="{FF2B5EF4-FFF2-40B4-BE49-F238E27FC236}">
-                <a16:creationId xmlns:a16="http://schemas.microsoft.com/office/drawing/2014/main" id="{181E09F8-922A-4F39-ADC5-61A2C5B929F3}"/>
-              </a:ext>
-            </a:extLst>
-          </p:cNvPr>
-          <p:cNvPicPr>
-            <a:picLocks noChangeAspect="1"/>
-          </p:cNvPicPr>
-          <p:nvPr/>
-        </p:nvPicPr>
-        <p:blipFill>
-          <a:blip r:embed="rId2"/>
-          <a:stretch>
-            <a:fillRect/>
-          </a:stretch>
-        </p:blipFill>
-        <p:spPr>
-          <a:xfrm>
-            <a:off x="5159829" y="1925951"/>
-            <a:ext cx="6516914" cy="2098954"/>
-          </a:xfrm>
-          <a:prstGeom prst="rect">
-            <a:avLst/>
-          </a:prstGeom>
-          <a:ln w="38100" cap="sq">
-            <a:solidFill>
-              <a:srgbClr val="000000"/>
-            </a:solidFill>
-            <a:prstDash val="solid"/>
-            <a:miter lim="800000"/>
-          </a:ln>
-          <a:effectLst>
-            <a:outerShdw blurRad="50800" dist="38100" dir="2700000" algn="tl" rotWithShape="0">
-              <a:srgbClr val="000000">
-                <a:alpha val="43000"/>
-              </a:srgbClr>
-            </a:outerShdw>
-          </a:effectLst>
-        </p:spPr>
-      </p:pic>
-    </p:spTree>
-    <p:extLst>
-      <p:ext uri="{BB962C8B-B14F-4D97-AF65-F5344CB8AC3E}">
-        <p14:creationId xmlns:p14="http://schemas.microsoft.com/office/powerpoint/2010/main" val="1196802658"/>
-      </p:ext>
-    </p:extLst>
-  </p:cSld>
-  <p:clrMapOvr>
-    <a:masterClrMapping/>
-  </p:clrMapOvr>
-</p:sld>
-</file>
-
-<file path=ppt/slides/slide8.xml><?xml version="1.0" encoding="utf-8"?>
+<file path=ppt/slides/slide10.xml><?xml version="1.0" encoding="utf-8"?>
 <p:sld xmlns:a="http://schemas.openxmlformats.org/drawingml/2006/main" xmlns:r="http://schemas.openxmlformats.org/officeDocument/2006/relationships" xmlns:p="http://schemas.openxmlformats.org/presentationml/2006/main">
   <p:cSld>
     <p:bg>
@@ -16024,7 +17633,7 @@
         <p:spPr>
           <a:xfrm>
             <a:off x="838200" y="557189"/>
-            <a:ext cx="3374136" cy="5567891"/>
+            <a:ext cx="4048472" cy="5567891"/>
           </a:xfrm>
         </p:spPr>
         <p:txBody>
@@ -16037,7 +17646,7 @@
               <a:rPr lang="en-US" sz="5200">
                 <a:cs typeface="Calibri Light"/>
               </a:rPr>
-              <a:t>Solution</a:t>
+              <a:t>Improvements</a:t>
             </a:r>
           </a:p>
         </p:txBody>
@@ -16056,16 +17665,11 @@
           </p:cNvGraphicFramePr>
           <p:nvPr>
             <p:ph idx="1"/>
-            <p:extLst>
-              <p:ext uri="{D42A27DB-BD31-4B8C-83A1-F6EECF244321}">
-                <p14:modId xmlns:p14="http://schemas.microsoft.com/office/powerpoint/2010/main" val="998740233"/>
-              </p:ext>
-            </p:extLst>
           </p:nvPr>
         </p:nvGraphicFramePr>
         <p:xfrm>
           <a:off x="5093208" y="620392"/>
-          <a:ext cx="6263640" cy="5504688"/>
+          <a:ext cx="6344560" cy="5504688"/>
         </p:xfrm>
         <a:graphic>
           <a:graphicData uri="http://schemas.openxmlformats.org/drawingml/2006/diagram">
@@ -16076,7 +17680,7 @@
     </p:spTree>
     <p:extLst>
       <p:ext uri="{BB962C8B-B14F-4D97-AF65-F5344CB8AC3E}">
-        <p14:creationId xmlns:p14="http://schemas.microsoft.com/office/powerpoint/2010/main" val="3580015431"/>
+        <p14:creationId xmlns:p14="http://schemas.microsoft.com/office/powerpoint/2010/main" val="1589297945"/>
       </p:ext>
     </p:extLst>
   </p:cSld>
@@ -16086,7 +17690,7 @@
 </p:sld>
 </file>
 
-<file path=ppt/slides/slide9.xml><?xml version="1.0" encoding="utf-8"?>
+<file path=ppt/slides/slide11.xml><?xml version="1.0" encoding="utf-8"?>
 <p:sld xmlns:a="http://schemas.openxmlformats.org/drawingml/2006/main" xmlns:r="http://schemas.openxmlformats.org/officeDocument/2006/relationships" xmlns:p="http://schemas.openxmlformats.org/presentationml/2006/main">
   <p:cSld>
     <p:bg>
@@ -17058,6 +18662,2144 @@
 </p:sld>
 </file>
 
+<file path=ppt/slides/slide2.xml><?xml version="1.0" encoding="utf-8"?>
+<p:sld xmlns:a="http://schemas.openxmlformats.org/drawingml/2006/main" xmlns:r="http://schemas.openxmlformats.org/officeDocument/2006/relationships" xmlns:p="http://schemas.openxmlformats.org/presentationml/2006/main">
+  <p:cSld>
+    <p:bg>
+      <p:bgPr>
+        <a:solidFill>
+          <a:schemeClr val="bg1"/>
+        </a:solidFill>
+        <a:effectLst/>
+      </p:bgPr>
+    </p:bg>
+    <p:spTree>
+      <p:nvGrpSpPr>
+        <p:cNvPr id="1" name=""/>
+        <p:cNvGrpSpPr/>
+        <p:nvPr/>
+      </p:nvGrpSpPr>
+      <p:grpSpPr>
+        <a:xfrm>
+          <a:off x="0" y="0"/>
+          <a:ext cx="0" cy="0"/>
+          <a:chOff x="0" y="0"/>
+          <a:chExt cx="0" cy="0"/>
+        </a:xfrm>
+      </p:grpSpPr>
+      <p:sp useBgFill="1">
+        <p:nvSpPr>
+          <p:cNvPr id="23" name="Rectangle 22">
+            <a:extLst>
+              <a:ext uri="{FF2B5EF4-FFF2-40B4-BE49-F238E27FC236}">
+                <a16:creationId xmlns:a16="http://schemas.microsoft.com/office/drawing/2014/main" id="{DCC231C8-C761-4B31-9B1C-C6D19248C6B3}"/>
+              </a:ext>
+              <a:ext uri="{C183D7F6-B498-43B3-948B-1728B52AA6E4}">
+                <adec:decorative xmlns:adec="http://schemas.microsoft.com/office/drawing/2017/decorative" val="1"/>
+              </a:ext>
+            </a:extLst>
+          </p:cNvPr>
+          <p:cNvSpPr>
+            <a:spLocks noGrp="1" noRot="1" noChangeAspect="1" noMove="1" noResize="1" noEditPoints="1" noAdjustHandles="1" noChangeArrowheads="1" noChangeShapeType="1" noTextEdit="1"/>
+          </p:cNvSpPr>
+          <p:nvPr>
+            <p:extLst>
+              <p:ext uri="{386F3935-93C4-4BCD-93E2-E3B085C9AB24}">
+                <p16:designElem xmlns:p16="http://schemas.microsoft.com/office/powerpoint/2015/main" val="1"/>
+              </p:ext>
+            </p:extLst>
+          </p:nvPr>
+        </p:nvSpPr>
+        <p:spPr>
+          <a:xfrm>
+            <a:off x="-1" y="0"/>
+            <a:ext cx="12188952" cy="6858000"/>
+          </a:xfrm>
+          <a:prstGeom prst="rect">
+            <a:avLst/>
+          </a:prstGeom>
+          <a:ln>
+            <a:noFill/>
+          </a:ln>
+        </p:spPr>
+        <p:style>
+          <a:lnRef idx="2">
+            <a:schemeClr val="accent1">
+              <a:shade val="50000"/>
+            </a:schemeClr>
+          </a:lnRef>
+          <a:fillRef idx="1">
+            <a:schemeClr val="accent1"/>
+          </a:fillRef>
+          <a:effectRef idx="0">
+            <a:schemeClr val="accent1"/>
+          </a:effectRef>
+          <a:fontRef idx="minor">
+            <a:schemeClr val="lt1"/>
+          </a:fontRef>
+        </p:style>
+        <p:txBody>
+          <a:bodyPr rtlCol="0" anchor="ctr"/>
+          <a:lstStyle/>
+          <a:p>
+            <a:pPr algn="ctr"/>
+            <a:endParaRPr lang="en-US"/>
+          </a:p>
+        </p:txBody>
+      </p:sp>
+      <p:sp>
+        <p:nvSpPr>
+          <p:cNvPr id="2" name="Title 1">
+            <a:extLst>
+              <a:ext uri="{FF2B5EF4-FFF2-40B4-BE49-F238E27FC236}">
+                <a16:creationId xmlns:a16="http://schemas.microsoft.com/office/drawing/2014/main" id="{9FD6849F-B9CF-40CD-9C5C-F9FC617294D1}"/>
+              </a:ext>
+            </a:extLst>
+          </p:cNvPr>
+          <p:cNvSpPr>
+            <a:spLocks noGrp="1"/>
+          </p:cNvSpPr>
+          <p:nvPr>
+            <p:ph type="title"/>
+          </p:nvPr>
+        </p:nvSpPr>
+        <p:spPr>
+          <a:xfrm>
+            <a:off x="838200" y="557189"/>
+            <a:ext cx="3374136" cy="5567891"/>
+          </a:xfrm>
+        </p:spPr>
+        <p:txBody>
+          <a:bodyPr>
+            <a:normAutofit/>
+          </a:bodyPr>
+          <a:lstStyle/>
+          <a:p>
+            <a:r>
+              <a:rPr lang="en-US" sz="5200">
+                <a:cs typeface="Calibri Light"/>
+              </a:rPr>
+              <a:t>Use Case</a:t>
+            </a:r>
+            <a:endParaRPr lang="en-US" sz="5200"/>
+          </a:p>
+        </p:txBody>
+      </p:sp>
+      <p:graphicFrame>
+        <p:nvGraphicFramePr>
+          <p:cNvPr id="8" name="Content Placeholder 2">
+            <a:extLst>
+              <a:ext uri="{FF2B5EF4-FFF2-40B4-BE49-F238E27FC236}">
+                <a16:creationId xmlns:a16="http://schemas.microsoft.com/office/drawing/2014/main" id="{FFF18E28-1603-43A9-8F8C-F82189067457}"/>
+              </a:ext>
+            </a:extLst>
+          </p:cNvPr>
+          <p:cNvGraphicFramePr>
+            <a:graphicFrameLocks noGrp="1"/>
+          </p:cNvGraphicFramePr>
+          <p:nvPr>
+            <p:ph idx="1"/>
+            <p:extLst>
+              <p:ext uri="{D42A27DB-BD31-4B8C-83A1-F6EECF244321}">
+                <p14:modId xmlns:p14="http://schemas.microsoft.com/office/powerpoint/2010/main" val="375829481"/>
+              </p:ext>
+            </p:extLst>
+          </p:nvPr>
+        </p:nvGraphicFramePr>
+        <p:xfrm>
+          <a:off x="5093208" y="620392"/>
+          <a:ext cx="6263640" cy="5504688"/>
+        </p:xfrm>
+        <a:graphic>
+          <a:graphicData uri="http://schemas.openxmlformats.org/drawingml/2006/diagram">
+            <dgm:relIds xmlns:dgm="http://schemas.openxmlformats.org/drawingml/2006/diagram" xmlns:r="http://schemas.openxmlformats.org/officeDocument/2006/relationships" r:dm="rId2" r:lo="rId3" r:qs="rId4" r:cs="rId5"/>
+          </a:graphicData>
+        </a:graphic>
+      </p:graphicFrame>
+    </p:spTree>
+    <p:extLst>
+      <p:ext uri="{BB962C8B-B14F-4D97-AF65-F5344CB8AC3E}">
+        <p14:creationId xmlns:p14="http://schemas.microsoft.com/office/powerpoint/2010/main" val="1890399864"/>
+      </p:ext>
+    </p:extLst>
+  </p:cSld>
+  <p:clrMapOvr>
+    <a:masterClrMapping/>
+  </p:clrMapOvr>
+</p:sld>
+</file>
+
+<file path=ppt/slides/slide3.xml><?xml version="1.0" encoding="utf-8"?>
+<p:sld xmlns:a="http://schemas.openxmlformats.org/drawingml/2006/main" xmlns:r="http://schemas.openxmlformats.org/officeDocument/2006/relationships" xmlns:p="http://schemas.openxmlformats.org/presentationml/2006/main">
+  <p:cSld>
+    <p:bg>
+      <p:bgPr>
+        <a:solidFill>
+          <a:schemeClr val="bg1"/>
+        </a:solidFill>
+        <a:effectLst/>
+      </p:bgPr>
+    </p:bg>
+    <p:spTree>
+      <p:nvGrpSpPr>
+        <p:cNvPr id="1" name=""/>
+        <p:cNvGrpSpPr/>
+        <p:nvPr/>
+      </p:nvGrpSpPr>
+      <p:grpSpPr>
+        <a:xfrm>
+          <a:off x="0" y="0"/>
+          <a:ext cx="0" cy="0"/>
+          <a:chOff x="0" y="0"/>
+          <a:chExt cx="0" cy="0"/>
+        </a:xfrm>
+      </p:grpSpPr>
+      <p:sp useBgFill="1">
+        <p:nvSpPr>
+          <p:cNvPr id="24" name="Rectangle 23">
+            <a:extLst>
+              <a:ext uri="{FF2B5EF4-FFF2-40B4-BE49-F238E27FC236}">
+                <a16:creationId xmlns:a16="http://schemas.microsoft.com/office/drawing/2014/main" id="{DCC231C8-C761-4B31-9B1C-C6D19248C6B3}"/>
+              </a:ext>
+              <a:ext uri="{C183D7F6-B498-43B3-948B-1728B52AA6E4}">
+                <adec:decorative xmlns:adec="http://schemas.microsoft.com/office/drawing/2017/decorative" val="1"/>
+              </a:ext>
+            </a:extLst>
+          </p:cNvPr>
+          <p:cNvSpPr>
+            <a:spLocks noGrp="1" noRot="1" noChangeAspect="1" noMove="1" noResize="1" noEditPoints="1" noAdjustHandles="1" noChangeArrowheads="1" noChangeShapeType="1" noTextEdit="1"/>
+          </p:cNvSpPr>
+          <p:nvPr>
+            <p:extLst>
+              <p:ext uri="{386F3935-93C4-4BCD-93E2-E3B085C9AB24}">
+                <p16:designElem xmlns:p16="http://schemas.microsoft.com/office/powerpoint/2015/main" val="1"/>
+              </p:ext>
+            </p:extLst>
+          </p:nvPr>
+        </p:nvSpPr>
+        <p:spPr>
+          <a:xfrm>
+            <a:off x="-1" y="0"/>
+            <a:ext cx="12188952" cy="6858000"/>
+          </a:xfrm>
+          <a:prstGeom prst="rect">
+            <a:avLst/>
+          </a:prstGeom>
+          <a:ln>
+            <a:noFill/>
+          </a:ln>
+        </p:spPr>
+        <p:style>
+          <a:lnRef idx="2">
+            <a:schemeClr val="accent1">
+              <a:shade val="50000"/>
+            </a:schemeClr>
+          </a:lnRef>
+          <a:fillRef idx="1">
+            <a:schemeClr val="accent1"/>
+          </a:fillRef>
+          <a:effectRef idx="0">
+            <a:schemeClr val="accent1"/>
+          </a:effectRef>
+          <a:fontRef idx="minor">
+            <a:schemeClr val="lt1"/>
+          </a:fontRef>
+        </p:style>
+        <p:txBody>
+          <a:bodyPr rtlCol="0" anchor="ctr"/>
+          <a:lstStyle/>
+          <a:p>
+            <a:pPr algn="ctr"/>
+            <a:endParaRPr lang="en-US"/>
+          </a:p>
+        </p:txBody>
+      </p:sp>
+      <p:sp>
+        <p:nvSpPr>
+          <p:cNvPr id="2" name="Title 1">
+            <a:extLst>
+              <a:ext uri="{FF2B5EF4-FFF2-40B4-BE49-F238E27FC236}">
+                <a16:creationId xmlns:a16="http://schemas.microsoft.com/office/drawing/2014/main" id="{9FD6849F-B9CF-40CD-9C5C-F9FC617294D1}"/>
+              </a:ext>
+            </a:extLst>
+          </p:cNvPr>
+          <p:cNvSpPr>
+            <a:spLocks noGrp="1"/>
+          </p:cNvSpPr>
+          <p:nvPr>
+            <p:ph type="title"/>
+          </p:nvPr>
+        </p:nvSpPr>
+        <p:spPr>
+          <a:xfrm>
+            <a:off x="838200" y="557189"/>
+            <a:ext cx="3374136" cy="5567891"/>
+          </a:xfrm>
+        </p:spPr>
+        <p:txBody>
+          <a:bodyPr>
+            <a:normAutofit/>
+          </a:bodyPr>
+          <a:lstStyle/>
+          <a:p>
+            <a:r>
+              <a:rPr lang="en-US" sz="5200" dirty="0">
+                <a:cs typeface="Calibri Light"/>
+              </a:rPr>
+              <a:t>Overview</a:t>
+            </a:r>
+            <a:endParaRPr lang="en-US" sz="5200" dirty="0"/>
+          </a:p>
+        </p:txBody>
+      </p:sp>
+      <p:graphicFrame>
+        <p:nvGraphicFramePr>
+          <p:cNvPr id="6" name="Content Placeholder 2">
+            <a:extLst>
+              <a:ext uri="{FF2B5EF4-FFF2-40B4-BE49-F238E27FC236}">
+                <a16:creationId xmlns:a16="http://schemas.microsoft.com/office/drawing/2014/main" id="{E054DC03-A075-4866-8390-650FEFE735BA}"/>
+              </a:ext>
+            </a:extLst>
+          </p:cNvPr>
+          <p:cNvGraphicFramePr>
+            <a:graphicFrameLocks noGrp="1"/>
+          </p:cNvGraphicFramePr>
+          <p:nvPr>
+            <p:ph idx="1"/>
+            <p:extLst>
+              <p:ext uri="{D42A27DB-BD31-4B8C-83A1-F6EECF244321}">
+                <p14:modId xmlns:p14="http://schemas.microsoft.com/office/powerpoint/2010/main" val="666534325"/>
+              </p:ext>
+            </p:extLst>
+          </p:nvPr>
+        </p:nvGraphicFramePr>
+        <p:xfrm>
+          <a:off x="5093208" y="620392"/>
+          <a:ext cx="6263640" cy="5504688"/>
+        </p:xfrm>
+        <a:graphic>
+          <a:graphicData uri="http://schemas.openxmlformats.org/drawingml/2006/diagram">
+            <dgm:relIds xmlns:dgm="http://schemas.openxmlformats.org/drawingml/2006/diagram" xmlns:r="http://schemas.openxmlformats.org/officeDocument/2006/relationships" r:dm="rId2" r:lo="rId3" r:qs="rId4" r:cs="rId5"/>
+          </a:graphicData>
+        </a:graphic>
+      </p:graphicFrame>
+    </p:spTree>
+    <p:extLst>
+      <p:ext uri="{BB962C8B-B14F-4D97-AF65-F5344CB8AC3E}">
+        <p14:creationId xmlns:p14="http://schemas.microsoft.com/office/powerpoint/2010/main" val="2397687767"/>
+      </p:ext>
+    </p:extLst>
+  </p:cSld>
+  <p:clrMapOvr>
+    <a:masterClrMapping/>
+  </p:clrMapOvr>
+</p:sld>
+</file>
+
+<file path=ppt/slides/slide4.xml><?xml version="1.0" encoding="utf-8"?>
+<p:sld xmlns:a="http://schemas.openxmlformats.org/drawingml/2006/main" xmlns:r="http://schemas.openxmlformats.org/officeDocument/2006/relationships" xmlns:p="http://schemas.openxmlformats.org/presentationml/2006/main">
+  <p:cSld>
+    <p:bg>
+      <p:bgPr>
+        <a:solidFill>
+          <a:schemeClr val="bg1"/>
+        </a:solidFill>
+        <a:effectLst/>
+      </p:bgPr>
+    </p:bg>
+    <p:spTree>
+      <p:nvGrpSpPr>
+        <p:cNvPr id="1" name=""/>
+        <p:cNvGrpSpPr/>
+        <p:nvPr/>
+      </p:nvGrpSpPr>
+      <p:grpSpPr>
+        <a:xfrm>
+          <a:off x="0" y="0"/>
+          <a:ext cx="0" cy="0"/>
+          <a:chOff x="0" y="0"/>
+          <a:chExt cx="0" cy="0"/>
+        </a:xfrm>
+      </p:grpSpPr>
+      <p:pic>
+        <p:nvPicPr>
+          <p:cNvPr id="6" name="Picture 6" descr="Text&#10;&#10;Description automatically generated">
+            <a:extLst>
+              <a:ext uri="{FF2B5EF4-FFF2-40B4-BE49-F238E27FC236}">
+                <a16:creationId xmlns:a16="http://schemas.microsoft.com/office/drawing/2014/main" id="{C65E0543-6C96-4837-AF04-FF12ACB61A58}"/>
+              </a:ext>
+            </a:extLst>
+          </p:cNvPr>
+          <p:cNvPicPr>
+            <a:picLocks noChangeAspect="1"/>
+          </p:cNvPicPr>
+          <p:nvPr/>
+        </p:nvPicPr>
+        <p:blipFill>
+          <a:blip r:embed="rId2"/>
+          <a:stretch>
+            <a:fillRect/>
+          </a:stretch>
+        </p:blipFill>
+        <p:spPr>
+          <a:xfrm>
+            <a:off x="6537325" y="1916113"/>
+            <a:ext cx="3670300" cy="4040188"/>
+          </a:xfrm>
+          <a:prstGeom prst="rect">
+            <a:avLst/>
+          </a:prstGeom>
+          <a:ln w="38100" cap="sq">
+            <a:solidFill>
+              <a:srgbClr val="000000"/>
+            </a:solidFill>
+            <a:prstDash val="solid"/>
+            <a:miter lim="800000"/>
+          </a:ln>
+          <a:effectLst>
+            <a:outerShdw blurRad="50800" dist="38100" dir="2700000" algn="tl" rotWithShape="0">
+              <a:srgbClr val="000000">
+                <a:alpha val="43000"/>
+              </a:srgbClr>
+            </a:outerShdw>
+          </a:effectLst>
+        </p:spPr>
+      </p:pic>
+      <p:sp>
+        <p:nvSpPr>
+          <p:cNvPr id="7" name="TextBox 6">
+            <a:extLst>
+              <a:ext uri="{FF2B5EF4-FFF2-40B4-BE49-F238E27FC236}">
+                <a16:creationId xmlns:a16="http://schemas.microsoft.com/office/drawing/2014/main" id="{DEC6709A-7CD4-407B-ABAA-578D4588D693}"/>
+              </a:ext>
+            </a:extLst>
+          </p:cNvPr>
+          <p:cNvSpPr txBox="1"/>
+          <p:nvPr/>
+        </p:nvSpPr>
+        <p:spPr>
+          <a:xfrm>
+            <a:off x="6537325" y="1185863"/>
+            <a:ext cx="3670300" cy="496888"/>
+          </a:xfrm>
+          <a:prstGeom prst="rect">
+            <a:avLst/>
+          </a:prstGeom>
+          <a:ln/>
+        </p:spPr>
+        <p:style>
+          <a:lnRef idx="1">
+            <a:schemeClr val="accent6"/>
+          </a:lnRef>
+          <a:fillRef idx="3">
+            <a:schemeClr val="accent6"/>
+          </a:fillRef>
+          <a:effectRef idx="2">
+            <a:schemeClr val="accent6"/>
+          </a:effectRef>
+          <a:fontRef idx="minor">
+            <a:schemeClr val="lt1"/>
+          </a:fontRef>
+        </p:style>
+        <p:txBody>
+          <a:bodyPr rot="0" spcFirstLastPara="0" vertOverflow="overflow" horzOverflow="overflow" vert="horz" wrap="square" lIns="91440" tIns="45720" rIns="91440" bIns="45720" numCol="1" spcCol="0" rtlCol="0" fromWordArt="0" anchor="ctr" anchorCtr="0" forceAA="0" compatLnSpc="1">
+            <a:prstTxWarp prst="textNoShape">
+              <a:avLst/>
+            </a:prstTxWarp>
+            <a:noAutofit/>
+          </a:bodyPr>
+          <a:lstStyle/>
+          <a:p>
+            <a:pPr algn="ctr">
+              <a:spcAft>
+                <a:spcPts val="600"/>
+              </a:spcAft>
+            </a:pPr>
+            <a:r>
+              <a:rPr lang="en-US" sz="1300" b="1">
+                <a:solidFill>
+                  <a:srgbClr val="FFFFFF"/>
+                </a:solidFill>
+                <a:ea typeface="+mn-lt"/>
+                <a:cs typeface="+mn-lt"/>
+              </a:rPr>
+              <a:t>Most Visited Pages</a:t>
+            </a:r>
+            <a:endParaRPr lang="en-US" sz="1300" b="1">
+              <a:solidFill>
+                <a:srgbClr val="FFFFFF"/>
+              </a:solidFill>
+              <a:cs typeface="Calibri"/>
+            </a:endParaRPr>
+          </a:p>
+        </p:txBody>
+      </p:sp>
+      <p:sp>
+        <p:nvSpPr>
+          <p:cNvPr id="13" name="Content Placeholder 12">
+            <a:extLst>
+              <a:ext uri="{FF2B5EF4-FFF2-40B4-BE49-F238E27FC236}">
+                <a16:creationId xmlns:a16="http://schemas.microsoft.com/office/drawing/2014/main" id="{317786DC-70E9-4433-A03C-C8DDF221C259}"/>
+              </a:ext>
+            </a:extLst>
+          </p:cNvPr>
+          <p:cNvSpPr>
+            <a:spLocks noGrp="1"/>
+          </p:cNvSpPr>
+          <p:nvPr>
+            <p:ph type="body" sz="half" idx="2"/>
+          </p:nvPr>
+        </p:nvSpPr>
+        <p:spPr/>
+        <p:txBody>
+          <a:bodyPr vert="horz" lIns="91440" tIns="45720" rIns="91440" bIns="45720" rtlCol="0" anchor="t">
+            <a:normAutofit/>
+          </a:bodyPr>
+          <a:lstStyle/>
+          <a:p>
+            <a:pPr marL="0" indent="0">
+              <a:buNone/>
+            </a:pPr>
+            <a:r>
+              <a:rPr lang="en-US" dirty="0">
+                <a:ea typeface="+mn-lt"/>
+                <a:cs typeface="+mn-lt"/>
+              </a:rPr>
+              <a:t>  </a:t>
+            </a:r>
+            <a:endParaRPr lang="en-US">
+              <a:cs typeface="Calibri" panose="020F0502020204030204"/>
+            </a:endParaRPr>
+          </a:p>
+        </p:txBody>
+      </p:sp>
+      <p:sp>
+        <p:nvSpPr>
+          <p:cNvPr id="26" name="Title 1">
+            <a:extLst>
+              <a:ext uri="{FF2B5EF4-FFF2-40B4-BE49-F238E27FC236}">
+                <a16:creationId xmlns:a16="http://schemas.microsoft.com/office/drawing/2014/main" id="{3757740F-55B7-4EE7-868A-E07F45BB5711}"/>
+              </a:ext>
+            </a:extLst>
+          </p:cNvPr>
+          <p:cNvSpPr txBox="1">
+            <a:spLocks/>
+          </p:cNvSpPr>
+          <p:nvPr/>
+        </p:nvSpPr>
+        <p:spPr>
+          <a:xfrm>
+            <a:off x="838200" y="557189"/>
+            <a:ext cx="3374136" cy="5567891"/>
+          </a:xfrm>
+          <a:prstGeom prst="rect">
+            <a:avLst/>
+          </a:prstGeom>
+        </p:spPr>
+        <p:txBody>
+          <a:bodyPr vert="horz" lIns="91440" tIns="45720" rIns="91440" bIns="45720" rtlCol="0" anchor="b">
+            <a:normAutofit/>
+          </a:bodyPr>
+          <a:lstStyle>
+            <a:lvl1pPr algn="l" defTabSz="914400" rtl="0" eaLnBrk="1" latinLnBrk="0" hangingPunct="1">
+              <a:lnSpc>
+                <a:spcPct val="90000"/>
+              </a:lnSpc>
+              <a:spcBef>
+                <a:spcPct val="0"/>
+              </a:spcBef>
+              <a:buNone/>
+              <a:defRPr sz="3200" kern="1200">
+                <a:solidFill>
+                  <a:schemeClr val="tx1"/>
+                </a:solidFill>
+                <a:latin typeface="+mj-lt"/>
+                <a:ea typeface="+mj-ea"/>
+                <a:cs typeface="+mj-cs"/>
+              </a:defRPr>
+            </a:lvl1pPr>
+          </a:lstStyle>
+          <a:p>
+            <a:r>
+              <a:rPr lang="en-US" sz="5200">
+                <a:ea typeface="+mj-lt"/>
+                <a:cs typeface="+mj-lt"/>
+              </a:rPr>
+              <a:t>Additional </a:t>
+            </a:r>
+            <a:br>
+              <a:rPr lang="en-US" sz="5200" dirty="0">
+                <a:ea typeface="+mj-lt"/>
+                <a:cs typeface="+mj-lt"/>
+              </a:rPr>
+            </a:br>
+            <a:r>
+              <a:rPr lang="en-US" sz="5200">
+                <a:ea typeface="+mj-lt"/>
+                <a:cs typeface="+mj-lt"/>
+              </a:rPr>
+              <a:t>Insights</a:t>
+            </a:r>
+            <a:endParaRPr lang="en-US">
+              <a:ea typeface="+mj-lt"/>
+              <a:cs typeface="+mj-lt"/>
+            </a:endParaRPr>
+          </a:p>
+          <a:p>
+            <a:endParaRPr lang="en-US" sz="5200" dirty="0">
+              <a:ea typeface="+mj-lt"/>
+              <a:cs typeface="+mj-lt"/>
+            </a:endParaRPr>
+          </a:p>
+          <a:p>
+            <a:pPr marL="285750" indent="-285750">
+              <a:lnSpc>
+                <a:spcPct val="100000"/>
+              </a:lnSpc>
+              <a:spcBef>
+                <a:spcPts val="0"/>
+              </a:spcBef>
+              <a:buFont typeface="Arial,Sans-Serif"/>
+              <a:buChar char="•"/>
+            </a:pPr>
+            <a:r>
+              <a:rPr lang="en-US" sz="2800">
+                <a:ea typeface="+mj-lt"/>
+                <a:cs typeface="+mj-lt"/>
+              </a:rPr>
+              <a:t>Most visited pages by Ip's </a:t>
+            </a:r>
+          </a:p>
+          <a:p>
+            <a:pPr marL="285750" indent="-285750">
+              <a:lnSpc>
+                <a:spcPct val="100000"/>
+              </a:lnSpc>
+              <a:spcBef>
+                <a:spcPts val="0"/>
+              </a:spcBef>
+              <a:buFont typeface="Arial,Sans-Serif"/>
+              <a:buChar char="•"/>
+            </a:pPr>
+            <a:r>
+              <a:rPr lang="en-US" sz="2800">
+                <a:ea typeface="+mj-lt"/>
+                <a:cs typeface="+mj-lt"/>
+              </a:rPr>
+              <a:t>Can help identify pages for advertisements</a:t>
+            </a:r>
+            <a:endParaRPr lang="en-US" sz="2800" dirty="0">
+              <a:ea typeface="+mj-lt"/>
+              <a:cs typeface="+mj-lt"/>
+            </a:endParaRPr>
+          </a:p>
+          <a:p>
+            <a:endParaRPr lang="en-US" sz="5200" dirty="0">
+              <a:cs typeface="Calibri Light"/>
+            </a:endParaRPr>
+          </a:p>
+        </p:txBody>
+      </p:sp>
+    </p:spTree>
+    <p:extLst>
+      <p:ext uri="{BB962C8B-B14F-4D97-AF65-F5344CB8AC3E}">
+        <p14:creationId xmlns:p14="http://schemas.microsoft.com/office/powerpoint/2010/main" val="3177800549"/>
+      </p:ext>
+    </p:extLst>
+  </p:cSld>
+  <p:clrMapOvr>
+    <a:masterClrMapping/>
+  </p:clrMapOvr>
+</p:sld>
+</file>
+
+<file path=ppt/slides/slide5.xml><?xml version="1.0" encoding="utf-8"?>
+<p:sld xmlns:a="http://schemas.openxmlformats.org/drawingml/2006/main" xmlns:r="http://schemas.openxmlformats.org/officeDocument/2006/relationships" xmlns:p="http://schemas.openxmlformats.org/presentationml/2006/main">
+  <p:cSld>
+    <p:bg>
+      <p:bgPr>
+        <a:solidFill>
+          <a:schemeClr val="bg1"/>
+        </a:solidFill>
+        <a:effectLst/>
+      </p:bgPr>
+    </p:bg>
+    <p:spTree>
+      <p:nvGrpSpPr>
+        <p:cNvPr id="1" name=""/>
+        <p:cNvGrpSpPr/>
+        <p:nvPr/>
+      </p:nvGrpSpPr>
+      <p:grpSpPr>
+        <a:xfrm>
+          <a:off x="0" y="0"/>
+          <a:ext cx="0" cy="0"/>
+          <a:chOff x="0" y="0"/>
+          <a:chExt cx="0" cy="0"/>
+        </a:xfrm>
+      </p:grpSpPr>
+      <p:sp>
+        <p:nvSpPr>
+          <p:cNvPr id="7" name="TextBox 6">
+            <a:extLst>
+              <a:ext uri="{FF2B5EF4-FFF2-40B4-BE49-F238E27FC236}">
+                <a16:creationId xmlns:a16="http://schemas.microsoft.com/office/drawing/2014/main" id="{DEC6709A-7CD4-407B-ABAA-578D4588D693}"/>
+              </a:ext>
+            </a:extLst>
+          </p:cNvPr>
+          <p:cNvSpPr txBox="1"/>
+          <p:nvPr/>
+        </p:nvSpPr>
+        <p:spPr>
+          <a:xfrm>
+            <a:off x="6537325" y="1200377"/>
+            <a:ext cx="3670300" cy="496888"/>
+          </a:xfrm>
+          <a:prstGeom prst="rect">
+            <a:avLst/>
+          </a:prstGeom>
+          <a:solidFill>
+            <a:schemeClr val="accent6"/>
+          </a:solidFill>
+          <a:ln/>
+        </p:spPr>
+        <p:style>
+          <a:lnRef idx="1">
+            <a:schemeClr val="accent6"/>
+          </a:lnRef>
+          <a:fillRef idx="3">
+            <a:schemeClr val="accent6"/>
+          </a:fillRef>
+          <a:effectRef idx="2">
+            <a:schemeClr val="accent6"/>
+          </a:effectRef>
+          <a:fontRef idx="minor">
+            <a:schemeClr val="lt1"/>
+          </a:fontRef>
+        </p:style>
+        <p:txBody>
+          <a:bodyPr rot="0" spcFirstLastPara="0" vertOverflow="overflow" horzOverflow="overflow" vert="horz" wrap="square" lIns="91440" tIns="45720" rIns="91440" bIns="45720" numCol="1" spcCol="0" rtlCol="0" fromWordArt="0" anchor="ctr" anchorCtr="0" forceAA="0" compatLnSpc="1">
+            <a:prstTxWarp prst="textNoShape">
+              <a:avLst/>
+            </a:prstTxWarp>
+            <a:noAutofit/>
+          </a:bodyPr>
+          <a:lstStyle/>
+          <a:p>
+            <a:pPr algn="ctr"/>
+            <a:r>
+              <a:rPr lang="en-US" sz="1300" b="1">
+                <a:solidFill>
+                  <a:srgbClr val="FFFFFF"/>
+                </a:solidFill>
+                <a:ea typeface="+mn-lt"/>
+                <a:cs typeface="+mn-lt"/>
+              </a:rPr>
+              <a:t>Potential Buyers</a:t>
+            </a:r>
+            <a:endParaRPr lang="en-US" sz="1300">
+              <a:ea typeface="+mn-lt"/>
+              <a:cs typeface="+mn-lt"/>
+            </a:endParaRPr>
+          </a:p>
+        </p:txBody>
+      </p:sp>
+      <p:sp>
+        <p:nvSpPr>
+          <p:cNvPr id="13" name="Content Placeholder 12">
+            <a:extLst>
+              <a:ext uri="{FF2B5EF4-FFF2-40B4-BE49-F238E27FC236}">
+                <a16:creationId xmlns:a16="http://schemas.microsoft.com/office/drawing/2014/main" id="{317786DC-70E9-4433-A03C-C8DDF221C259}"/>
+              </a:ext>
+            </a:extLst>
+          </p:cNvPr>
+          <p:cNvSpPr>
+            <a:spLocks noGrp="1"/>
+          </p:cNvSpPr>
+          <p:nvPr>
+            <p:ph type="body" sz="half" idx="2"/>
+          </p:nvPr>
+        </p:nvSpPr>
+        <p:spPr/>
+        <p:txBody>
+          <a:bodyPr vert="horz" lIns="91440" tIns="45720" rIns="91440" bIns="45720" rtlCol="0" anchor="t">
+            <a:normAutofit/>
+          </a:bodyPr>
+          <a:lstStyle/>
+          <a:p>
+            <a:pPr marL="0" indent="0">
+              <a:buNone/>
+            </a:pPr>
+            <a:r>
+              <a:rPr lang="en-US" dirty="0">
+                <a:ea typeface="+mn-lt"/>
+                <a:cs typeface="+mn-lt"/>
+              </a:rPr>
+              <a:t>  </a:t>
+            </a:r>
+            <a:endParaRPr lang="en-US">
+              <a:cs typeface="Calibri" panose="020F0502020204030204"/>
+            </a:endParaRPr>
+          </a:p>
+        </p:txBody>
+      </p:sp>
+      <p:sp>
+        <p:nvSpPr>
+          <p:cNvPr id="26" name="Title 1">
+            <a:extLst>
+              <a:ext uri="{FF2B5EF4-FFF2-40B4-BE49-F238E27FC236}">
+                <a16:creationId xmlns:a16="http://schemas.microsoft.com/office/drawing/2014/main" id="{3757740F-55B7-4EE7-868A-E07F45BB5711}"/>
+              </a:ext>
+            </a:extLst>
+          </p:cNvPr>
+          <p:cNvSpPr txBox="1">
+            <a:spLocks/>
+          </p:cNvSpPr>
+          <p:nvPr/>
+        </p:nvSpPr>
+        <p:spPr>
+          <a:xfrm>
+            <a:off x="838200" y="557189"/>
+            <a:ext cx="4819516" cy="5567891"/>
+          </a:xfrm>
+          <a:prstGeom prst="rect">
+            <a:avLst/>
+          </a:prstGeom>
+        </p:spPr>
+        <p:txBody>
+          <a:bodyPr vert="horz" lIns="91440" tIns="45720" rIns="91440" bIns="45720" rtlCol="0" anchor="b">
+            <a:normAutofit/>
+          </a:bodyPr>
+          <a:lstStyle>
+            <a:lvl1pPr algn="l" defTabSz="914400" rtl="0" eaLnBrk="1" latinLnBrk="0" hangingPunct="1">
+              <a:lnSpc>
+                <a:spcPct val="90000"/>
+              </a:lnSpc>
+              <a:spcBef>
+                <a:spcPct val="0"/>
+              </a:spcBef>
+              <a:buNone/>
+              <a:defRPr sz="3200" kern="1200">
+                <a:solidFill>
+                  <a:schemeClr val="tx1"/>
+                </a:solidFill>
+                <a:latin typeface="+mj-lt"/>
+                <a:ea typeface="+mj-ea"/>
+                <a:cs typeface="+mj-cs"/>
+              </a:defRPr>
+            </a:lvl1pPr>
+          </a:lstStyle>
+          <a:p>
+            <a:r>
+              <a:rPr lang="en-US" sz="5200" dirty="0">
+                <a:ea typeface="+mj-lt"/>
+                <a:cs typeface="+mj-lt"/>
+              </a:rPr>
+              <a:t>Additional </a:t>
+            </a:r>
+            <a:br>
+              <a:rPr lang="en-US" sz="5200" dirty="0">
+                <a:ea typeface="+mj-lt"/>
+                <a:cs typeface="+mj-lt"/>
+              </a:rPr>
+            </a:br>
+            <a:r>
+              <a:rPr lang="en-US" sz="5200" dirty="0">
+                <a:ea typeface="+mj-lt"/>
+                <a:cs typeface="+mj-lt"/>
+              </a:rPr>
+              <a:t>Insights</a:t>
+            </a:r>
+            <a:endParaRPr lang="en-US" dirty="0">
+              <a:ea typeface="+mj-lt"/>
+              <a:cs typeface="+mj-lt"/>
+            </a:endParaRPr>
+          </a:p>
+          <a:p>
+            <a:endParaRPr lang="en-US" sz="5200" dirty="0">
+              <a:ea typeface="+mj-lt"/>
+              <a:cs typeface="+mj-lt"/>
+            </a:endParaRPr>
+          </a:p>
+          <a:p>
+            <a:pPr marL="285750" indent="-285750">
+              <a:lnSpc>
+                <a:spcPct val="100000"/>
+              </a:lnSpc>
+              <a:spcBef>
+                <a:spcPts val="0"/>
+              </a:spcBef>
+              <a:buFont typeface="Arial,Sans-Serif"/>
+              <a:buChar char="•"/>
+            </a:pPr>
+            <a:r>
+              <a:rPr lang="en-US" sz="2800" dirty="0">
+                <a:ea typeface="+mj-lt"/>
+                <a:cs typeface="+mj-lt"/>
+              </a:rPr>
+              <a:t>Ip's which viewed products or added products into cart </a:t>
+            </a:r>
+            <a:r>
+              <a:rPr lang="en-US" sz="2800">
+                <a:ea typeface="+mj-lt"/>
+                <a:cs typeface="+mj-lt"/>
+              </a:rPr>
+              <a:t>but not purchased yet </a:t>
+            </a:r>
+          </a:p>
+          <a:p>
+            <a:pPr marL="285750" indent="-285750">
+              <a:lnSpc>
+                <a:spcPct val="100000"/>
+              </a:lnSpc>
+              <a:spcBef>
+                <a:spcPts val="0"/>
+              </a:spcBef>
+              <a:buFont typeface="Arial,Sans-Serif"/>
+              <a:buChar char="•"/>
+            </a:pPr>
+            <a:r>
+              <a:rPr lang="en-US" sz="2800" dirty="0">
+                <a:ea typeface="+mj-lt"/>
+                <a:cs typeface="+mj-lt"/>
+              </a:rPr>
+              <a:t>Can help identify potential buyers</a:t>
+            </a:r>
+          </a:p>
+          <a:p>
+            <a:endParaRPr lang="en-US" sz="5200" dirty="0">
+              <a:cs typeface="Calibri Light"/>
+            </a:endParaRPr>
+          </a:p>
+        </p:txBody>
+      </p:sp>
+      <p:pic>
+        <p:nvPicPr>
+          <p:cNvPr id="2" name="Picture 1" descr="Text&#10;&#10;Description automatically generated">
+            <a:extLst>
+              <a:ext uri="{FF2B5EF4-FFF2-40B4-BE49-F238E27FC236}">
+                <a16:creationId xmlns:a16="http://schemas.microsoft.com/office/drawing/2014/main" id="{99B59876-DA81-412E-AB06-7945EB02D793}"/>
+              </a:ext>
+            </a:extLst>
+          </p:cNvPr>
+          <p:cNvPicPr>
+            <a:picLocks noChangeAspect="1"/>
+          </p:cNvPicPr>
+          <p:nvPr/>
+        </p:nvPicPr>
+        <p:blipFill>
+          <a:blip r:embed="rId2"/>
+          <a:stretch>
+            <a:fillRect/>
+          </a:stretch>
+        </p:blipFill>
+        <p:spPr>
+          <a:xfrm>
+            <a:off x="6534819" y="1894958"/>
+            <a:ext cx="3667537" cy="2438347"/>
+          </a:xfrm>
+          <a:prstGeom prst="rect">
+            <a:avLst/>
+          </a:prstGeom>
+          <a:ln w="38100" cap="sq">
+            <a:solidFill>
+              <a:srgbClr val="000000"/>
+            </a:solidFill>
+            <a:prstDash val="solid"/>
+            <a:miter lim="800000"/>
+          </a:ln>
+          <a:effectLst>
+            <a:outerShdw blurRad="50800" dist="38100" dir="2700000" algn="tl" rotWithShape="0">
+              <a:srgbClr val="000000">
+                <a:alpha val="43000"/>
+              </a:srgbClr>
+            </a:outerShdw>
+          </a:effectLst>
+        </p:spPr>
+      </p:pic>
+    </p:spTree>
+    <p:extLst>
+      <p:ext uri="{BB962C8B-B14F-4D97-AF65-F5344CB8AC3E}">
+        <p14:creationId xmlns:p14="http://schemas.microsoft.com/office/powerpoint/2010/main" val="3905969404"/>
+      </p:ext>
+    </p:extLst>
+  </p:cSld>
+  <p:clrMapOvr>
+    <a:masterClrMapping/>
+  </p:clrMapOvr>
+</p:sld>
+</file>
+
+<file path=ppt/slides/slide6.xml><?xml version="1.0" encoding="utf-8"?>
+<p:sld xmlns:a="http://schemas.openxmlformats.org/drawingml/2006/main" xmlns:r="http://schemas.openxmlformats.org/officeDocument/2006/relationships" xmlns:p="http://schemas.openxmlformats.org/presentationml/2006/main">
+  <p:cSld>
+    <p:bg>
+      <p:bgPr>
+        <a:solidFill>
+          <a:schemeClr val="bg1"/>
+        </a:solidFill>
+        <a:effectLst/>
+      </p:bgPr>
+    </p:bg>
+    <p:spTree>
+      <p:nvGrpSpPr>
+        <p:cNvPr id="1" name=""/>
+        <p:cNvGrpSpPr/>
+        <p:nvPr/>
+      </p:nvGrpSpPr>
+      <p:grpSpPr>
+        <a:xfrm>
+          <a:off x="0" y="0"/>
+          <a:ext cx="0" cy="0"/>
+          <a:chOff x="0" y="0"/>
+          <a:chExt cx="0" cy="0"/>
+        </a:xfrm>
+      </p:grpSpPr>
+      <p:sp>
+        <p:nvSpPr>
+          <p:cNvPr id="7" name="TextBox 6">
+            <a:extLst>
+              <a:ext uri="{FF2B5EF4-FFF2-40B4-BE49-F238E27FC236}">
+                <a16:creationId xmlns:a16="http://schemas.microsoft.com/office/drawing/2014/main" id="{DEC6709A-7CD4-407B-ABAA-578D4588D693}"/>
+              </a:ext>
+            </a:extLst>
+          </p:cNvPr>
+          <p:cNvSpPr txBox="1"/>
+          <p:nvPr/>
+        </p:nvSpPr>
+        <p:spPr>
+          <a:xfrm>
+            <a:off x="5260068" y="1185863"/>
+            <a:ext cx="6500585" cy="518659"/>
+          </a:xfrm>
+          <a:prstGeom prst="rect">
+            <a:avLst/>
+          </a:prstGeom>
+          <a:ln/>
+        </p:spPr>
+        <p:style>
+          <a:lnRef idx="1">
+            <a:schemeClr val="accent6"/>
+          </a:lnRef>
+          <a:fillRef idx="3">
+            <a:schemeClr val="accent6"/>
+          </a:fillRef>
+          <a:effectRef idx="2">
+            <a:schemeClr val="accent6"/>
+          </a:effectRef>
+          <a:fontRef idx="minor">
+            <a:schemeClr val="lt1"/>
+          </a:fontRef>
+        </p:style>
+        <p:txBody>
+          <a:bodyPr rot="0" spcFirstLastPara="0" vertOverflow="overflow" horzOverflow="overflow" vert="horz" wrap="square" lIns="91440" tIns="45720" rIns="91440" bIns="45720" numCol="1" spcCol="0" rtlCol="0" fromWordArt="0" anchor="ctr" anchorCtr="0" forceAA="0" compatLnSpc="1">
+            <a:prstTxWarp prst="textNoShape">
+              <a:avLst/>
+            </a:prstTxWarp>
+            <a:noAutofit/>
+          </a:bodyPr>
+          <a:lstStyle/>
+          <a:p>
+            <a:pPr algn="ctr"/>
+            <a:r>
+              <a:rPr lang="en-US" sz="1300" b="1">
+                <a:solidFill>
+                  <a:srgbClr val="FFFFFF"/>
+                </a:solidFill>
+                <a:ea typeface="+mn-lt"/>
+                <a:cs typeface="+mn-lt"/>
+              </a:rPr>
+              <a:t>Total Revenue and Number of Customer's by Location</a:t>
+            </a:r>
+            <a:endParaRPr lang="en-US" sz="1300">
+              <a:ea typeface="+mn-lt"/>
+              <a:cs typeface="+mn-lt"/>
+            </a:endParaRPr>
+          </a:p>
+        </p:txBody>
+      </p:sp>
+      <p:sp>
+        <p:nvSpPr>
+          <p:cNvPr id="13" name="Content Placeholder 12">
+            <a:extLst>
+              <a:ext uri="{FF2B5EF4-FFF2-40B4-BE49-F238E27FC236}">
+                <a16:creationId xmlns:a16="http://schemas.microsoft.com/office/drawing/2014/main" id="{317786DC-70E9-4433-A03C-C8DDF221C259}"/>
+              </a:ext>
+            </a:extLst>
+          </p:cNvPr>
+          <p:cNvSpPr>
+            <a:spLocks noGrp="1"/>
+          </p:cNvSpPr>
+          <p:nvPr>
+            <p:ph type="body" sz="half" idx="2"/>
+          </p:nvPr>
+        </p:nvSpPr>
+        <p:spPr/>
+        <p:txBody>
+          <a:bodyPr vert="horz" lIns="91440" tIns="45720" rIns="91440" bIns="45720" rtlCol="0" anchor="t">
+            <a:normAutofit/>
+          </a:bodyPr>
+          <a:lstStyle/>
+          <a:p>
+            <a:pPr marL="0" indent="0">
+              <a:buNone/>
+            </a:pPr>
+            <a:r>
+              <a:rPr lang="en-US" dirty="0">
+                <a:ea typeface="+mn-lt"/>
+                <a:cs typeface="+mn-lt"/>
+              </a:rPr>
+              <a:t>  </a:t>
+            </a:r>
+            <a:endParaRPr lang="en-US">
+              <a:cs typeface="Calibri" panose="020F0502020204030204"/>
+            </a:endParaRPr>
+          </a:p>
+        </p:txBody>
+      </p:sp>
+      <p:sp>
+        <p:nvSpPr>
+          <p:cNvPr id="26" name="Title 1">
+            <a:extLst>
+              <a:ext uri="{FF2B5EF4-FFF2-40B4-BE49-F238E27FC236}">
+                <a16:creationId xmlns:a16="http://schemas.microsoft.com/office/drawing/2014/main" id="{3757740F-55B7-4EE7-868A-E07F45BB5711}"/>
+              </a:ext>
+            </a:extLst>
+          </p:cNvPr>
+          <p:cNvSpPr txBox="1">
+            <a:spLocks/>
+          </p:cNvSpPr>
+          <p:nvPr/>
+        </p:nvSpPr>
+        <p:spPr>
+          <a:xfrm>
+            <a:off x="838200" y="557189"/>
+            <a:ext cx="4485688" cy="5567891"/>
+          </a:xfrm>
+          <a:prstGeom prst="rect">
+            <a:avLst/>
+          </a:prstGeom>
+        </p:spPr>
+        <p:txBody>
+          <a:bodyPr vert="horz" lIns="91440" tIns="45720" rIns="91440" bIns="45720" rtlCol="0" anchor="b">
+            <a:normAutofit/>
+          </a:bodyPr>
+          <a:lstStyle>
+            <a:lvl1pPr algn="l" defTabSz="914400" rtl="0" eaLnBrk="1" latinLnBrk="0" hangingPunct="1">
+              <a:lnSpc>
+                <a:spcPct val="90000"/>
+              </a:lnSpc>
+              <a:spcBef>
+                <a:spcPct val="0"/>
+              </a:spcBef>
+              <a:buNone/>
+              <a:defRPr sz="3200" kern="1200">
+                <a:solidFill>
+                  <a:schemeClr val="tx1"/>
+                </a:solidFill>
+                <a:latin typeface="+mj-lt"/>
+                <a:ea typeface="+mj-ea"/>
+                <a:cs typeface="+mj-cs"/>
+              </a:defRPr>
+            </a:lvl1pPr>
+          </a:lstStyle>
+          <a:p>
+            <a:r>
+              <a:rPr lang="en-US" sz="5200" dirty="0">
+                <a:ea typeface="+mj-lt"/>
+                <a:cs typeface="+mj-lt"/>
+              </a:rPr>
+              <a:t>Additional </a:t>
+            </a:r>
+            <a:br>
+              <a:rPr lang="en-US" sz="5200" dirty="0">
+                <a:ea typeface="+mj-lt"/>
+                <a:cs typeface="+mj-lt"/>
+              </a:rPr>
+            </a:br>
+            <a:r>
+              <a:rPr lang="en-US" sz="5200" dirty="0">
+                <a:ea typeface="+mj-lt"/>
+                <a:cs typeface="+mj-lt"/>
+              </a:rPr>
+              <a:t>Insights</a:t>
+            </a:r>
+            <a:endParaRPr lang="en-US" dirty="0">
+              <a:ea typeface="+mj-lt"/>
+              <a:cs typeface="+mj-lt"/>
+            </a:endParaRPr>
+          </a:p>
+          <a:p>
+            <a:endParaRPr lang="en-US" sz="5200" dirty="0">
+              <a:ea typeface="+mj-lt"/>
+              <a:cs typeface="+mj-lt"/>
+            </a:endParaRPr>
+          </a:p>
+          <a:p>
+            <a:pPr marL="285750" indent="-285750">
+              <a:lnSpc>
+                <a:spcPct val="100000"/>
+              </a:lnSpc>
+              <a:spcBef>
+                <a:spcPts val="0"/>
+              </a:spcBef>
+              <a:buFont typeface="Arial,Sans-Serif"/>
+              <a:buChar char="•"/>
+            </a:pPr>
+            <a:r>
+              <a:rPr lang="en-US" sz="2800" dirty="0">
+                <a:ea typeface="+mj-lt"/>
+                <a:cs typeface="+mj-lt"/>
+              </a:rPr>
+              <a:t>Total Revenue collected by regions and # of customers</a:t>
+            </a:r>
+            <a:endParaRPr lang="en-US" dirty="0" err="1"/>
+          </a:p>
+          <a:p>
+            <a:pPr marL="285750" indent="-285750">
+              <a:lnSpc>
+                <a:spcPct val="100000"/>
+              </a:lnSpc>
+              <a:spcBef>
+                <a:spcPts val="0"/>
+              </a:spcBef>
+              <a:buFont typeface="Arial,Sans-Serif"/>
+              <a:buChar char="•"/>
+            </a:pPr>
+            <a:r>
+              <a:rPr lang="en-US" sz="2800" dirty="0">
+                <a:ea typeface="+mj-lt"/>
+                <a:cs typeface="+mj-lt"/>
+              </a:rPr>
+              <a:t>Can help identify </a:t>
+            </a:r>
+          </a:p>
+          <a:p>
+            <a:pPr marL="914400" lvl="1" indent="-457200">
+              <a:lnSpc>
+                <a:spcPct val="100000"/>
+              </a:lnSpc>
+              <a:spcBef>
+                <a:spcPts val="0"/>
+              </a:spcBef>
+              <a:buAutoNum type="arabicPeriod"/>
+            </a:pPr>
+            <a:r>
+              <a:rPr lang="en-US" sz="2800" dirty="0">
+                <a:latin typeface="+mj-lt"/>
+                <a:ea typeface="+mj-lt"/>
+                <a:cs typeface="+mj-lt"/>
+              </a:rPr>
+              <a:t>Future Sales Target</a:t>
+            </a:r>
+          </a:p>
+          <a:p>
+            <a:pPr marL="914400" lvl="1" indent="-457200">
+              <a:lnSpc>
+                <a:spcPct val="100000"/>
+              </a:lnSpc>
+              <a:spcBef>
+                <a:spcPts val="0"/>
+              </a:spcBef>
+              <a:buAutoNum type="arabicPeriod"/>
+            </a:pPr>
+            <a:r>
+              <a:rPr lang="en-US" sz="2800" dirty="0">
+                <a:latin typeface="+mj-lt"/>
+                <a:ea typeface="+mj-lt"/>
+                <a:cs typeface="+mj-lt"/>
+              </a:rPr>
+              <a:t>Improve Customer Base</a:t>
+            </a:r>
+            <a:endParaRPr lang="en-US" dirty="0"/>
+          </a:p>
+        </p:txBody>
+      </p:sp>
+      <p:pic>
+        <p:nvPicPr>
+          <p:cNvPr id="3" name="Picture 2" descr="Text&#10;&#10;Description automatically generated">
+            <a:extLst>
+              <a:ext uri="{FF2B5EF4-FFF2-40B4-BE49-F238E27FC236}">
+                <a16:creationId xmlns:a16="http://schemas.microsoft.com/office/drawing/2014/main" id="{E5E3C57E-E5A6-4B48-A424-871FDBECAA6C}"/>
+              </a:ext>
+            </a:extLst>
+          </p:cNvPr>
+          <p:cNvPicPr>
+            <a:picLocks noChangeAspect="1"/>
+          </p:cNvPicPr>
+          <p:nvPr/>
+        </p:nvPicPr>
+        <p:blipFill>
+          <a:blip r:embed="rId2"/>
+          <a:stretch>
+            <a:fillRect/>
+          </a:stretch>
+        </p:blipFill>
+        <p:spPr>
+          <a:xfrm>
+            <a:off x="5266429" y="1906736"/>
+            <a:ext cx="6506150" cy="2426712"/>
+          </a:xfrm>
+          <a:prstGeom prst="rect">
+            <a:avLst/>
+          </a:prstGeom>
+          <a:ln w="38100" cap="sq">
+            <a:solidFill>
+              <a:srgbClr val="000000"/>
+            </a:solidFill>
+            <a:prstDash val="solid"/>
+            <a:miter lim="800000"/>
+          </a:ln>
+          <a:effectLst>
+            <a:outerShdw blurRad="50800" dist="38100" dir="2700000" algn="tl" rotWithShape="0">
+              <a:srgbClr val="000000">
+                <a:alpha val="43000"/>
+              </a:srgbClr>
+            </a:outerShdw>
+          </a:effectLst>
+        </p:spPr>
+      </p:pic>
+    </p:spTree>
+    <p:extLst>
+      <p:ext uri="{BB962C8B-B14F-4D97-AF65-F5344CB8AC3E}">
+        <p14:creationId xmlns:p14="http://schemas.microsoft.com/office/powerpoint/2010/main" val="4265935885"/>
+      </p:ext>
+    </p:extLst>
+  </p:cSld>
+  <p:clrMapOvr>
+    <a:masterClrMapping/>
+  </p:clrMapOvr>
+</p:sld>
+</file>
+
+<file path=ppt/slides/slide7.xml><?xml version="1.0" encoding="utf-8"?>
+<p:sld xmlns:a="http://schemas.openxmlformats.org/drawingml/2006/main" xmlns:r="http://schemas.openxmlformats.org/officeDocument/2006/relationships" xmlns:p="http://schemas.openxmlformats.org/presentationml/2006/main">
+  <p:cSld>
+    <p:bg>
+      <p:bgPr>
+        <a:solidFill>
+          <a:schemeClr val="bg1"/>
+        </a:solidFill>
+        <a:effectLst/>
+      </p:bgPr>
+    </p:bg>
+    <p:spTree>
+      <p:nvGrpSpPr>
+        <p:cNvPr id="1" name=""/>
+        <p:cNvGrpSpPr/>
+        <p:nvPr/>
+      </p:nvGrpSpPr>
+      <p:grpSpPr>
+        <a:xfrm>
+          <a:off x="0" y="0"/>
+          <a:ext cx="0" cy="0"/>
+          <a:chOff x="0" y="0"/>
+          <a:chExt cx="0" cy="0"/>
+        </a:xfrm>
+      </p:grpSpPr>
+      <p:sp>
+        <p:nvSpPr>
+          <p:cNvPr id="7" name="TextBox 6">
+            <a:extLst>
+              <a:ext uri="{FF2B5EF4-FFF2-40B4-BE49-F238E27FC236}">
+                <a16:creationId xmlns:a16="http://schemas.microsoft.com/office/drawing/2014/main" id="{DEC6709A-7CD4-407B-ABAA-578D4588D693}"/>
+              </a:ext>
+            </a:extLst>
+          </p:cNvPr>
+          <p:cNvSpPr txBox="1"/>
+          <p:nvPr/>
+        </p:nvSpPr>
+        <p:spPr>
+          <a:xfrm>
+            <a:off x="5158468" y="1185863"/>
+            <a:ext cx="6515099" cy="518659"/>
+          </a:xfrm>
+          <a:prstGeom prst="rect">
+            <a:avLst/>
+          </a:prstGeom>
+          <a:ln/>
+        </p:spPr>
+        <p:style>
+          <a:lnRef idx="1">
+            <a:schemeClr val="accent6"/>
+          </a:lnRef>
+          <a:fillRef idx="3">
+            <a:schemeClr val="accent6"/>
+          </a:fillRef>
+          <a:effectRef idx="2">
+            <a:schemeClr val="accent6"/>
+          </a:effectRef>
+          <a:fontRef idx="minor">
+            <a:schemeClr val="lt1"/>
+          </a:fontRef>
+        </p:style>
+        <p:txBody>
+          <a:bodyPr rot="0" spcFirstLastPara="0" vertOverflow="overflow" horzOverflow="overflow" vert="horz" wrap="square" lIns="91440" tIns="45720" rIns="91440" bIns="45720" numCol="1" spcCol="0" rtlCol="0" fromWordArt="0" anchor="ctr" anchorCtr="0" forceAA="0" compatLnSpc="1">
+            <a:prstTxWarp prst="textNoShape">
+              <a:avLst/>
+            </a:prstTxWarp>
+            <a:noAutofit/>
+          </a:bodyPr>
+          <a:lstStyle/>
+          <a:p>
+            <a:pPr algn="ctr"/>
+            <a:r>
+              <a:rPr lang="en-US" sz="1300" b="1">
+                <a:solidFill>
+                  <a:srgbClr val="FFFFFF"/>
+                </a:solidFill>
+                <a:ea typeface="+mn-lt"/>
+                <a:cs typeface="+mn-lt"/>
+              </a:rPr>
+              <a:t>Busy Hour of the Day</a:t>
+            </a:r>
+            <a:endParaRPr lang="en-US" sz="1300">
+              <a:ea typeface="+mn-lt"/>
+              <a:cs typeface="+mn-lt"/>
+            </a:endParaRPr>
+          </a:p>
+        </p:txBody>
+      </p:sp>
+      <p:sp>
+        <p:nvSpPr>
+          <p:cNvPr id="13" name="Content Placeholder 12">
+            <a:extLst>
+              <a:ext uri="{FF2B5EF4-FFF2-40B4-BE49-F238E27FC236}">
+                <a16:creationId xmlns:a16="http://schemas.microsoft.com/office/drawing/2014/main" id="{317786DC-70E9-4433-A03C-C8DDF221C259}"/>
+              </a:ext>
+            </a:extLst>
+          </p:cNvPr>
+          <p:cNvSpPr>
+            <a:spLocks noGrp="1"/>
+          </p:cNvSpPr>
+          <p:nvPr>
+            <p:ph type="body" sz="half" idx="2"/>
+          </p:nvPr>
+        </p:nvSpPr>
+        <p:spPr/>
+        <p:txBody>
+          <a:bodyPr vert="horz" lIns="91440" tIns="45720" rIns="91440" bIns="45720" rtlCol="0" anchor="t">
+            <a:normAutofit/>
+          </a:bodyPr>
+          <a:lstStyle/>
+          <a:p>
+            <a:pPr marL="0" indent="0">
+              <a:buNone/>
+            </a:pPr>
+            <a:r>
+              <a:rPr lang="en-US" dirty="0">
+                <a:ea typeface="+mn-lt"/>
+                <a:cs typeface="+mn-lt"/>
+              </a:rPr>
+              <a:t>  </a:t>
+            </a:r>
+            <a:endParaRPr lang="en-US">
+              <a:cs typeface="Calibri" panose="020F0502020204030204"/>
+            </a:endParaRPr>
+          </a:p>
+        </p:txBody>
+      </p:sp>
+      <p:sp>
+        <p:nvSpPr>
+          <p:cNvPr id="26" name="Title 1">
+            <a:extLst>
+              <a:ext uri="{FF2B5EF4-FFF2-40B4-BE49-F238E27FC236}">
+                <a16:creationId xmlns:a16="http://schemas.microsoft.com/office/drawing/2014/main" id="{3757740F-55B7-4EE7-868A-E07F45BB5711}"/>
+              </a:ext>
+            </a:extLst>
+          </p:cNvPr>
+          <p:cNvSpPr txBox="1">
+            <a:spLocks/>
+          </p:cNvSpPr>
+          <p:nvPr/>
+        </p:nvSpPr>
+        <p:spPr>
+          <a:xfrm>
+            <a:off x="838200" y="557189"/>
+            <a:ext cx="4819516" cy="5567891"/>
+          </a:xfrm>
+          <a:prstGeom prst="rect">
+            <a:avLst/>
+          </a:prstGeom>
+        </p:spPr>
+        <p:txBody>
+          <a:bodyPr vert="horz" lIns="91440" tIns="45720" rIns="91440" bIns="45720" rtlCol="0" anchor="b">
+            <a:normAutofit/>
+          </a:bodyPr>
+          <a:lstStyle>
+            <a:lvl1pPr algn="l" defTabSz="914400" rtl="0" eaLnBrk="1" latinLnBrk="0" hangingPunct="1">
+              <a:lnSpc>
+                <a:spcPct val="90000"/>
+              </a:lnSpc>
+              <a:spcBef>
+                <a:spcPct val="0"/>
+              </a:spcBef>
+              <a:buNone/>
+              <a:defRPr sz="3200" kern="1200">
+                <a:solidFill>
+                  <a:schemeClr val="tx1"/>
+                </a:solidFill>
+                <a:latin typeface="+mj-lt"/>
+                <a:ea typeface="+mj-ea"/>
+                <a:cs typeface="+mj-cs"/>
+              </a:defRPr>
+            </a:lvl1pPr>
+          </a:lstStyle>
+          <a:p>
+            <a:r>
+              <a:rPr lang="en-US" sz="5200">
+                <a:ea typeface="+mj-lt"/>
+                <a:cs typeface="+mj-lt"/>
+              </a:rPr>
+              <a:t>Additional </a:t>
+            </a:r>
+            <a:br>
+              <a:rPr lang="en-US" sz="5200" dirty="0">
+                <a:ea typeface="+mj-lt"/>
+                <a:cs typeface="+mj-lt"/>
+              </a:rPr>
+            </a:br>
+            <a:r>
+              <a:rPr lang="en-US" sz="5200">
+                <a:ea typeface="+mj-lt"/>
+                <a:cs typeface="+mj-lt"/>
+              </a:rPr>
+              <a:t>Insights</a:t>
+            </a:r>
+            <a:endParaRPr lang="en-US">
+              <a:ea typeface="+mj-lt"/>
+              <a:cs typeface="+mj-lt"/>
+            </a:endParaRPr>
+          </a:p>
+          <a:p>
+            <a:endParaRPr lang="en-US" sz="5200" dirty="0">
+              <a:ea typeface="+mj-lt"/>
+              <a:cs typeface="+mj-lt"/>
+            </a:endParaRPr>
+          </a:p>
+          <a:p>
+            <a:pPr marL="285750" indent="-285750">
+              <a:lnSpc>
+                <a:spcPct val="100000"/>
+              </a:lnSpc>
+              <a:spcBef>
+                <a:spcPts val="0"/>
+              </a:spcBef>
+              <a:buFont typeface="Arial,Sans-Serif"/>
+              <a:buChar char="•"/>
+            </a:pPr>
+            <a:r>
+              <a:rPr lang="en-US" sz="2800">
+                <a:ea typeface="+mj-lt"/>
+                <a:cs typeface="+mj-lt"/>
+              </a:rPr>
+              <a:t>Busy hour of the day by number of hits</a:t>
+            </a:r>
+          </a:p>
+          <a:p>
+            <a:pPr marL="285750" indent="-285750">
+              <a:lnSpc>
+                <a:spcPct val="100000"/>
+              </a:lnSpc>
+              <a:spcBef>
+                <a:spcPts val="0"/>
+              </a:spcBef>
+              <a:buFont typeface="Arial,Sans-Serif"/>
+              <a:buChar char="•"/>
+            </a:pPr>
+            <a:r>
+              <a:rPr lang="en-US" sz="2800">
+                <a:ea typeface="+mj-lt"/>
+                <a:cs typeface="+mj-lt"/>
+              </a:rPr>
+              <a:t>Can help identify </a:t>
+            </a:r>
+          </a:p>
+          <a:p>
+            <a:pPr marL="914400" lvl="1" indent="-457200">
+              <a:lnSpc>
+                <a:spcPct val="100000"/>
+              </a:lnSpc>
+              <a:spcBef>
+                <a:spcPts val="0"/>
+              </a:spcBef>
+              <a:buAutoNum type="arabicPeriod"/>
+            </a:pPr>
+            <a:r>
+              <a:rPr lang="en-US" sz="2800">
+                <a:latin typeface="+mj-lt"/>
+                <a:ea typeface="+mj-lt"/>
+                <a:cs typeface="+mj-lt"/>
+              </a:rPr>
+              <a:t>Promotion Time</a:t>
+            </a:r>
+          </a:p>
+          <a:p>
+            <a:pPr marL="914400" lvl="1" indent="-457200">
+              <a:lnSpc>
+                <a:spcPct val="100000"/>
+              </a:lnSpc>
+              <a:spcBef>
+                <a:spcPts val="0"/>
+              </a:spcBef>
+              <a:buAutoNum type="arabicPeriod"/>
+            </a:pPr>
+            <a:r>
+              <a:rPr lang="en-US" sz="2800">
+                <a:latin typeface="+mj-lt"/>
+                <a:ea typeface="+mj-lt"/>
+                <a:cs typeface="+mj-lt"/>
+              </a:rPr>
+              <a:t>Resource Allocation </a:t>
+            </a:r>
+            <a:endParaRPr lang="en-US"/>
+          </a:p>
+          <a:p>
+            <a:endParaRPr lang="en-US" sz="5200" dirty="0">
+              <a:cs typeface="Calibri Light"/>
+            </a:endParaRPr>
+          </a:p>
+        </p:txBody>
+      </p:sp>
+      <p:pic>
+        <p:nvPicPr>
+          <p:cNvPr id="3" name="Picture 3" descr="Text&#10;&#10;Description automatically generated">
+            <a:extLst>
+              <a:ext uri="{FF2B5EF4-FFF2-40B4-BE49-F238E27FC236}">
+                <a16:creationId xmlns:a16="http://schemas.microsoft.com/office/drawing/2014/main" id="{181E09F8-922A-4F39-ADC5-61A2C5B929F3}"/>
+              </a:ext>
+            </a:extLst>
+          </p:cNvPr>
+          <p:cNvPicPr>
+            <a:picLocks noChangeAspect="1"/>
+          </p:cNvPicPr>
+          <p:nvPr/>
+        </p:nvPicPr>
+        <p:blipFill>
+          <a:blip r:embed="rId2"/>
+          <a:stretch>
+            <a:fillRect/>
+          </a:stretch>
+        </p:blipFill>
+        <p:spPr>
+          <a:xfrm>
+            <a:off x="5159829" y="1925951"/>
+            <a:ext cx="6516914" cy="2098954"/>
+          </a:xfrm>
+          <a:prstGeom prst="rect">
+            <a:avLst/>
+          </a:prstGeom>
+          <a:ln w="38100" cap="sq">
+            <a:solidFill>
+              <a:srgbClr val="000000"/>
+            </a:solidFill>
+            <a:prstDash val="solid"/>
+            <a:miter lim="800000"/>
+          </a:ln>
+          <a:effectLst>
+            <a:outerShdw blurRad="50800" dist="38100" dir="2700000" algn="tl" rotWithShape="0">
+              <a:srgbClr val="000000">
+                <a:alpha val="43000"/>
+              </a:srgbClr>
+            </a:outerShdw>
+          </a:effectLst>
+        </p:spPr>
+      </p:pic>
+    </p:spTree>
+    <p:extLst>
+      <p:ext uri="{BB962C8B-B14F-4D97-AF65-F5344CB8AC3E}">
+        <p14:creationId xmlns:p14="http://schemas.microsoft.com/office/powerpoint/2010/main" val="1196802658"/>
+      </p:ext>
+    </p:extLst>
+  </p:cSld>
+  <p:clrMapOvr>
+    <a:masterClrMapping/>
+  </p:clrMapOvr>
+</p:sld>
+</file>
+
+<file path=ppt/slides/slide8.xml><?xml version="1.0" encoding="utf-8"?>
+<p:sld xmlns:a="http://schemas.openxmlformats.org/drawingml/2006/main" xmlns:r="http://schemas.openxmlformats.org/officeDocument/2006/relationships" xmlns:p="http://schemas.openxmlformats.org/presentationml/2006/main">
+  <p:cSld>
+    <p:bg>
+      <p:bgPr>
+        <a:solidFill>
+          <a:schemeClr val="bg1"/>
+        </a:solidFill>
+        <a:effectLst/>
+      </p:bgPr>
+    </p:bg>
+    <p:spTree>
+      <p:nvGrpSpPr>
+        <p:cNvPr id="1" name=""/>
+        <p:cNvGrpSpPr/>
+        <p:nvPr/>
+      </p:nvGrpSpPr>
+      <p:grpSpPr>
+        <a:xfrm>
+          <a:off x="0" y="0"/>
+          <a:ext cx="0" cy="0"/>
+          <a:chOff x="0" y="0"/>
+          <a:chExt cx="0" cy="0"/>
+        </a:xfrm>
+      </p:grpSpPr>
+      <p:sp>
+        <p:nvSpPr>
+          <p:cNvPr id="7" name="TextBox 6">
+            <a:extLst>
+              <a:ext uri="{FF2B5EF4-FFF2-40B4-BE49-F238E27FC236}">
+                <a16:creationId xmlns:a16="http://schemas.microsoft.com/office/drawing/2014/main" id="{DEC6709A-7CD4-407B-ABAA-578D4588D693}"/>
+              </a:ext>
+            </a:extLst>
+          </p:cNvPr>
+          <p:cNvSpPr txBox="1"/>
+          <p:nvPr/>
+        </p:nvSpPr>
+        <p:spPr>
+          <a:xfrm>
+            <a:off x="6426221" y="1455598"/>
+            <a:ext cx="4047029" cy="525402"/>
+          </a:xfrm>
+          <a:prstGeom prst="rect">
+            <a:avLst/>
+          </a:prstGeom>
+          <a:ln/>
+        </p:spPr>
+        <p:style>
+          <a:lnRef idx="1">
+            <a:schemeClr val="accent6"/>
+          </a:lnRef>
+          <a:fillRef idx="3">
+            <a:schemeClr val="accent6"/>
+          </a:fillRef>
+          <a:effectRef idx="2">
+            <a:schemeClr val="accent6"/>
+          </a:effectRef>
+          <a:fontRef idx="minor">
+            <a:schemeClr val="lt1"/>
+          </a:fontRef>
+        </p:style>
+        <p:txBody>
+          <a:bodyPr rot="0" spcFirstLastPara="0" vertOverflow="overflow" horzOverflow="overflow" vert="horz" wrap="square" lIns="91440" tIns="45720" rIns="91440" bIns="45720" numCol="1" spcCol="0" rtlCol="0" fromWordArt="0" anchor="ctr" anchorCtr="0" forceAA="0" compatLnSpc="1">
+            <a:prstTxWarp prst="textNoShape">
+              <a:avLst/>
+            </a:prstTxWarp>
+            <a:noAutofit/>
+          </a:bodyPr>
+          <a:lstStyle/>
+          <a:p>
+            <a:pPr algn="ctr"/>
+            <a:r>
+              <a:rPr lang="en-US" sz="1300" b="1">
+                <a:solidFill>
+                  <a:srgbClr val="FFFFFF"/>
+                </a:solidFill>
+                <a:ea typeface="+mn-lt"/>
+                <a:cs typeface="+mn-lt"/>
+              </a:rPr>
+              <a:t>Revenue by Product Category </a:t>
+            </a:r>
+            <a:endParaRPr lang="en-US" sz="1300" b="1">
+              <a:ea typeface="+mn-lt"/>
+              <a:cs typeface="+mn-lt"/>
+            </a:endParaRPr>
+          </a:p>
+        </p:txBody>
+      </p:sp>
+      <p:sp>
+        <p:nvSpPr>
+          <p:cNvPr id="13" name="Content Placeholder 12">
+            <a:extLst>
+              <a:ext uri="{FF2B5EF4-FFF2-40B4-BE49-F238E27FC236}">
+                <a16:creationId xmlns:a16="http://schemas.microsoft.com/office/drawing/2014/main" id="{317786DC-70E9-4433-A03C-C8DDF221C259}"/>
+              </a:ext>
+            </a:extLst>
+          </p:cNvPr>
+          <p:cNvSpPr>
+            <a:spLocks noGrp="1"/>
+          </p:cNvSpPr>
+          <p:nvPr>
+            <p:ph type="body" sz="half" idx="2"/>
+          </p:nvPr>
+        </p:nvSpPr>
+        <p:spPr/>
+        <p:txBody>
+          <a:bodyPr vert="horz" lIns="91440" tIns="45720" rIns="91440" bIns="45720" rtlCol="0" anchor="t">
+            <a:normAutofit/>
+          </a:bodyPr>
+          <a:lstStyle/>
+          <a:p>
+            <a:pPr marL="0" indent="0">
+              <a:buNone/>
+            </a:pPr>
+            <a:r>
+              <a:rPr lang="en-US" dirty="0">
+                <a:ea typeface="+mn-lt"/>
+                <a:cs typeface="+mn-lt"/>
+              </a:rPr>
+              <a:t>  </a:t>
+            </a:r>
+            <a:endParaRPr lang="en-US">
+              <a:cs typeface="Calibri" panose="020F0502020204030204"/>
+            </a:endParaRPr>
+          </a:p>
+        </p:txBody>
+      </p:sp>
+      <p:sp>
+        <p:nvSpPr>
+          <p:cNvPr id="26" name="Title 1">
+            <a:extLst>
+              <a:ext uri="{FF2B5EF4-FFF2-40B4-BE49-F238E27FC236}">
+                <a16:creationId xmlns:a16="http://schemas.microsoft.com/office/drawing/2014/main" id="{3757740F-55B7-4EE7-868A-E07F45BB5711}"/>
+              </a:ext>
+            </a:extLst>
+          </p:cNvPr>
+          <p:cNvSpPr txBox="1">
+            <a:spLocks/>
+          </p:cNvSpPr>
+          <p:nvPr/>
+        </p:nvSpPr>
+        <p:spPr>
+          <a:xfrm>
+            <a:off x="838200" y="557189"/>
+            <a:ext cx="4819516" cy="5567891"/>
+          </a:xfrm>
+          <a:prstGeom prst="rect">
+            <a:avLst/>
+          </a:prstGeom>
+        </p:spPr>
+        <p:txBody>
+          <a:bodyPr vert="horz" lIns="91440" tIns="45720" rIns="91440" bIns="45720" rtlCol="0" anchor="b">
+            <a:normAutofit/>
+          </a:bodyPr>
+          <a:lstStyle>
+            <a:lvl1pPr algn="l" defTabSz="914400" rtl="0" eaLnBrk="1" latinLnBrk="0" hangingPunct="1">
+              <a:lnSpc>
+                <a:spcPct val="90000"/>
+              </a:lnSpc>
+              <a:spcBef>
+                <a:spcPct val="0"/>
+              </a:spcBef>
+              <a:buNone/>
+              <a:defRPr sz="3200" kern="1200">
+                <a:solidFill>
+                  <a:schemeClr val="tx1"/>
+                </a:solidFill>
+                <a:latin typeface="+mj-lt"/>
+                <a:ea typeface="+mj-ea"/>
+                <a:cs typeface="+mj-cs"/>
+              </a:defRPr>
+            </a:lvl1pPr>
+          </a:lstStyle>
+          <a:p>
+            <a:r>
+              <a:rPr lang="en-US" sz="5200">
+                <a:ea typeface="+mj-lt"/>
+                <a:cs typeface="+mj-lt"/>
+              </a:rPr>
+              <a:t>Additional </a:t>
+            </a:r>
+            <a:br>
+              <a:rPr lang="en-US" sz="5200" dirty="0">
+                <a:ea typeface="+mj-lt"/>
+                <a:cs typeface="+mj-lt"/>
+              </a:rPr>
+            </a:br>
+            <a:r>
+              <a:rPr lang="en-US" sz="5200">
+                <a:ea typeface="+mj-lt"/>
+                <a:cs typeface="+mj-lt"/>
+              </a:rPr>
+              <a:t>Insights</a:t>
+            </a:r>
+            <a:endParaRPr lang="en-US">
+              <a:ea typeface="+mj-lt"/>
+              <a:cs typeface="+mj-lt"/>
+            </a:endParaRPr>
+          </a:p>
+          <a:p>
+            <a:endParaRPr lang="en-US" sz="5200" dirty="0">
+              <a:ea typeface="+mj-lt"/>
+              <a:cs typeface="+mj-lt"/>
+            </a:endParaRPr>
+          </a:p>
+          <a:p>
+            <a:pPr marL="285750" indent="-285750">
+              <a:lnSpc>
+                <a:spcPct val="100000"/>
+              </a:lnSpc>
+              <a:spcBef>
+                <a:spcPts val="0"/>
+              </a:spcBef>
+              <a:buFont typeface="Arial,Sans-Serif"/>
+              <a:buChar char="•"/>
+            </a:pPr>
+            <a:r>
+              <a:rPr lang="en-US" sz="2800">
+                <a:ea typeface="+mj-lt"/>
+                <a:cs typeface="+mj-lt"/>
+              </a:rPr>
+              <a:t>Revenue by category</a:t>
+            </a:r>
+            <a:endParaRPr lang="en-US" sz="2800" dirty="0">
+              <a:ea typeface="+mj-lt"/>
+              <a:cs typeface="+mj-lt"/>
+            </a:endParaRPr>
+          </a:p>
+          <a:p>
+            <a:pPr marL="285750" indent="-285750">
+              <a:lnSpc>
+                <a:spcPct val="100000"/>
+              </a:lnSpc>
+              <a:spcBef>
+                <a:spcPts val="0"/>
+              </a:spcBef>
+              <a:buFont typeface="Arial,Sans-Serif"/>
+              <a:buChar char="•"/>
+            </a:pPr>
+            <a:r>
+              <a:rPr lang="en-US" sz="2800">
+                <a:ea typeface="+mj-lt"/>
+                <a:cs typeface="+mj-lt"/>
+              </a:rPr>
+              <a:t>Can help identify </a:t>
+            </a:r>
+          </a:p>
+          <a:p>
+            <a:pPr marL="914400" lvl="1" indent="-457200">
+              <a:buAutoNum type="arabicPeriod"/>
+            </a:pPr>
+            <a:r>
+              <a:rPr lang="en-US" sz="2800">
+                <a:latin typeface="+mj-lt"/>
+                <a:ea typeface="+mj-lt"/>
+                <a:cs typeface="+mj-lt"/>
+              </a:rPr>
+              <a:t>Category demands</a:t>
+            </a:r>
+            <a:endParaRPr lang="en-US" sz="2800" dirty="0">
+              <a:latin typeface="+mj-lt"/>
+              <a:ea typeface="+mj-lt"/>
+              <a:cs typeface="+mj-lt"/>
+            </a:endParaRPr>
+          </a:p>
+          <a:p>
+            <a:endParaRPr lang="en-US" sz="5200" dirty="0">
+              <a:latin typeface="Calibri Light" panose="020F0302020204030204"/>
+              <a:cs typeface="Calibri Light" panose="020F0302020204030204"/>
+            </a:endParaRPr>
+          </a:p>
+        </p:txBody>
+      </p:sp>
+      <p:pic>
+        <p:nvPicPr>
+          <p:cNvPr id="2" name="Picture 3" descr="Graphical user interface, text&#10;&#10;Description automatically generated">
+            <a:extLst>
+              <a:ext uri="{FF2B5EF4-FFF2-40B4-BE49-F238E27FC236}">
+                <a16:creationId xmlns:a16="http://schemas.microsoft.com/office/drawing/2014/main" id="{B7F8ABF3-0EDB-42CC-8599-52EB437D152E}"/>
+              </a:ext>
+            </a:extLst>
+          </p:cNvPr>
+          <p:cNvPicPr>
+            <a:picLocks noChangeAspect="1"/>
+          </p:cNvPicPr>
+          <p:nvPr/>
+        </p:nvPicPr>
+        <p:blipFill>
+          <a:blip r:embed="rId2"/>
+          <a:stretch>
+            <a:fillRect/>
+          </a:stretch>
+        </p:blipFill>
+        <p:spPr>
+          <a:xfrm>
+            <a:off x="6423728" y="2139381"/>
+            <a:ext cx="4051412" cy="1898160"/>
+          </a:xfrm>
+          <a:prstGeom prst="rect">
+            <a:avLst/>
+          </a:prstGeom>
+        </p:spPr>
+      </p:pic>
+    </p:spTree>
+    <p:extLst>
+      <p:ext uri="{BB962C8B-B14F-4D97-AF65-F5344CB8AC3E}">
+        <p14:creationId xmlns:p14="http://schemas.microsoft.com/office/powerpoint/2010/main" val="1314634479"/>
+      </p:ext>
+    </p:extLst>
+  </p:cSld>
+  <p:clrMapOvr>
+    <a:masterClrMapping/>
+  </p:clrMapOvr>
+</p:sld>
+</file>
+
+<file path=ppt/slides/slide9.xml><?xml version="1.0" encoding="utf-8"?>
+<p:sld xmlns:a="http://schemas.openxmlformats.org/drawingml/2006/main" xmlns:r="http://schemas.openxmlformats.org/officeDocument/2006/relationships" xmlns:p="http://schemas.openxmlformats.org/presentationml/2006/main">
+  <p:cSld>
+    <p:bg>
+      <p:bgPr>
+        <a:solidFill>
+          <a:schemeClr val="bg1"/>
+        </a:solidFill>
+        <a:effectLst/>
+      </p:bgPr>
+    </p:bg>
+    <p:spTree>
+      <p:nvGrpSpPr>
+        <p:cNvPr id="1" name=""/>
+        <p:cNvGrpSpPr/>
+        <p:nvPr/>
+      </p:nvGrpSpPr>
+      <p:grpSpPr>
+        <a:xfrm>
+          <a:off x="0" y="0"/>
+          <a:ext cx="0" cy="0"/>
+          <a:chOff x="0" y="0"/>
+          <a:chExt cx="0" cy="0"/>
+        </a:xfrm>
+      </p:grpSpPr>
+      <p:sp useBgFill="1">
+        <p:nvSpPr>
+          <p:cNvPr id="29" name="Rectangle 28">
+            <a:extLst>
+              <a:ext uri="{FF2B5EF4-FFF2-40B4-BE49-F238E27FC236}">
+                <a16:creationId xmlns:a16="http://schemas.microsoft.com/office/drawing/2014/main" id="{DCC231C8-C761-4B31-9B1C-C6D19248C6B3}"/>
+              </a:ext>
+              <a:ext uri="{C183D7F6-B498-43B3-948B-1728B52AA6E4}">
+                <adec:decorative xmlns:adec="http://schemas.microsoft.com/office/drawing/2017/decorative" val="1"/>
+              </a:ext>
+            </a:extLst>
+          </p:cNvPr>
+          <p:cNvSpPr>
+            <a:spLocks noGrp="1" noRot="1" noChangeAspect="1" noMove="1" noResize="1" noEditPoints="1" noAdjustHandles="1" noChangeArrowheads="1" noChangeShapeType="1" noTextEdit="1"/>
+          </p:cNvSpPr>
+          <p:nvPr>
+            <p:extLst>
+              <p:ext uri="{386F3935-93C4-4BCD-93E2-E3B085C9AB24}">
+                <p16:designElem xmlns:p16="http://schemas.microsoft.com/office/powerpoint/2015/main" val="1"/>
+              </p:ext>
+            </p:extLst>
+          </p:nvPr>
+        </p:nvSpPr>
+        <p:spPr>
+          <a:xfrm>
+            <a:off x="-1" y="0"/>
+            <a:ext cx="12188952" cy="6858000"/>
+          </a:xfrm>
+          <a:prstGeom prst="rect">
+            <a:avLst/>
+          </a:prstGeom>
+          <a:ln>
+            <a:noFill/>
+          </a:ln>
+        </p:spPr>
+        <p:style>
+          <a:lnRef idx="2">
+            <a:schemeClr val="accent1">
+              <a:shade val="50000"/>
+            </a:schemeClr>
+          </a:lnRef>
+          <a:fillRef idx="1">
+            <a:schemeClr val="accent1"/>
+          </a:fillRef>
+          <a:effectRef idx="0">
+            <a:schemeClr val="accent1"/>
+          </a:effectRef>
+          <a:fontRef idx="minor">
+            <a:schemeClr val="lt1"/>
+          </a:fontRef>
+        </p:style>
+        <p:txBody>
+          <a:bodyPr rtlCol="0" anchor="ctr"/>
+          <a:lstStyle/>
+          <a:p>
+            <a:pPr algn="ctr"/>
+            <a:endParaRPr lang="en-US"/>
+          </a:p>
+        </p:txBody>
+      </p:sp>
+      <p:sp>
+        <p:nvSpPr>
+          <p:cNvPr id="2" name="Title 1">
+            <a:extLst>
+              <a:ext uri="{FF2B5EF4-FFF2-40B4-BE49-F238E27FC236}">
+                <a16:creationId xmlns:a16="http://schemas.microsoft.com/office/drawing/2014/main" id="{F6993837-D4E2-424B-B09C-83E0E28E4AD5}"/>
+              </a:ext>
+            </a:extLst>
+          </p:cNvPr>
+          <p:cNvSpPr>
+            <a:spLocks noGrp="1"/>
+          </p:cNvSpPr>
+          <p:nvPr>
+            <p:ph type="title"/>
+          </p:nvPr>
+        </p:nvSpPr>
+        <p:spPr>
+          <a:xfrm>
+            <a:off x="838200" y="557189"/>
+            <a:ext cx="3374136" cy="5567891"/>
+          </a:xfrm>
+        </p:spPr>
+        <p:txBody>
+          <a:bodyPr>
+            <a:normAutofit/>
+          </a:bodyPr>
+          <a:lstStyle/>
+          <a:p>
+            <a:r>
+              <a:rPr lang="en-US" sz="5200">
+                <a:cs typeface="Calibri Light"/>
+              </a:rPr>
+              <a:t>Solution</a:t>
+            </a:r>
+          </a:p>
+        </p:txBody>
+      </p:sp>
+      <p:graphicFrame>
+        <p:nvGraphicFramePr>
+          <p:cNvPr id="5" name="Content Placeholder 2">
+            <a:extLst>
+              <a:ext uri="{FF2B5EF4-FFF2-40B4-BE49-F238E27FC236}">
+                <a16:creationId xmlns:a16="http://schemas.microsoft.com/office/drawing/2014/main" id="{2687DF47-2547-4F9E-A2B4-86349E04763C}"/>
+              </a:ext>
+            </a:extLst>
+          </p:cNvPr>
+          <p:cNvGraphicFramePr>
+            <a:graphicFrameLocks noGrp="1"/>
+          </p:cNvGraphicFramePr>
+          <p:nvPr>
+            <p:ph idx="1"/>
+            <p:extLst>
+              <p:ext uri="{D42A27DB-BD31-4B8C-83A1-F6EECF244321}">
+                <p14:modId xmlns:p14="http://schemas.microsoft.com/office/powerpoint/2010/main" val="1977547601"/>
+              </p:ext>
+            </p:extLst>
+          </p:nvPr>
+        </p:nvGraphicFramePr>
+        <p:xfrm>
+          <a:off x="5093208" y="620392"/>
+          <a:ext cx="6344560" cy="5504688"/>
+        </p:xfrm>
+        <a:graphic>
+          <a:graphicData uri="http://schemas.openxmlformats.org/drawingml/2006/diagram">
+            <dgm:relIds xmlns:dgm="http://schemas.openxmlformats.org/drawingml/2006/diagram" xmlns:r="http://schemas.openxmlformats.org/officeDocument/2006/relationships" r:dm="rId2" r:lo="rId3" r:qs="rId4" r:cs="rId5"/>
+          </a:graphicData>
+        </a:graphic>
+      </p:graphicFrame>
+    </p:spTree>
+    <p:extLst>
+      <p:ext uri="{BB962C8B-B14F-4D97-AF65-F5344CB8AC3E}">
+        <p14:creationId xmlns:p14="http://schemas.microsoft.com/office/powerpoint/2010/main" val="3580015431"/>
+      </p:ext>
+    </p:extLst>
+  </p:cSld>
+  <p:clrMapOvr>
+    <a:masterClrMapping/>
+  </p:clrMapOvr>
+</p:sld>
+</file>
+
 <file path=ppt/theme/theme1.xml><?xml version="1.0" encoding="utf-8"?>
 <a:theme xmlns:a="http://schemas.openxmlformats.org/drawingml/2006/main" name="office theme">
   <a:themeElements>
